--- a/lesson01.pptx
+++ b/lesson01.pptx
@@ -23,6 +23,10 @@
     <p:sldId id="271" r:id="rId17"/>
     <p:sldId id="272" r:id="rId18"/>
     <p:sldId id="273" r:id="rId19"/>
+    <p:sldId id="274" r:id="rId20"/>
+    <p:sldId id="275" r:id="rId21"/>
+    <p:sldId id="276" r:id="rId22"/>
+    <p:sldId id="277" r:id="rId23"/>
   </p:sldIdLst>
   <p:sldSz cx="12192000" cy="6858000"/>
   <p:notesSz cx="6858000" cy="9144000"/>
@@ -4160,7 +4164,7 @@
         </p:nvSpPr>
         <p:spPr>
           <a:xfrm>
-            <a:off x="4746989" y="3185828"/>
+            <a:off x="4792709" y="3208688"/>
             <a:ext cx="3959033" cy="707886"/>
           </a:xfrm>
           <a:prstGeom prst="rect">
@@ -4391,6 +4395,14 @@
           <a:lstStyle/>
           <a:p>
             <a:r>
+              <a:rPr lang="ja-JP" altLang="en-US" sz="3200"/>
+              <a:t>リモート操作の種類</a:t>
+            </a:r>
+            <a:r>
+              <a:rPr lang="en-US" altLang="ja-JP" sz="3200" dirty="0"/>
+              <a:t>: </a:t>
+            </a:r>
+            <a:r>
               <a:rPr lang="en-US" sz="3200" dirty="0"/>
               <a:t>CRUD</a:t>
             </a:r>
@@ -4641,8 +4653,8 @@
         </p:nvSpPr>
         <p:spPr>
           <a:xfrm>
-            <a:off x="7136137" y="3086944"/>
-            <a:ext cx="4456285" cy="2862322"/>
+            <a:off x="6212373" y="3246736"/>
+            <a:ext cx="5650906" cy="2246769"/>
           </a:xfrm>
           <a:prstGeom prst="rect">
             <a:avLst/>
@@ -4661,101 +4673,161 @@
           <a:lstStyle/>
           <a:p>
             <a:r>
-              <a:rPr lang="en-US" dirty="0"/>
+              <a:rPr lang="en-US" sz="1400" dirty="0">
+                <a:latin typeface="Consolas" panose="020B0609020204030204" pitchFamily="49" charset="0"/>
+                <a:cs typeface="Consolas" panose="020B0609020204030204" pitchFamily="49" charset="0"/>
+              </a:rPr>
               <a:t>{</a:t>
             </a:r>
           </a:p>
           <a:p>
             <a:r>
-              <a:rPr lang="en-US" dirty="0"/>
+              <a:rPr lang="en-US" sz="1400" dirty="0">
+                <a:latin typeface="Consolas" panose="020B0609020204030204" pitchFamily="49" charset="0"/>
+                <a:cs typeface="Consolas" panose="020B0609020204030204" pitchFamily="49" charset="0"/>
+              </a:rPr>
               <a:t>  "</a:t>
             </a:r>
             <a:r>
-              <a:rPr lang="en-US" dirty="0" err="1"/>
+              <a:rPr lang="en-US" sz="1400" dirty="0" err="1">
+                <a:latin typeface="Consolas" panose="020B0609020204030204" pitchFamily="49" charset="0"/>
+                <a:cs typeface="Consolas" panose="020B0609020204030204" pitchFamily="49" charset="0"/>
+              </a:rPr>
               <a:t>color_list</a:t>
             </a:r>
             <a:r>
-              <a:rPr lang="en-US" dirty="0"/>
+              <a:rPr lang="en-US" sz="1400" dirty="0">
+                <a:latin typeface="Consolas" panose="020B0609020204030204" pitchFamily="49" charset="0"/>
+                <a:cs typeface="Consolas" panose="020B0609020204030204" pitchFamily="49" charset="0"/>
+              </a:rPr>
               <a:t>": [ "red", "green", "blue" ],</a:t>
             </a:r>
           </a:p>
           <a:p>
             <a:r>
-              <a:rPr lang="en-US" dirty="0"/>
+              <a:rPr lang="en-US" sz="1400" dirty="0">
+                <a:latin typeface="Consolas" panose="020B0609020204030204" pitchFamily="49" charset="0"/>
+                <a:cs typeface="Consolas" panose="020B0609020204030204" pitchFamily="49" charset="0"/>
+              </a:rPr>
               <a:t>  "</a:t>
             </a:r>
             <a:r>
-              <a:rPr lang="en-US" dirty="0" err="1"/>
+              <a:rPr lang="en-US" sz="1400" dirty="0" err="1">
+                <a:latin typeface="Consolas" panose="020B0609020204030204" pitchFamily="49" charset="0"/>
+                <a:cs typeface="Consolas" panose="020B0609020204030204" pitchFamily="49" charset="0"/>
+              </a:rPr>
               <a:t>num_list</a:t>
             </a:r>
             <a:r>
-              <a:rPr lang="en-US" dirty="0"/>
+              <a:rPr lang="en-US" sz="1400" dirty="0">
+                <a:latin typeface="Consolas" panose="020B0609020204030204" pitchFamily="49" charset="0"/>
+                <a:cs typeface="Consolas" panose="020B0609020204030204" pitchFamily="49" charset="0"/>
+              </a:rPr>
               <a:t>": [ 123, 456, 789 ],</a:t>
             </a:r>
           </a:p>
           <a:p>
             <a:r>
-              <a:rPr lang="en-US" dirty="0"/>
+              <a:rPr lang="en-US" sz="1400" dirty="0">
+                <a:latin typeface="Consolas" panose="020B0609020204030204" pitchFamily="49" charset="0"/>
+                <a:cs typeface="Consolas" panose="020B0609020204030204" pitchFamily="49" charset="0"/>
+              </a:rPr>
               <a:t>  "</a:t>
             </a:r>
             <a:r>
-              <a:rPr lang="en-US" dirty="0" err="1"/>
+              <a:rPr lang="en-US" sz="1400" dirty="0" err="1">
+                <a:latin typeface="Consolas" panose="020B0609020204030204" pitchFamily="49" charset="0"/>
+                <a:cs typeface="Consolas" panose="020B0609020204030204" pitchFamily="49" charset="0"/>
+              </a:rPr>
               <a:t>mix_list</a:t>
             </a:r>
             <a:r>
-              <a:rPr lang="en-US" dirty="0"/>
+              <a:rPr lang="en-US" sz="1400" dirty="0">
+                <a:latin typeface="Consolas" panose="020B0609020204030204" pitchFamily="49" charset="0"/>
+                <a:cs typeface="Consolas" panose="020B0609020204030204" pitchFamily="49" charset="0"/>
+              </a:rPr>
               <a:t>": [ "red", 456, null, true ],</a:t>
             </a:r>
           </a:p>
           <a:p>
             <a:r>
-              <a:rPr lang="en-US" dirty="0"/>
+              <a:rPr lang="en-US" sz="1400" dirty="0">
+                <a:latin typeface="Consolas" panose="020B0609020204030204" pitchFamily="49" charset="0"/>
+                <a:cs typeface="Consolas" panose="020B0609020204030204" pitchFamily="49" charset="0"/>
+              </a:rPr>
               <a:t>  "</a:t>
             </a:r>
             <a:r>
-              <a:rPr lang="en-US" dirty="0" err="1"/>
+              <a:rPr lang="en-US" sz="1400" dirty="0" err="1">
+                <a:latin typeface="Consolas" panose="020B0609020204030204" pitchFamily="49" charset="0"/>
+                <a:cs typeface="Consolas" panose="020B0609020204030204" pitchFamily="49" charset="0"/>
+              </a:rPr>
               <a:t>array_list</a:t>
             </a:r>
             <a:r>
-              <a:rPr lang="en-US" dirty="0"/>
+              <a:rPr lang="en-US" sz="1400" dirty="0">
+                <a:latin typeface="Consolas" panose="020B0609020204030204" pitchFamily="49" charset="0"/>
+                <a:cs typeface="Consolas" panose="020B0609020204030204" pitchFamily="49" charset="0"/>
+              </a:rPr>
               <a:t>": [ [ 12, 23 ], [ 34, 45 ], [ 56, 67 ] ],</a:t>
             </a:r>
           </a:p>
           <a:p>
             <a:r>
-              <a:rPr lang="en-US" dirty="0"/>
+              <a:rPr lang="en-US" sz="1400" dirty="0">
+                <a:latin typeface="Consolas" panose="020B0609020204030204" pitchFamily="49" charset="0"/>
+                <a:cs typeface="Consolas" panose="020B0609020204030204" pitchFamily="49" charset="0"/>
+              </a:rPr>
               <a:t>  "</a:t>
             </a:r>
             <a:r>
-              <a:rPr lang="en-US" dirty="0" err="1"/>
+              <a:rPr lang="en-US" sz="1400" dirty="0" err="1">
+                <a:latin typeface="Consolas" panose="020B0609020204030204" pitchFamily="49" charset="0"/>
+                <a:cs typeface="Consolas" panose="020B0609020204030204" pitchFamily="49" charset="0"/>
+              </a:rPr>
               <a:t>object_list</a:t>
             </a:r>
             <a:r>
-              <a:rPr lang="en-US" dirty="0"/>
+              <a:rPr lang="en-US" sz="1400" dirty="0">
+                <a:latin typeface="Consolas" panose="020B0609020204030204" pitchFamily="49" charset="0"/>
+                <a:cs typeface="Consolas" panose="020B0609020204030204" pitchFamily="49" charset="0"/>
+              </a:rPr>
               <a:t>": [</a:t>
             </a:r>
           </a:p>
           <a:p>
             <a:r>
-              <a:rPr lang="en-US" dirty="0"/>
+              <a:rPr lang="en-US" sz="1400" dirty="0">
+                <a:latin typeface="Consolas" panose="020B0609020204030204" pitchFamily="49" charset="0"/>
+                <a:cs typeface="Consolas" panose="020B0609020204030204" pitchFamily="49" charset="0"/>
+              </a:rPr>
               <a:t>    { "name": "Tanaka", "age": 26 },</a:t>
             </a:r>
           </a:p>
           <a:p>
             <a:r>
-              <a:rPr lang="en-US" dirty="0"/>
+              <a:rPr lang="en-US" sz="1400" dirty="0">
+                <a:latin typeface="Consolas" panose="020B0609020204030204" pitchFamily="49" charset="0"/>
+                <a:cs typeface="Consolas" panose="020B0609020204030204" pitchFamily="49" charset="0"/>
+              </a:rPr>
               <a:t>    { "name: "Suzuki", "age": 32 }</a:t>
             </a:r>
           </a:p>
           <a:p>
             <a:r>
-              <a:rPr lang="en-US" dirty="0"/>
+              <a:rPr lang="en-US" sz="1400" dirty="0">
+                <a:latin typeface="Consolas" panose="020B0609020204030204" pitchFamily="49" charset="0"/>
+                <a:cs typeface="Consolas" panose="020B0609020204030204" pitchFamily="49" charset="0"/>
+              </a:rPr>
               <a:t>  ]</a:t>
             </a:r>
           </a:p>
           <a:p>
             <a:r>
-              <a:rPr lang="en-US" dirty="0"/>
+              <a:rPr lang="en-US" sz="1400" dirty="0">
+                <a:latin typeface="Consolas" panose="020B0609020204030204" pitchFamily="49" charset="0"/>
+                <a:cs typeface="Consolas" panose="020B0609020204030204" pitchFamily="49" charset="0"/>
+              </a:rPr>
               <a:t>}</a:t>
             </a:r>
           </a:p>
@@ -4775,8 +4847,8 @@
         </p:nvSpPr>
         <p:spPr>
           <a:xfrm>
-            <a:off x="8579449" y="6054963"/>
-            <a:ext cx="1569660" cy="369332"/>
+            <a:off x="7018556" y="5767825"/>
+            <a:ext cx="3647152" cy="646331"/>
           </a:xfrm>
           <a:prstGeom prst="rect">
             <a:avLst/>
@@ -4793,6 +4865,13 @@
               <a:rPr lang="ja-JP" altLang="en-US"/>
               <a:t>配列も使える</a:t>
             </a:r>
+            <a:endParaRPr lang="en-US" altLang="ja-JP" dirty="0"/>
+          </a:p>
+          <a:p>
+            <a:r>
+              <a:rPr lang="ja-JP" altLang="en-US"/>
+              <a:t>キーバリューは階層構造を作れる</a:t>
+            </a:r>
             <a:endParaRPr lang="en-US" dirty="0"/>
           </a:p>
         </p:txBody>
@@ -4811,8 +4890,8 @@
         </p:nvSpPr>
         <p:spPr>
           <a:xfrm>
-            <a:off x="1035018" y="4134406"/>
-            <a:ext cx="2015745" cy="1200329"/>
+            <a:off x="337788" y="4172675"/>
+            <a:ext cx="2316660" cy="1077218"/>
           </a:xfrm>
           <a:prstGeom prst="rect">
             <a:avLst/>
@@ -4831,25 +4910,37 @@
           <a:lstStyle/>
           <a:p>
             <a:r>
-              <a:rPr lang="en-US" dirty="0"/>
+              <a:rPr lang="en-US" sz="1600" dirty="0">
+                <a:latin typeface="Consolas" panose="020B0609020204030204" pitchFamily="49" charset="0"/>
+                <a:cs typeface="Consolas" panose="020B0609020204030204" pitchFamily="49" charset="0"/>
+              </a:rPr>
               <a:t>{</a:t>
             </a:r>
           </a:p>
           <a:p>
             <a:r>
-              <a:rPr lang="en-US" dirty="0"/>
+              <a:rPr lang="en-US" sz="1600" dirty="0">
+                <a:latin typeface="Consolas" panose="020B0609020204030204" pitchFamily="49" charset="0"/>
+                <a:cs typeface="Consolas" panose="020B0609020204030204" pitchFamily="49" charset="0"/>
+              </a:rPr>
               <a:t>  "name": "Tanaka",</a:t>
             </a:r>
           </a:p>
           <a:p>
             <a:r>
-              <a:rPr lang="en-US" dirty="0"/>
+              <a:rPr lang="en-US" sz="1600" dirty="0">
+                <a:latin typeface="Consolas" panose="020B0609020204030204" pitchFamily="49" charset="0"/>
+                <a:cs typeface="Consolas" panose="020B0609020204030204" pitchFamily="49" charset="0"/>
+              </a:rPr>
               <a:t>  "age": 26</a:t>
             </a:r>
           </a:p>
           <a:p>
             <a:r>
-              <a:rPr lang="en-US" dirty="0"/>
+              <a:rPr lang="en-US" sz="1600" dirty="0">
+                <a:latin typeface="Consolas" panose="020B0609020204030204" pitchFamily="49" charset="0"/>
+                <a:cs typeface="Consolas" panose="020B0609020204030204" pitchFamily="49" charset="0"/>
+              </a:rPr>
               <a:t>}</a:t>
             </a:r>
           </a:p>
@@ -4869,7 +4960,7 @@
         </p:nvSpPr>
         <p:spPr>
           <a:xfrm>
-            <a:off x="772523" y="5594688"/>
+            <a:off x="206848" y="5593298"/>
             <a:ext cx="2492990" cy="646331"/>
           </a:xfrm>
           <a:prstGeom prst="rect">
@@ -4914,8 +5005,8 @@
         </p:nvSpPr>
         <p:spPr>
           <a:xfrm>
-            <a:off x="4182976" y="4134406"/>
-            <a:ext cx="2136932" cy="1477328"/>
+            <a:off x="3163927" y="4172675"/>
+            <a:ext cx="2765501" cy="1323439"/>
           </a:xfrm>
           <a:prstGeom prst="rect">
             <a:avLst/>
@@ -4934,47 +5025,74 @@
           <a:lstStyle/>
           <a:p>
             <a:r>
-              <a:rPr lang="en-US" dirty="0"/>
+              <a:rPr lang="en-US" sz="1600" dirty="0">
+                <a:latin typeface="Consolas" panose="020B0609020204030204" pitchFamily="49" charset="0"/>
+                <a:cs typeface="Consolas" panose="020B0609020204030204" pitchFamily="49" charset="0"/>
+              </a:rPr>
               <a:t>{</a:t>
             </a:r>
           </a:p>
           <a:p>
             <a:r>
-              <a:rPr lang="en-US" dirty="0"/>
+              <a:rPr lang="en-US" sz="1600" dirty="0">
+                <a:latin typeface="Consolas" panose="020B0609020204030204" pitchFamily="49" charset="0"/>
+                <a:cs typeface="Consolas" panose="020B0609020204030204" pitchFamily="49" charset="0"/>
+              </a:rPr>
               <a:t>  "</a:t>
             </a:r>
             <a:r>
-              <a:rPr lang="en-US" dirty="0" err="1"/>
+              <a:rPr lang="en-US" sz="1600" dirty="0" err="1">
+                <a:latin typeface="Consolas" panose="020B0609020204030204" pitchFamily="49" charset="0"/>
+                <a:cs typeface="Consolas" panose="020B0609020204030204" pitchFamily="49" charset="0"/>
+              </a:rPr>
               <a:t>active_flag</a:t>
             </a:r>
             <a:r>
-              <a:rPr lang="en-US" dirty="0"/>
+              <a:rPr lang="en-US" sz="1600" dirty="0">
+                <a:latin typeface="Consolas" panose="020B0609020204030204" pitchFamily="49" charset="0"/>
+                <a:cs typeface="Consolas" panose="020B0609020204030204" pitchFamily="49" charset="0"/>
+              </a:rPr>
               <a:t>": true,</a:t>
             </a:r>
           </a:p>
           <a:p>
             <a:r>
-              <a:rPr lang="en-US" dirty="0"/>
+              <a:rPr lang="en-US" sz="1600" dirty="0">
+                <a:latin typeface="Consolas" panose="020B0609020204030204" pitchFamily="49" charset="0"/>
+                <a:cs typeface="Consolas" panose="020B0609020204030204" pitchFamily="49" charset="0"/>
+              </a:rPr>
               <a:t>  "</a:t>
             </a:r>
             <a:r>
-              <a:rPr lang="en-US" dirty="0" err="1"/>
+              <a:rPr lang="en-US" sz="1600" dirty="0" err="1">
+                <a:latin typeface="Consolas" panose="020B0609020204030204" pitchFamily="49" charset="0"/>
+                <a:cs typeface="Consolas" panose="020B0609020204030204" pitchFamily="49" charset="0"/>
+              </a:rPr>
               <a:t>delete_flag</a:t>
             </a:r>
             <a:r>
-              <a:rPr lang="en-US" dirty="0"/>
+              <a:rPr lang="en-US" sz="1600" dirty="0">
+                <a:latin typeface="Consolas" panose="020B0609020204030204" pitchFamily="49" charset="0"/>
+                <a:cs typeface="Consolas" panose="020B0609020204030204" pitchFamily="49" charset="0"/>
+              </a:rPr>
               <a:t>": false,</a:t>
             </a:r>
           </a:p>
           <a:p>
             <a:r>
-              <a:rPr lang="en-US" dirty="0"/>
+              <a:rPr lang="en-US" sz="1600" dirty="0">
+                <a:latin typeface="Consolas" panose="020B0609020204030204" pitchFamily="49" charset="0"/>
+                <a:cs typeface="Consolas" panose="020B0609020204030204" pitchFamily="49" charset="0"/>
+              </a:rPr>
               <a:t>  "name": null</a:t>
             </a:r>
           </a:p>
           <a:p>
             <a:r>
-              <a:rPr lang="en-US" dirty="0"/>
+              <a:rPr lang="en-US" sz="1600" dirty="0">
+                <a:latin typeface="Consolas" panose="020B0609020204030204" pitchFamily="49" charset="0"/>
+                <a:cs typeface="Consolas" panose="020B0609020204030204" pitchFamily="49" charset="0"/>
+              </a:rPr>
               <a:t>}</a:t>
             </a:r>
           </a:p>
@@ -4994,7 +5112,7 @@
         </p:nvSpPr>
         <p:spPr>
           <a:xfrm>
-            <a:off x="3924701" y="5764600"/>
+            <a:off x="3400623" y="5770434"/>
             <a:ext cx="2337499" cy="369332"/>
           </a:xfrm>
           <a:prstGeom prst="rect">
@@ -5119,7 +5237,7 @@
           <a:p>
             <a:r>
               <a:rPr lang="en-US" sz="3200" dirty="0"/>
-              <a:t>Read : HTTP Get</a:t>
+              <a:t>Read : HTTP GET</a:t>
             </a:r>
           </a:p>
         </p:txBody>
@@ -5165,6 +5283,728 @@
               <a:t>ネットワークの設定を取得</a:t>
             </a:r>
             <a:endParaRPr lang="en-US" sz="2400" dirty="0"/>
+          </a:p>
+        </p:txBody>
+      </p:sp>
+      <p:sp>
+        <p:nvSpPr>
+          <p:cNvPr id="4" name="Rectangle 3">
+            <a:extLst>
+              <a:ext uri="{FF2B5EF4-FFF2-40B4-BE49-F238E27FC236}">
+                <a16:creationId xmlns:a16="http://schemas.microsoft.com/office/drawing/2014/main" id="{3D086343-D9FB-8346-8737-A650C09A2A9C}"/>
+              </a:ext>
+            </a:extLst>
+          </p:cNvPr>
+          <p:cNvSpPr/>
+          <p:nvPr/>
+        </p:nvSpPr>
+        <p:spPr>
+          <a:xfrm>
+            <a:off x="659787" y="2508855"/>
+            <a:ext cx="2213610" cy="1668780"/>
+          </a:xfrm>
+          <a:prstGeom prst="rect">
+            <a:avLst/>
+          </a:prstGeom>
+          <a:ln>
+            <a:noFill/>
+          </a:ln>
+        </p:spPr>
+        <p:style>
+          <a:lnRef idx="2">
+            <a:schemeClr val="accent1">
+              <a:shade val="50000"/>
+            </a:schemeClr>
+          </a:lnRef>
+          <a:fillRef idx="1">
+            <a:schemeClr val="accent1"/>
+          </a:fillRef>
+          <a:effectRef idx="0">
+            <a:schemeClr val="accent1"/>
+          </a:effectRef>
+          <a:fontRef idx="minor">
+            <a:schemeClr val="lt1"/>
+          </a:fontRef>
+        </p:style>
+        <p:txBody>
+          <a:bodyPr rtlCol="0" anchor="ctr"/>
+          <a:lstStyle/>
+          <a:p>
+            <a:pPr algn="ctr"/>
+            <a:r>
+              <a:rPr lang="en-US" dirty="0"/>
+              <a:t>HTTP Client</a:t>
+            </a:r>
+          </a:p>
+          <a:p>
+            <a:pPr algn="ctr"/>
+            <a:r>
+              <a:rPr lang="en-US" dirty="0"/>
+              <a:t>(Browser etc.)</a:t>
+            </a:r>
+          </a:p>
+        </p:txBody>
+      </p:sp>
+      <p:sp>
+        <p:nvSpPr>
+          <p:cNvPr id="5" name="Rectangle 4">
+            <a:extLst>
+              <a:ext uri="{FF2B5EF4-FFF2-40B4-BE49-F238E27FC236}">
+                <a16:creationId xmlns:a16="http://schemas.microsoft.com/office/drawing/2014/main" id="{66B19E6A-1253-C745-B039-38E0FC3FD6A8}"/>
+              </a:ext>
+            </a:extLst>
+          </p:cNvPr>
+          <p:cNvSpPr/>
+          <p:nvPr/>
+        </p:nvSpPr>
+        <p:spPr>
+          <a:xfrm>
+            <a:off x="9140190" y="2508855"/>
+            <a:ext cx="2213610" cy="1668780"/>
+          </a:xfrm>
+          <a:prstGeom prst="rect">
+            <a:avLst/>
+          </a:prstGeom>
+          <a:ln>
+            <a:noFill/>
+          </a:ln>
+        </p:spPr>
+        <p:style>
+          <a:lnRef idx="2">
+            <a:schemeClr val="accent1">
+              <a:shade val="50000"/>
+            </a:schemeClr>
+          </a:lnRef>
+          <a:fillRef idx="1">
+            <a:schemeClr val="accent1"/>
+          </a:fillRef>
+          <a:effectRef idx="0">
+            <a:schemeClr val="accent1"/>
+          </a:effectRef>
+          <a:fontRef idx="minor">
+            <a:schemeClr val="lt1"/>
+          </a:fontRef>
+        </p:style>
+        <p:txBody>
+          <a:bodyPr rtlCol="0" anchor="ctr"/>
+          <a:lstStyle/>
+          <a:p>
+            <a:pPr algn="ctr"/>
+            <a:r>
+              <a:rPr lang="en-US" dirty="0"/>
+              <a:t>HTTP Server</a:t>
+            </a:r>
+          </a:p>
+          <a:p>
+            <a:pPr algn="ctr"/>
+            <a:r>
+              <a:rPr lang="en-US" dirty="0"/>
+              <a:t>(Instagram etc.)</a:t>
+            </a:r>
+          </a:p>
+        </p:txBody>
+      </p:sp>
+      <p:sp>
+        <p:nvSpPr>
+          <p:cNvPr id="6" name="Cloud 5">
+            <a:extLst>
+              <a:ext uri="{FF2B5EF4-FFF2-40B4-BE49-F238E27FC236}">
+                <a16:creationId xmlns:a16="http://schemas.microsoft.com/office/drawing/2014/main" id="{DF32E49F-C5E6-B242-974D-AA57F243CCF1}"/>
+              </a:ext>
+            </a:extLst>
+          </p:cNvPr>
+          <p:cNvSpPr/>
+          <p:nvPr/>
+        </p:nvSpPr>
+        <p:spPr>
+          <a:xfrm>
+            <a:off x="5460682" y="2782858"/>
+            <a:ext cx="1964055" cy="1255509"/>
+          </a:xfrm>
+          <a:prstGeom prst="cloud">
+            <a:avLst/>
+          </a:prstGeom>
+          <a:solidFill>
+            <a:schemeClr val="bg2">
+              <a:lumMod val="90000"/>
+            </a:schemeClr>
+          </a:solidFill>
+          <a:ln>
+            <a:noFill/>
+          </a:ln>
+        </p:spPr>
+        <p:style>
+          <a:lnRef idx="2">
+            <a:schemeClr val="accent1">
+              <a:shade val="50000"/>
+            </a:schemeClr>
+          </a:lnRef>
+          <a:fillRef idx="1">
+            <a:schemeClr val="accent1"/>
+          </a:fillRef>
+          <a:effectRef idx="0">
+            <a:schemeClr val="accent1"/>
+          </a:effectRef>
+          <a:fontRef idx="minor">
+            <a:schemeClr val="lt1"/>
+          </a:fontRef>
+        </p:style>
+        <p:txBody>
+          <a:bodyPr rtlCol="0" anchor="ctr"/>
+          <a:lstStyle/>
+          <a:p>
+            <a:pPr algn="ctr"/>
+            <a:endParaRPr lang="en-US"/>
+          </a:p>
+        </p:txBody>
+      </p:sp>
+      <p:sp>
+        <p:nvSpPr>
+          <p:cNvPr id="7" name="TextBox 6">
+            <a:extLst>
+              <a:ext uri="{FF2B5EF4-FFF2-40B4-BE49-F238E27FC236}">
+                <a16:creationId xmlns:a16="http://schemas.microsoft.com/office/drawing/2014/main" id="{E409E3E9-8587-8540-B9CA-97E1B03D8BC0}"/>
+              </a:ext>
+            </a:extLst>
+          </p:cNvPr>
+          <p:cNvSpPr txBox="1"/>
+          <p:nvPr/>
+        </p:nvSpPr>
+        <p:spPr>
+          <a:xfrm>
+            <a:off x="5959372" y="3170009"/>
+            <a:ext cx="994055" cy="369332"/>
+          </a:xfrm>
+          <a:prstGeom prst="rect">
+            <a:avLst/>
+          </a:prstGeom>
+          <a:noFill/>
+        </p:spPr>
+        <p:txBody>
+          <a:bodyPr wrap="none" rtlCol="0">
+            <a:spAutoFit/>
+          </a:bodyPr>
+          <a:lstStyle/>
+          <a:p>
+            <a:r>
+              <a:rPr lang="en-US" dirty="0"/>
+              <a:t>Network</a:t>
+            </a:r>
+          </a:p>
+        </p:txBody>
+      </p:sp>
+      <p:sp>
+        <p:nvSpPr>
+          <p:cNvPr id="8" name="Right Arrow 7">
+            <a:extLst>
+              <a:ext uri="{FF2B5EF4-FFF2-40B4-BE49-F238E27FC236}">
+                <a16:creationId xmlns:a16="http://schemas.microsoft.com/office/drawing/2014/main" id="{A5026356-3F54-7C41-9DCD-615B3F2687EC}"/>
+              </a:ext>
+            </a:extLst>
+          </p:cNvPr>
+          <p:cNvSpPr/>
+          <p:nvPr/>
+        </p:nvSpPr>
+        <p:spPr>
+          <a:xfrm>
+            <a:off x="3924300" y="2782858"/>
+            <a:ext cx="4674870" cy="400367"/>
+          </a:xfrm>
+          <a:prstGeom prst="rightArrow">
+            <a:avLst/>
+          </a:prstGeom>
+          <a:ln>
+            <a:noFill/>
+          </a:ln>
+        </p:spPr>
+        <p:style>
+          <a:lnRef idx="2">
+            <a:schemeClr val="accent1">
+              <a:shade val="50000"/>
+            </a:schemeClr>
+          </a:lnRef>
+          <a:fillRef idx="1">
+            <a:schemeClr val="accent1"/>
+          </a:fillRef>
+          <a:effectRef idx="0">
+            <a:schemeClr val="accent1"/>
+          </a:effectRef>
+          <a:fontRef idx="minor">
+            <a:schemeClr val="lt1"/>
+          </a:fontRef>
+        </p:style>
+        <p:txBody>
+          <a:bodyPr rtlCol="0" anchor="ctr"/>
+          <a:lstStyle/>
+          <a:p>
+            <a:pPr algn="ctr"/>
+            <a:endParaRPr lang="en-US"/>
+          </a:p>
+        </p:txBody>
+      </p:sp>
+      <p:sp>
+        <p:nvSpPr>
+          <p:cNvPr id="9" name="Right Arrow 8">
+            <a:extLst>
+              <a:ext uri="{FF2B5EF4-FFF2-40B4-BE49-F238E27FC236}">
+                <a16:creationId xmlns:a16="http://schemas.microsoft.com/office/drawing/2014/main" id="{A11CA9B6-79CD-7942-8720-57676135C6EB}"/>
+              </a:ext>
+            </a:extLst>
+          </p:cNvPr>
+          <p:cNvSpPr/>
+          <p:nvPr/>
+        </p:nvSpPr>
+        <p:spPr>
+          <a:xfrm rot="10800000">
+            <a:off x="3924300" y="3596808"/>
+            <a:ext cx="4674870" cy="400367"/>
+          </a:xfrm>
+          <a:prstGeom prst="rightArrow">
+            <a:avLst/>
+          </a:prstGeom>
+          <a:ln>
+            <a:noFill/>
+          </a:ln>
+        </p:spPr>
+        <p:style>
+          <a:lnRef idx="2">
+            <a:schemeClr val="accent1">
+              <a:shade val="50000"/>
+            </a:schemeClr>
+          </a:lnRef>
+          <a:fillRef idx="1">
+            <a:schemeClr val="accent1"/>
+          </a:fillRef>
+          <a:effectRef idx="0">
+            <a:schemeClr val="accent1"/>
+          </a:effectRef>
+          <a:fontRef idx="minor">
+            <a:schemeClr val="lt1"/>
+          </a:fontRef>
+        </p:style>
+        <p:txBody>
+          <a:bodyPr rtlCol="0" anchor="ctr"/>
+          <a:lstStyle/>
+          <a:p>
+            <a:pPr algn="ctr"/>
+            <a:endParaRPr lang="en-US"/>
+          </a:p>
+        </p:txBody>
+      </p:sp>
+      <p:sp>
+        <p:nvSpPr>
+          <p:cNvPr id="10" name="TextBox 9">
+            <a:extLst>
+              <a:ext uri="{FF2B5EF4-FFF2-40B4-BE49-F238E27FC236}">
+                <a16:creationId xmlns:a16="http://schemas.microsoft.com/office/drawing/2014/main" id="{3E79A167-16B9-8346-B073-ED09305846B1}"/>
+              </a:ext>
+            </a:extLst>
+          </p:cNvPr>
+          <p:cNvSpPr txBox="1"/>
+          <p:nvPr/>
+        </p:nvSpPr>
+        <p:spPr>
+          <a:xfrm>
+            <a:off x="2251278" y="1928483"/>
+            <a:ext cx="6347892" cy="400110"/>
+          </a:xfrm>
+          <a:prstGeom prst="rect">
+            <a:avLst/>
+          </a:prstGeom>
+          <a:noFill/>
+        </p:spPr>
+        <p:txBody>
+          <a:bodyPr wrap="none" rtlCol="0">
+            <a:spAutoFit/>
+          </a:bodyPr>
+          <a:lstStyle/>
+          <a:p>
+            <a:r>
+              <a:rPr lang="en-US" sz="2000" dirty="0">
+                <a:solidFill>
+                  <a:srgbClr val="FF0000"/>
+                </a:solidFill>
+              </a:rPr>
+              <a:t>GET</a:t>
+            </a:r>
+            <a:r>
+              <a:rPr lang="en-US" sz="2000" dirty="0"/>
+              <a:t> https://10.149.27.41:9440/</a:t>
+            </a:r>
+            <a:r>
+              <a:rPr lang="en-US" sz="2000" dirty="0" err="1"/>
+              <a:t>api</a:t>
+            </a:r>
+            <a:r>
+              <a:rPr lang="en-US" sz="2000" dirty="0"/>
+              <a:t>/</a:t>
+            </a:r>
+            <a:r>
+              <a:rPr lang="en-US" sz="2000" dirty="0" err="1"/>
+              <a:t>nutanix</a:t>
+            </a:r>
+            <a:r>
+              <a:rPr lang="en-US" sz="2000" dirty="0"/>
+              <a:t>/v2.0/networks/</a:t>
+            </a:r>
+          </a:p>
+        </p:txBody>
+      </p:sp>
+      <p:sp>
+        <p:nvSpPr>
+          <p:cNvPr id="12" name="TextBox 11">
+            <a:extLst>
+              <a:ext uri="{FF2B5EF4-FFF2-40B4-BE49-F238E27FC236}">
+                <a16:creationId xmlns:a16="http://schemas.microsoft.com/office/drawing/2014/main" id="{3BA95B35-FC35-C94C-A328-E208C8E3B30A}"/>
+              </a:ext>
+            </a:extLst>
+          </p:cNvPr>
+          <p:cNvSpPr txBox="1"/>
+          <p:nvPr/>
+        </p:nvSpPr>
+        <p:spPr>
+          <a:xfrm>
+            <a:off x="6930975" y="2561971"/>
+            <a:ext cx="1030090" cy="400110"/>
+          </a:xfrm>
+          <a:prstGeom prst="rect">
+            <a:avLst/>
+          </a:prstGeom>
+          <a:solidFill>
+            <a:schemeClr val="accent2"/>
+          </a:solidFill>
+        </p:spPr>
+        <p:txBody>
+          <a:bodyPr wrap="none" rtlCol="0">
+            <a:spAutoFit/>
+          </a:bodyPr>
+          <a:lstStyle/>
+          <a:p>
+            <a:r>
+              <a:rPr lang="en-US" sz="2000" dirty="0">
+                <a:solidFill>
+                  <a:schemeClr val="bg1"/>
+                </a:solidFill>
+              </a:rPr>
+              <a:t>Request</a:t>
+            </a:r>
+          </a:p>
+        </p:txBody>
+      </p:sp>
+      <p:sp>
+        <p:nvSpPr>
+          <p:cNvPr id="13" name="TextBox 12">
+            <a:extLst>
+              <a:ext uri="{FF2B5EF4-FFF2-40B4-BE49-F238E27FC236}">
+                <a16:creationId xmlns:a16="http://schemas.microsoft.com/office/drawing/2014/main" id="{C69BB168-9E6C-624F-ADA1-CD8A6BCA21AD}"/>
+              </a:ext>
+            </a:extLst>
+          </p:cNvPr>
+          <p:cNvSpPr txBox="1"/>
+          <p:nvPr/>
+        </p:nvSpPr>
+        <p:spPr>
+          <a:xfrm>
+            <a:off x="4418786" y="3816315"/>
+            <a:ext cx="1182055" cy="400110"/>
+          </a:xfrm>
+          <a:prstGeom prst="rect">
+            <a:avLst/>
+          </a:prstGeom>
+          <a:solidFill>
+            <a:schemeClr val="accent2"/>
+          </a:solidFill>
+        </p:spPr>
+        <p:txBody>
+          <a:bodyPr wrap="none" rtlCol="0">
+            <a:spAutoFit/>
+          </a:bodyPr>
+          <a:lstStyle/>
+          <a:p>
+            <a:r>
+              <a:rPr lang="en-US" sz="2000" dirty="0">
+                <a:solidFill>
+                  <a:schemeClr val="bg1"/>
+                </a:solidFill>
+              </a:rPr>
+              <a:t>Response</a:t>
+            </a:r>
+          </a:p>
+        </p:txBody>
+      </p:sp>
+      <p:sp>
+        <p:nvSpPr>
+          <p:cNvPr id="14" name="TextBox 13">
+            <a:extLst>
+              <a:ext uri="{FF2B5EF4-FFF2-40B4-BE49-F238E27FC236}">
+                <a16:creationId xmlns:a16="http://schemas.microsoft.com/office/drawing/2014/main" id="{D150FBD5-390E-094E-889C-388D1B820896}"/>
+              </a:ext>
+            </a:extLst>
+          </p:cNvPr>
+          <p:cNvSpPr txBox="1"/>
+          <p:nvPr/>
+        </p:nvSpPr>
+        <p:spPr>
+          <a:xfrm>
+            <a:off x="4947018" y="4546788"/>
+            <a:ext cx="5682966" cy="2062103"/>
+          </a:xfrm>
+          <a:prstGeom prst="rect">
+            <a:avLst/>
+          </a:prstGeom>
+          <a:noFill/>
+          <a:ln>
+            <a:solidFill>
+              <a:schemeClr val="tx1"/>
+            </a:solidFill>
+          </a:ln>
+        </p:spPr>
+        <p:txBody>
+          <a:bodyPr wrap="none" rtlCol="0">
+            <a:spAutoFit/>
+          </a:bodyPr>
+          <a:lstStyle/>
+          <a:p>
+            <a:r>
+              <a:rPr lang="en-US" sz="1600" dirty="0">
+                <a:latin typeface="Consolas" panose="020B0609020204030204" pitchFamily="49" charset="0"/>
+                <a:cs typeface="Consolas" panose="020B0609020204030204" pitchFamily="49" charset="0"/>
+              </a:rPr>
+              <a:t>[</a:t>
+            </a:r>
+          </a:p>
+          <a:p>
+            <a:r>
+              <a:rPr lang="en-US" sz="1600" dirty="0">
+                <a:latin typeface="Consolas" panose="020B0609020204030204" pitchFamily="49" charset="0"/>
+                <a:cs typeface="Consolas" panose="020B0609020204030204" pitchFamily="49" charset="0"/>
+              </a:rPr>
+              <a:t>{"</a:t>
+            </a:r>
+            <a:r>
+              <a:rPr lang="en-US" sz="1600" dirty="0" err="1">
+                <a:latin typeface="Consolas" panose="020B0609020204030204" pitchFamily="49" charset="0"/>
+                <a:cs typeface="Consolas" panose="020B0609020204030204" pitchFamily="49" charset="0"/>
+              </a:rPr>
+              <a:t>uuid</a:t>
+            </a:r>
+            <a:r>
+              <a:rPr lang="en-US" sz="1600" dirty="0">
+                <a:latin typeface="Consolas" panose="020B0609020204030204" pitchFamily="49" charset="0"/>
+                <a:cs typeface="Consolas" panose="020B0609020204030204" pitchFamily="49" charset="0"/>
+              </a:rPr>
+              <a:t>": "0404272e-2b73-402e-898f-e17486eee091", </a:t>
+            </a:r>
+          </a:p>
+          <a:p>
+            <a:r>
+              <a:rPr lang="en-US" sz="1600" dirty="0">
+                <a:latin typeface="Consolas" panose="020B0609020204030204" pitchFamily="49" charset="0"/>
+                <a:cs typeface="Consolas" panose="020B0609020204030204" pitchFamily="49" charset="0"/>
+              </a:rPr>
+              <a:t>"name": "vlan.0 ",</a:t>
+            </a:r>
+          </a:p>
+          <a:p>
+            <a:r>
+              <a:rPr lang="en-US" sz="1600" dirty="0">
+                <a:latin typeface="Consolas" panose="020B0609020204030204" pitchFamily="49" charset="0"/>
+                <a:cs typeface="Consolas" panose="020B0609020204030204" pitchFamily="49" charset="0"/>
+              </a:rPr>
+              <a:t>"</a:t>
+            </a:r>
+            <a:r>
+              <a:rPr lang="en-US" sz="1600" dirty="0" err="1">
+                <a:latin typeface="Consolas" panose="020B0609020204030204" pitchFamily="49" charset="0"/>
+                <a:cs typeface="Consolas" panose="020B0609020204030204" pitchFamily="49" charset="0"/>
+              </a:rPr>
+              <a:t>vlan_id</a:t>
+            </a:r>
+            <a:r>
+              <a:rPr lang="en-US" sz="1600" dirty="0">
+                <a:latin typeface="Consolas" panose="020B0609020204030204" pitchFamily="49" charset="0"/>
+                <a:cs typeface="Consolas" panose="020B0609020204030204" pitchFamily="49" charset="0"/>
+              </a:rPr>
+              <a:t>": 0},</a:t>
+            </a:r>
+          </a:p>
+          <a:p>
+            <a:r>
+              <a:rPr lang="en-US" sz="1600" dirty="0">
+                <a:latin typeface="Consolas" panose="020B0609020204030204" pitchFamily="49" charset="0"/>
+                <a:cs typeface="Consolas" panose="020B0609020204030204" pitchFamily="49" charset="0"/>
+              </a:rPr>
+              <a:t>{"</a:t>
+            </a:r>
+            <a:r>
+              <a:rPr lang="en-US" sz="1600" dirty="0" err="1">
+                <a:latin typeface="Consolas" panose="020B0609020204030204" pitchFamily="49" charset="0"/>
+                <a:cs typeface="Consolas" panose="020B0609020204030204" pitchFamily="49" charset="0"/>
+              </a:rPr>
+              <a:t>uuid</a:t>
+            </a:r>
+            <a:r>
+              <a:rPr lang="en-US" sz="1600" dirty="0">
+                <a:latin typeface="Consolas" panose="020B0609020204030204" pitchFamily="49" charset="0"/>
+                <a:cs typeface="Consolas" panose="020B0609020204030204" pitchFamily="49" charset="0"/>
+              </a:rPr>
+              <a:t>": "585963ae-2b04-4a6c-b3e5-95ff3e99685b", </a:t>
+            </a:r>
+          </a:p>
+          <a:p>
+            <a:r>
+              <a:rPr lang="en-US" sz="1600" dirty="0">
+                <a:latin typeface="Consolas" panose="020B0609020204030204" pitchFamily="49" charset="0"/>
+                <a:cs typeface="Consolas" panose="020B0609020204030204" pitchFamily="49" charset="0"/>
+              </a:rPr>
+              <a:t>"name": "REST_NETWORK”,</a:t>
+            </a:r>
+          </a:p>
+          <a:p>
+            <a:r>
+              <a:rPr lang="en-US" sz="1600" dirty="0">
+                <a:latin typeface="Consolas" panose="020B0609020204030204" pitchFamily="49" charset="0"/>
+                <a:cs typeface="Consolas" panose="020B0609020204030204" pitchFamily="49" charset="0"/>
+              </a:rPr>
+              <a:t>"</a:t>
+            </a:r>
+            <a:r>
+              <a:rPr lang="en-US" sz="1600" dirty="0" err="1">
+                <a:latin typeface="Consolas" panose="020B0609020204030204" pitchFamily="49" charset="0"/>
+                <a:cs typeface="Consolas" panose="020B0609020204030204" pitchFamily="49" charset="0"/>
+              </a:rPr>
+              <a:t>vlan_id</a:t>
+            </a:r>
+            <a:r>
+              <a:rPr lang="en-US" sz="1600" dirty="0">
+                <a:latin typeface="Consolas" panose="020B0609020204030204" pitchFamily="49" charset="0"/>
+                <a:cs typeface="Consolas" panose="020B0609020204030204" pitchFamily="49" charset="0"/>
+              </a:rPr>
+              <a:t>": 0}</a:t>
+            </a:r>
+          </a:p>
+          <a:p>
+            <a:r>
+              <a:rPr lang="en-US" sz="1600" dirty="0">
+                <a:latin typeface="Consolas" panose="020B0609020204030204" pitchFamily="49" charset="0"/>
+                <a:cs typeface="Consolas" panose="020B0609020204030204" pitchFamily="49" charset="0"/>
+              </a:rPr>
+              <a:t>]</a:t>
+            </a:r>
+          </a:p>
+        </p:txBody>
+      </p:sp>
+      <p:sp>
+        <p:nvSpPr>
+          <p:cNvPr id="15" name="TextBox 14">
+            <a:extLst>
+              <a:ext uri="{FF2B5EF4-FFF2-40B4-BE49-F238E27FC236}">
+                <a16:creationId xmlns:a16="http://schemas.microsoft.com/office/drawing/2014/main" id="{06BD6CEE-4052-F24F-9B71-1A04008D8DCB}"/>
+              </a:ext>
+            </a:extLst>
+          </p:cNvPr>
+          <p:cNvSpPr txBox="1"/>
+          <p:nvPr/>
+        </p:nvSpPr>
+        <p:spPr>
+          <a:xfrm>
+            <a:off x="4150924" y="4546788"/>
+            <a:ext cx="535724" cy="369332"/>
+          </a:xfrm>
+          <a:prstGeom prst="rect">
+            <a:avLst/>
+          </a:prstGeom>
+          <a:noFill/>
+        </p:spPr>
+        <p:txBody>
+          <a:bodyPr wrap="none" rtlCol="0">
+            <a:spAutoFit/>
+          </a:bodyPr>
+          <a:lstStyle/>
+          <a:p>
+            <a:r>
+              <a:rPr lang="en-US" dirty="0">
+                <a:solidFill>
+                  <a:srgbClr val="FF0000"/>
+                </a:solidFill>
+              </a:rPr>
+              <a:t>200</a:t>
+            </a:r>
+          </a:p>
+        </p:txBody>
+      </p:sp>
+      <p:sp>
+        <p:nvSpPr>
+          <p:cNvPr id="16" name="TextBox 15">
+            <a:extLst>
+              <a:ext uri="{FF2B5EF4-FFF2-40B4-BE49-F238E27FC236}">
+                <a16:creationId xmlns:a16="http://schemas.microsoft.com/office/drawing/2014/main" id="{1857C89D-99A8-AB4A-9B2B-D2955B24D637}"/>
+              </a:ext>
+            </a:extLst>
+          </p:cNvPr>
+          <p:cNvSpPr txBox="1"/>
+          <p:nvPr/>
+        </p:nvSpPr>
+        <p:spPr>
+          <a:xfrm>
+            <a:off x="7635240" y="1469497"/>
+            <a:ext cx="1119217" cy="369332"/>
+          </a:xfrm>
+          <a:prstGeom prst="rect">
+            <a:avLst/>
+          </a:prstGeom>
+          <a:noFill/>
+        </p:spPr>
+        <p:txBody>
+          <a:bodyPr wrap="none" rtlCol="0">
+            <a:spAutoFit/>
+          </a:bodyPr>
+          <a:lstStyle/>
+          <a:p>
+            <a:r>
+              <a:rPr lang="en-US" dirty="0"/>
+              <a:t>Body</a:t>
+            </a:r>
+            <a:r>
+              <a:rPr lang="ja-JP" altLang="en-US"/>
+              <a:t>なし</a:t>
+            </a:r>
+            <a:endParaRPr lang="en-US" dirty="0"/>
+          </a:p>
+        </p:txBody>
+      </p:sp>
+      <p:sp>
+        <p:nvSpPr>
+          <p:cNvPr id="17" name="TextBox 16">
+            <a:extLst>
+              <a:ext uri="{FF2B5EF4-FFF2-40B4-BE49-F238E27FC236}">
+                <a16:creationId xmlns:a16="http://schemas.microsoft.com/office/drawing/2014/main" id="{9FBC7679-4373-B846-A343-341226798317}"/>
+              </a:ext>
+            </a:extLst>
+          </p:cNvPr>
+          <p:cNvSpPr txBox="1"/>
+          <p:nvPr/>
+        </p:nvSpPr>
+        <p:spPr>
+          <a:xfrm>
+            <a:off x="4090010" y="5060359"/>
+            <a:ext cx="657552" cy="369332"/>
+          </a:xfrm>
+          <a:prstGeom prst="rect">
+            <a:avLst/>
+          </a:prstGeom>
+          <a:noFill/>
+        </p:spPr>
+        <p:txBody>
+          <a:bodyPr wrap="none" rtlCol="0">
+            <a:spAutoFit/>
+          </a:bodyPr>
+          <a:lstStyle/>
+          <a:p>
+            <a:r>
+              <a:rPr lang="en-US" dirty="0"/>
+              <a:t>Body</a:t>
+            </a:r>
           </a:p>
         </p:txBody>
       </p:sp>
@@ -5228,7 +6068,7 @@
           <a:p>
             <a:r>
               <a:rPr lang="en-US" sz="3200" dirty="0"/>
-              <a:t>Create : HTTP Post</a:t>
+              <a:t>Create : HTTP POST</a:t>
             </a:r>
           </a:p>
         </p:txBody>
@@ -5274,6 +6114,818 @@
               <a:t>ネットワークの設定を作成</a:t>
             </a:r>
             <a:endParaRPr lang="en-US" sz="2400" dirty="0"/>
+          </a:p>
+        </p:txBody>
+      </p:sp>
+      <p:sp>
+        <p:nvSpPr>
+          <p:cNvPr id="4" name="Rectangle 3">
+            <a:extLst>
+              <a:ext uri="{FF2B5EF4-FFF2-40B4-BE49-F238E27FC236}">
+                <a16:creationId xmlns:a16="http://schemas.microsoft.com/office/drawing/2014/main" id="{1AC5292D-5958-9649-A4B4-4AB480373496}"/>
+              </a:ext>
+            </a:extLst>
+          </p:cNvPr>
+          <p:cNvSpPr/>
+          <p:nvPr/>
+        </p:nvSpPr>
+        <p:spPr>
+          <a:xfrm>
+            <a:off x="751227" y="3776733"/>
+            <a:ext cx="2213610" cy="1668780"/>
+          </a:xfrm>
+          <a:prstGeom prst="rect">
+            <a:avLst/>
+          </a:prstGeom>
+          <a:ln>
+            <a:noFill/>
+          </a:ln>
+        </p:spPr>
+        <p:style>
+          <a:lnRef idx="2">
+            <a:schemeClr val="accent1">
+              <a:shade val="50000"/>
+            </a:schemeClr>
+          </a:lnRef>
+          <a:fillRef idx="1">
+            <a:schemeClr val="accent1"/>
+          </a:fillRef>
+          <a:effectRef idx="0">
+            <a:schemeClr val="accent1"/>
+          </a:effectRef>
+          <a:fontRef idx="minor">
+            <a:schemeClr val="lt1"/>
+          </a:fontRef>
+        </p:style>
+        <p:txBody>
+          <a:bodyPr rtlCol="0" anchor="ctr"/>
+          <a:lstStyle/>
+          <a:p>
+            <a:pPr algn="ctr"/>
+            <a:r>
+              <a:rPr lang="en-US" dirty="0"/>
+              <a:t>HTTP Client</a:t>
+            </a:r>
+          </a:p>
+          <a:p>
+            <a:pPr algn="ctr"/>
+            <a:r>
+              <a:rPr lang="en-US" dirty="0"/>
+              <a:t>(Browser etc.)</a:t>
+            </a:r>
+          </a:p>
+        </p:txBody>
+      </p:sp>
+      <p:sp>
+        <p:nvSpPr>
+          <p:cNvPr id="5" name="Rectangle 4">
+            <a:extLst>
+              <a:ext uri="{FF2B5EF4-FFF2-40B4-BE49-F238E27FC236}">
+                <a16:creationId xmlns:a16="http://schemas.microsoft.com/office/drawing/2014/main" id="{12974982-53D0-DF49-B895-3394AFE35334}"/>
+              </a:ext>
+            </a:extLst>
+          </p:cNvPr>
+          <p:cNvSpPr/>
+          <p:nvPr/>
+        </p:nvSpPr>
+        <p:spPr>
+          <a:xfrm>
+            <a:off x="9231630" y="3776733"/>
+            <a:ext cx="2213610" cy="1668780"/>
+          </a:xfrm>
+          <a:prstGeom prst="rect">
+            <a:avLst/>
+          </a:prstGeom>
+          <a:ln>
+            <a:noFill/>
+          </a:ln>
+        </p:spPr>
+        <p:style>
+          <a:lnRef idx="2">
+            <a:schemeClr val="accent1">
+              <a:shade val="50000"/>
+            </a:schemeClr>
+          </a:lnRef>
+          <a:fillRef idx="1">
+            <a:schemeClr val="accent1"/>
+          </a:fillRef>
+          <a:effectRef idx="0">
+            <a:schemeClr val="accent1"/>
+          </a:effectRef>
+          <a:fontRef idx="minor">
+            <a:schemeClr val="lt1"/>
+          </a:fontRef>
+        </p:style>
+        <p:txBody>
+          <a:bodyPr rtlCol="0" anchor="ctr"/>
+          <a:lstStyle/>
+          <a:p>
+            <a:pPr algn="ctr"/>
+            <a:r>
+              <a:rPr lang="en-US" dirty="0"/>
+              <a:t>HTTP Server</a:t>
+            </a:r>
+          </a:p>
+          <a:p>
+            <a:pPr algn="ctr"/>
+            <a:r>
+              <a:rPr lang="en-US" dirty="0"/>
+              <a:t>(Instagram etc.)</a:t>
+            </a:r>
+          </a:p>
+        </p:txBody>
+      </p:sp>
+      <p:sp>
+        <p:nvSpPr>
+          <p:cNvPr id="6" name="Cloud 5">
+            <a:extLst>
+              <a:ext uri="{FF2B5EF4-FFF2-40B4-BE49-F238E27FC236}">
+                <a16:creationId xmlns:a16="http://schemas.microsoft.com/office/drawing/2014/main" id="{FD5DF4B4-D116-4E47-9BB4-C427E1DA0BDC}"/>
+              </a:ext>
+            </a:extLst>
+          </p:cNvPr>
+          <p:cNvSpPr/>
+          <p:nvPr/>
+        </p:nvSpPr>
+        <p:spPr>
+          <a:xfrm>
+            <a:off x="5552122" y="4050736"/>
+            <a:ext cx="1964055" cy="1255509"/>
+          </a:xfrm>
+          <a:prstGeom prst="cloud">
+            <a:avLst/>
+          </a:prstGeom>
+          <a:solidFill>
+            <a:schemeClr val="bg2">
+              <a:lumMod val="90000"/>
+            </a:schemeClr>
+          </a:solidFill>
+          <a:ln>
+            <a:noFill/>
+          </a:ln>
+        </p:spPr>
+        <p:style>
+          <a:lnRef idx="2">
+            <a:schemeClr val="accent1">
+              <a:shade val="50000"/>
+            </a:schemeClr>
+          </a:lnRef>
+          <a:fillRef idx="1">
+            <a:schemeClr val="accent1"/>
+          </a:fillRef>
+          <a:effectRef idx="0">
+            <a:schemeClr val="accent1"/>
+          </a:effectRef>
+          <a:fontRef idx="minor">
+            <a:schemeClr val="lt1"/>
+          </a:fontRef>
+        </p:style>
+        <p:txBody>
+          <a:bodyPr rtlCol="0" anchor="ctr"/>
+          <a:lstStyle/>
+          <a:p>
+            <a:pPr algn="ctr"/>
+            <a:endParaRPr lang="en-US"/>
+          </a:p>
+        </p:txBody>
+      </p:sp>
+      <p:sp>
+        <p:nvSpPr>
+          <p:cNvPr id="7" name="TextBox 6">
+            <a:extLst>
+              <a:ext uri="{FF2B5EF4-FFF2-40B4-BE49-F238E27FC236}">
+                <a16:creationId xmlns:a16="http://schemas.microsoft.com/office/drawing/2014/main" id="{FB5B72C5-2FF8-6644-ADB7-3A19B72A7EA4}"/>
+              </a:ext>
+            </a:extLst>
+          </p:cNvPr>
+          <p:cNvSpPr txBox="1"/>
+          <p:nvPr/>
+        </p:nvSpPr>
+        <p:spPr>
+          <a:xfrm>
+            <a:off x="6050812" y="4437887"/>
+            <a:ext cx="994055" cy="369332"/>
+          </a:xfrm>
+          <a:prstGeom prst="rect">
+            <a:avLst/>
+          </a:prstGeom>
+          <a:noFill/>
+        </p:spPr>
+        <p:txBody>
+          <a:bodyPr wrap="none" rtlCol="0">
+            <a:spAutoFit/>
+          </a:bodyPr>
+          <a:lstStyle/>
+          <a:p>
+            <a:r>
+              <a:rPr lang="en-US" dirty="0"/>
+              <a:t>Network</a:t>
+            </a:r>
+          </a:p>
+        </p:txBody>
+      </p:sp>
+      <p:sp>
+        <p:nvSpPr>
+          <p:cNvPr id="8" name="Right Arrow 7">
+            <a:extLst>
+              <a:ext uri="{FF2B5EF4-FFF2-40B4-BE49-F238E27FC236}">
+                <a16:creationId xmlns:a16="http://schemas.microsoft.com/office/drawing/2014/main" id="{65B19C6D-2ECF-E442-817C-E8E17EE77E1A}"/>
+              </a:ext>
+            </a:extLst>
+          </p:cNvPr>
+          <p:cNvSpPr/>
+          <p:nvPr/>
+        </p:nvSpPr>
+        <p:spPr>
+          <a:xfrm>
+            <a:off x="4015740" y="4050736"/>
+            <a:ext cx="4674870" cy="400367"/>
+          </a:xfrm>
+          <a:prstGeom prst="rightArrow">
+            <a:avLst/>
+          </a:prstGeom>
+          <a:ln>
+            <a:noFill/>
+          </a:ln>
+        </p:spPr>
+        <p:style>
+          <a:lnRef idx="2">
+            <a:schemeClr val="accent1">
+              <a:shade val="50000"/>
+            </a:schemeClr>
+          </a:lnRef>
+          <a:fillRef idx="1">
+            <a:schemeClr val="accent1"/>
+          </a:fillRef>
+          <a:effectRef idx="0">
+            <a:schemeClr val="accent1"/>
+          </a:effectRef>
+          <a:fontRef idx="minor">
+            <a:schemeClr val="lt1"/>
+          </a:fontRef>
+        </p:style>
+        <p:txBody>
+          <a:bodyPr rtlCol="0" anchor="ctr"/>
+          <a:lstStyle/>
+          <a:p>
+            <a:pPr algn="ctr"/>
+            <a:endParaRPr lang="en-US"/>
+          </a:p>
+        </p:txBody>
+      </p:sp>
+      <p:sp>
+        <p:nvSpPr>
+          <p:cNvPr id="9" name="Right Arrow 8">
+            <a:extLst>
+              <a:ext uri="{FF2B5EF4-FFF2-40B4-BE49-F238E27FC236}">
+                <a16:creationId xmlns:a16="http://schemas.microsoft.com/office/drawing/2014/main" id="{CD3AE3FE-E786-AB42-B9E7-0D4A3AE845A7}"/>
+              </a:ext>
+            </a:extLst>
+          </p:cNvPr>
+          <p:cNvSpPr/>
+          <p:nvPr/>
+        </p:nvSpPr>
+        <p:spPr>
+          <a:xfrm rot="10800000">
+            <a:off x="4015740" y="4864686"/>
+            <a:ext cx="4674870" cy="400367"/>
+          </a:xfrm>
+          <a:prstGeom prst="rightArrow">
+            <a:avLst/>
+          </a:prstGeom>
+          <a:ln>
+            <a:noFill/>
+          </a:ln>
+        </p:spPr>
+        <p:style>
+          <a:lnRef idx="2">
+            <a:schemeClr val="accent1">
+              <a:shade val="50000"/>
+            </a:schemeClr>
+          </a:lnRef>
+          <a:fillRef idx="1">
+            <a:schemeClr val="accent1"/>
+          </a:fillRef>
+          <a:effectRef idx="0">
+            <a:schemeClr val="accent1"/>
+          </a:effectRef>
+          <a:fontRef idx="minor">
+            <a:schemeClr val="lt1"/>
+          </a:fontRef>
+        </p:style>
+        <p:txBody>
+          <a:bodyPr rtlCol="0" anchor="ctr"/>
+          <a:lstStyle/>
+          <a:p>
+            <a:pPr algn="ctr"/>
+            <a:endParaRPr lang="en-US"/>
+          </a:p>
+        </p:txBody>
+      </p:sp>
+      <p:sp>
+        <p:nvSpPr>
+          <p:cNvPr id="10" name="TextBox 9">
+            <a:extLst>
+              <a:ext uri="{FF2B5EF4-FFF2-40B4-BE49-F238E27FC236}">
+                <a16:creationId xmlns:a16="http://schemas.microsoft.com/office/drawing/2014/main" id="{9B71FF6A-B29F-5240-9F5C-5E4A7B86B55F}"/>
+              </a:ext>
+            </a:extLst>
+          </p:cNvPr>
+          <p:cNvSpPr txBox="1"/>
+          <p:nvPr/>
+        </p:nvSpPr>
+        <p:spPr>
+          <a:xfrm>
+            <a:off x="2342718" y="3196361"/>
+            <a:ext cx="6538521" cy="400110"/>
+          </a:xfrm>
+          <a:prstGeom prst="rect">
+            <a:avLst/>
+          </a:prstGeom>
+          <a:noFill/>
+        </p:spPr>
+        <p:txBody>
+          <a:bodyPr wrap="none" rtlCol="0">
+            <a:spAutoFit/>
+          </a:bodyPr>
+          <a:lstStyle/>
+          <a:p>
+            <a:r>
+              <a:rPr lang="en-US" sz="2000" dirty="0">
+                <a:solidFill>
+                  <a:srgbClr val="FF0000"/>
+                </a:solidFill>
+              </a:rPr>
+              <a:t>POST</a:t>
+            </a:r>
+            <a:r>
+              <a:rPr lang="en-US" sz="2000" dirty="0"/>
+              <a:t> https://10.149.27.41:9440/</a:t>
+            </a:r>
+            <a:r>
+              <a:rPr lang="en-US" sz="2000" dirty="0" err="1"/>
+              <a:t>api</a:t>
+            </a:r>
+            <a:r>
+              <a:rPr lang="en-US" sz="2000" dirty="0"/>
+              <a:t>/</a:t>
+            </a:r>
+            <a:r>
+              <a:rPr lang="en-US" sz="2000" dirty="0" err="1"/>
+              <a:t>nutanix</a:t>
+            </a:r>
+            <a:r>
+              <a:rPr lang="en-US" sz="2000" dirty="0"/>
+              <a:t>/v2.0/networks/</a:t>
+            </a:r>
+          </a:p>
+        </p:txBody>
+      </p:sp>
+      <p:sp>
+        <p:nvSpPr>
+          <p:cNvPr id="11" name="TextBox 10">
+            <a:extLst>
+              <a:ext uri="{FF2B5EF4-FFF2-40B4-BE49-F238E27FC236}">
+                <a16:creationId xmlns:a16="http://schemas.microsoft.com/office/drawing/2014/main" id="{1F4869B4-0A71-454F-B417-7E80DCEDEEA5}"/>
+              </a:ext>
+            </a:extLst>
+          </p:cNvPr>
+          <p:cNvSpPr txBox="1"/>
+          <p:nvPr/>
+        </p:nvSpPr>
+        <p:spPr>
+          <a:xfrm>
+            <a:off x="7056705" y="3841279"/>
+            <a:ext cx="1030090" cy="400110"/>
+          </a:xfrm>
+          <a:prstGeom prst="rect">
+            <a:avLst/>
+          </a:prstGeom>
+          <a:solidFill>
+            <a:schemeClr val="accent2"/>
+          </a:solidFill>
+        </p:spPr>
+        <p:txBody>
+          <a:bodyPr wrap="none" rtlCol="0">
+            <a:spAutoFit/>
+          </a:bodyPr>
+          <a:lstStyle/>
+          <a:p>
+            <a:r>
+              <a:rPr lang="en-US" sz="2000" dirty="0">
+                <a:solidFill>
+                  <a:schemeClr val="bg1"/>
+                </a:solidFill>
+              </a:rPr>
+              <a:t>Request</a:t>
+            </a:r>
+          </a:p>
+        </p:txBody>
+      </p:sp>
+      <p:sp>
+        <p:nvSpPr>
+          <p:cNvPr id="12" name="TextBox 11">
+            <a:extLst>
+              <a:ext uri="{FF2B5EF4-FFF2-40B4-BE49-F238E27FC236}">
+                <a16:creationId xmlns:a16="http://schemas.microsoft.com/office/drawing/2014/main" id="{DBEFE1C6-739D-2044-BD2B-C1FA1D91A78D}"/>
+              </a:ext>
+            </a:extLst>
+          </p:cNvPr>
+          <p:cNvSpPr txBox="1"/>
+          <p:nvPr/>
+        </p:nvSpPr>
+        <p:spPr>
+          <a:xfrm>
+            <a:off x="4510226" y="5084193"/>
+            <a:ext cx="1182055" cy="400110"/>
+          </a:xfrm>
+          <a:prstGeom prst="rect">
+            <a:avLst/>
+          </a:prstGeom>
+          <a:solidFill>
+            <a:schemeClr val="accent2"/>
+          </a:solidFill>
+        </p:spPr>
+        <p:txBody>
+          <a:bodyPr wrap="none" rtlCol="0">
+            <a:spAutoFit/>
+          </a:bodyPr>
+          <a:lstStyle/>
+          <a:p>
+            <a:r>
+              <a:rPr lang="en-US" sz="2000" dirty="0">
+                <a:solidFill>
+                  <a:schemeClr val="bg1"/>
+                </a:solidFill>
+              </a:rPr>
+              <a:t>Response</a:t>
+            </a:r>
+          </a:p>
+        </p:txBody>
+      </p:sp>
+      <p:sp>
+        <p:nvSpPr>
+          <p:cNvPr id="13" name="TextBox 12">
+            <a:extLst>
+              <a:ext uri="{FF2B5EF4-FFF2-40B4-BE49-F238E27FC236}">
+                <a16:creationId xmlns:a16="http://schemas.microsoft.com/office/drawing/2014/main" id="{2BF21EEF-851E-1440-BFA6-F9B33ADEAEC2}"/>
+              </a:ext>
+            </a:extLst>
+          </p:cNvPr>
+          <p:cNvSpPr txBox="1"/>
+          <p:nvPr/>
+        </p:nvSpPr>
+        <p:spPr>
+          <a:xfrm>
+            <a:off x="6400285" y="1843311"/>
+            <a:ext cx="2590774" cy="1200329"/>
+          </a:xfrm>
+          <a:prstGeom prst="rect">
+            <a:avLst/>
+          </a:prstGeom>
+          <a:noFill/>
+          <a:ln>
+            <a:solidFill>
+              <a:schemeClr val="tx1"/>
+            </a:solidFill>
+          </a:ln>
+        </p:spPr>
+        <p:txBody>
+          <a:bodyPr wrap="none" rtlCol="0">
+            <a:spAutoFit/>
+          </a:bodyPr>
+          <a:lstStyle/>
+          <a:p>
+            <a:r>
+              <a:rPr lang="en-US" dirty="0">
+                <a:latin typeface="Consolas" panose="020B0609020204030204" pitchFamily="49" charset="0"/>
+                <a:cs typeface="Consolas" panose="020B0609020204030204" pitchFamily="49" charset="0"/>
+              </a:rPr>
+              <a:t>{</a:t>
+            </a:r>
+          </a:p>
+          <a:p>
+            <a:r>
+              <a:rPr lang="en-US" dirty="0">
+                <a:latin typeface="Consolas" panose="020B0609020204030204" pitchFamily="49" charset="0"/>
+                <a:cs typeface="Consolas" panose="020B0609020204030204" pitchFamily="49" charset="0"/>
+              </a:rPr>
+              <a:t>"</a:t>
+            </a:r>
+            <a:r>
+              <a:rPr lang="en-US" dirty="0" err="1">
+                <a:latin typeface="Consolas" panose="020B0609020204030204" pitchFamily="49" charset="0"/>
+                <a:cs typeface="Consolas" panose="020B0609020204030204" pitchFamily="49" charset="0"/>
+              </a:rPr>
+              <a:t>name":"TEST-POST</a:t>
+            </a:r>
+            <a:r>
+              <a:rPr lang="en-US" dirty="0">
+                <a:latin typeface="Consolas" panose="020B0609020204030204" pitchFamily="49" charset="0"/>
+                <a:cs typeface="Consolas" panose="020B0609020204030204" pitchFamily="49" charset="0"/>
+              </a:rPr>
+              <a:t>",</a:t>
+            </a:r>
+          </a:p>
+          <a:p>
+            <a:r>
+              <a:rPr lang="en-US" dirty="0">
+                <a:latin typeface="Consolas" panose="020B0609020204030204" pitchFamily="49" charset="0"/>
+                <a:cs typeface="Consolas" panose="020B0609020204030204" pitchFamily="49" charset="0"/>
+              </a:rPr>
+              <a:t>"vlan_id":0</a:t>
+            </a:r>
+          </a:p>
+          <a:p>
+            <a:r>
+              <a:rPr lang="en-US" dirty="0">
+                <a:latin typeface="Consolas" panose="020B0609020204030204" pitchFamily="49" charset="0"/>
+                <a:cs typeface="Consolas" panose="020B0609020204030204" pitchFamily="49" charset="0"/>
+              </a:rPr>
+              <a:t>}</a:t>
+            </a:r>
+          </a:p>
+        </p:txBody>
+      </p:sp>
+      <p:sp>
+        <p:nvSpPr>
+          <p:cNvPr id="14" name="TextBox 13">
+            <a:extLst>
+              <a:ext uri="{FF2B5EF4-FFF2-40B4-BE49-F238E27FC236}">
+                <a16:creationId xmlns:a16="http://schemas.microsoft.com/office/drawing/2014/main" id="{3BDD0239-613B-764B-A08B-EA4CBF5E08BF}"/>
+              </a:ext>
+            </a:extLst>
+          </p:cNvPr>
+          <p:cNvSpPr txBox="1"/>
+          <p:nvPr/>
+        </p:nvSpPr>
+        <p:spPr>
+          <a:xfrm>
+            <a:off x="3559970" y="5701195"/>
+            <a:ext cx="7149714" cy="923330"/>
+          </a:xfrm>
+          <a:prstGeom prst="rect">
+            <a:avLst/>
+          </a:prstGeom>
+          <a:noFill/>
+          <a:ln>
+            <a:solidFill>
+              <a:schemeClr val="tx1"/>
+            </a:solidFill>
+          </a:ln>
+        </p:spPr>
+        <p:txBody>
+          <a:bodyPr wrap="none" rtlCol="0">
+            <a:spAutoFit/>
+          </a:bodyPr>
+          <a:lstStyle/>
+          <a:p>
+            <a:r>
+              <a:rPr lang="en-US" dirty="0">
+                <a:latin typeface="Consolas" panose="020B0609020204030204" pitchFamily="49" charset="0"/>
+                <a:cs typeface="Consolas" panose="020B0609020204030204" pitchFamily="49" charset="0"/>
+              </a:rPr>
+              <a:t>{ </a:t>
+            </a:r>
+          </a:p>
+          <a:p>
+            <a:r>
+              <a:rPr lang="en-US" dirty="0">
+                <a:latin typeface="Consolas" panose="020B0609020204030204" pitchFamily="49" charset="0"/>
+                <a:cs typeface="Consolas" panose="020B0609020204030204" pitchFamily="49" charset="0"/>
+              </a:rPr>
+              <a:t>"</a:t>
+            </a:r>
+            <a:r>
+              <a:rPr lang="en-US" dirty="0" err="1">
+                <a:latin typeface="Consolas" panose="020B0609020204030204" pitchFamily="49" charset="0"/>
+                <a:cs typeface="Consolas" panose="020B0609020204030204" pitchFamily="49" charset="0"/>
+              </a:rPr>
+              <a:t>network_uuid</a:t>
+            </a:r>
+            <a:r>
+              <a:rPr lang="en-US" dirty="0">
+                <a:latin typeface="Consolas" panose="020B0609020204030204" pitchFamily="49" charset="0"/>
+                <a:cs typeface="Consolas" panose="020B0609020204030204" pitchFamily="49" charset="0"/>
+              </a:rPr>
+              <a:t>": "85067be9-f415-44d6-8540-702b59749ead "</a:t>
+            </a:r>
+          </a:p>
+          <a:p>
+            <a:r>
+              <a:rPr lang="en-US" dirty="0">
+                <a:latin typeface="Consolas" panose="020B0609020204030204" pitchFamily="49" charset="0"/>
+                <a:cs typeface="Consolas" panose="020B0609020204030204" pitchFamily="49" charset="0"/>
+              </a:rPr>
+              <a:t> }</a:t>
+            </a:r>
+          </a:p>
+        </p:txBody>
+      </p:sp>
+      <p:sp>
+        <p:nvSpPr>
+          <p:cNvPr id="15" name="TextBox 14">
+            <a:extLst>
+              <a:ext uri="{FF2B5EF4-FFF2-40B4-BE49-F238E27FC236}">
+                <a16:creationId xmlns:a16="http://schemas.microsoft.com/office/drawing/2014/main" id="{3627E17D-D5B3-BC4C-B12A-DCEF53997740}"/>
+              </a:ext>
+            </a:extLst>
+          </p:cNvPr>
+          <p:cNvSpPr txBox="1"/>
+          <p:nvPr/>
+        </p:nvSpPr>
+        <p:spPr>
+          <a:xfrm>
+            <a:off x="2800350" y="5723712"/>
+            <a:ext cx="535724" cy="369332"/>
+          </a:xfrm>
+          <a:prstGeom prst="rect">
+            <a:avLst/>
+          </a:prstGeom>
+          <a:noFill/>
+        </p:spPr>
+        <p:txBody>
+          <a:bodyPr wrap="none" rtlCol="0">
+            <a:spAutoFit/>
+          </a:bodyPr>
+          <a:lstStyle/>
+          <a:p>
+            <a:r>
+              <a:rPr lang="en-US" dirty="0">
+                <a:solidFill>
+                  <a:srgbClr val="FF0000"/>
+                </a:solidFill>
+              </a:rPr>
+              <a:t>201</a:t>
+            </a:r>
+          </a:p>
+        </p:txBody>
+      </p:sp>
+      <p:sp>
+        <p:nvSpPr>
+          <p:cNvPr id="17" name="U-Turn Arrow 16">
+            <a:extLst>
+              <a:ext uri="{FF2B5EF4-FFF2-40B4-BE49-F238E27FC236}">
+                <a16:creationId xmlns:a16="http://schemas.microsoft.com/office/drawing/2014/main" id="{15CB01EE-E730-764C-9875-5A3C20BFEF05}"/>
+              </a:ext>
+            </a:extLst>
+          </p:cNvPr>
+          <p:cNvSpPr/>
+          <p:nvPr/>
+        </p:nvSpPr>
+        <p:spPr>
+          <a:xfrm>
+            <a:off x="9849282" y="2616383"/>
+            <a:ext cx="1188720" cy="1028700"/>
+          </a:xfrm>
+          <a:prstGeom prst="uturnArrow">
+            <a:avLst>
+              <a:gd name="adj1" fmla="val 18333"/>
+              <a:gd name="adj2" fmla="val 25000"/>
+              <a:gd name="adj3" fmla="val 25000"/>
+              <a:gd name="adj4" fmla="val 43750"/>
+              <a:gd name="adj5" fmla="val 75000"/>
+            </a:avLst>
+          </a:prstGeom>
+          <a:solidFill>
+            <a:schemeClr val="accent2"/>
+          </a:solidFill>
+          <a:ln>
+            <a:noFill/>
+          </a:ln>
+        </p:spPr>
+        <p:style>
+          <a:lnRef idx="2">
+            <a:schemeClr val="accent1">
+              <a:shade val="50000"/>
+            </a:schemeClr>
+          </a:lnRef>
+          <a:fillRef idx="1">
+            <a:schemeClr val="accent1"/>
+          </a:fillRef>
+          <a:effectRef idx="0">
+            <a:schemeClr val="accent1"/>
+          </a:effectRef>
+          <a:fontRef idx="minor">
+            <a:schemeClr val="lt1"/>
+          </a:fontRef>
+        </p:style>
+        <p:txBody>
+          <a:bodyPr rtlCol="0" anchor="ctr"/>
+          <a:lstStyle/>
+          <a:p>
+            <a:pPr algn="ctr"/>
+            <a:endParaRPr lang="en-US">
+              <a:solidFill>
+                <a:schemeClr val="tx1"/>
+              </a:solidFill>
+            </a:endParaRPr>
+          </a:p>
+        </p:txBody>
+      </p:sp>
+      <p:sp>
+        <p:nvSpPr>
+          <p:cNvPr id="18" name="TextBox 17">
+            <a:extLst>
+              <a:ext uri="{FF2B5EF4-FFF2-40B4-BE49-F238E27FC236}">
+                <a16:creationId xmlns:a16="http://schemas.microsoft.com/office/drawing/2014/main" id="{0D5843AF-3FBE-D64D-BBB6-29E954D8486B}"/>
+              </a:ext>
+            </a:extLst>
+          </p:cNvPr>
+          <p:cNvSpPr txBox="1"/>
+          <p:nvPr/>
+        </p:nvSpPr>
+        <p:spPr>
+          <a:xfrm>
+            <a:off x="9443081" y="2176035"/>
+            <a:ext cx="2031325" cy="369332"/>
+          </a:xfrm>
+          <a:prstGeom prst="rect">
+            <a:avLst/>
+          </a:prstGeom>
+          <a:noFill/>
+        </p:spPr>
+        <p:txBody>
+          <a:bodyPr wrap="none" rtlCol="0">
+            <a:spAutoFit/>
+          </a:bodyPr>
+          <a:lstStyle/>
+          <a:p>
+            <a:r>
+              <a:rPr lang="ja-JP" altLang="en-US"/>
+              <a:t>ネットワーク作成</a:t>
+            </a:r>
+            <a:endParaRPr lang="en-US" dirty="0"/>
+          </a:p>
+        </p:txBody>
+      </p:sp>
+      <p:sp>
+        <p:nvSpPr>
+          <p:cNvPr id="19" name="TextBox 18">
+            <a:extLst>
+              <a:ext uri="{FF2B5EF4-FFF2-40B4-BE49-F238E27FC236}">
+                <a16:creationId xmlns:a16="http://schemas.microsoft.com/office/drawing/2014/main" id="{51CC686E-F20D-444E-A6E9-1C4CE2123EB2}"/>
+              </a:ext>
+            </a:extLst>
+          </p:cNvPr>
+          <p:cNvSpPr txBox="1"/>
+          <p:nvPr/>
+        </p:nvSpPr>
+        <p:spPr>
+          <a:xfrm>
+            <a:off x="5583213" y="2006751"/>
+            <a:ext cx="657552" cy="369332"/>
+          </a:xfrm>
+          <a:prstGeom prst="rect">
+            <a:avLst/>
+          </a:prstGeom>
+          <a:noFill/>
+        </p:spPr>
+        <p:txBody>
+          <a:bodyPr wrap="none" rtlCol="0">
+            <a:spAutoFit/>
+          </a:bodyPr>
+          <a:lstStyle/>
+          <a:p>
+            <a:r>
+              <a:rPr lang="en-US" dirty="0"/>
+              <a:t>Body</a:t>
+            </a:r>
+          </a:p>
+        </p:txBody>
+      </p:sp>
+      <p:sp>
+        <p:nvSpPr>
+          <p:cNvPr id="20" name="TextBox 19">
+            <a:extLst>
+              <a:ext uri="{FF2B5EF4-FFF2-40B4-BE49-F238E27FC236}">
+                <a16:creationId xmlns:a16="http://schemas.microsoft.com/office/drawing/2014/main" id="{44C79374-A764-5643-B7BA-1AFEFB8AF219}"/>
+              </a:ext>
+            </a:extLst>
+          </p:cNvPr>
+          <p:cNvSpPr txBox="1"/>
+          <p:nvPr/>
+        </p:nvSpPr>
+        <p:spPr>
+          <a:xfrm>
+            <a:off x="2902418" y="6237449"/>
+            <a:ext cx="657552" cy="369332"/>
+          </a:xfrm>
+          <a:prstGeom prst="rect">
+            <a:avLst/>
+          </a:prstGeom>
+          <a:noFill/>
+        </p:spPr>
+        <p:txBody>
+          <a:bodyPr wrap="none" rtlCol="0">
+            <a:spAutoFit/>
+          </a:bodyPr>
+          <a:lstStyle/>
+          <a:p>
+            <a:r>
+              <a:rPr lang="en-US" dirty="0"/>
+              <a:t>Body</a:t>
+            </a:r>
           </a:p>
         </p:txBody>
       </p:sp>
@@ -5337,7 +6989,7 @@
           <a:p>
             <a:r>
               <a:rPr lang="en-US" sz="3200" dirty="0"/>
-              <a:t>Update : HTTP Put</a:t>
+              <a:t>Update : HTTP PUT</a:t>
             </a:r>
           </a:p>
         </p:txBody>
@@ -5380,9 +7032,807 @@
             </a:r>
             <a:r>
               <a:rPr lang="ja-JP" altLang="en-US" sz="2400"/>
-              <a:t>ネットワークの設定を作成</a:t>
+              <a:t>ネットワークの設定を更新</a:t>
             </a:r>
             <a:endParaRPr lang="en-US" sz="2400" dirty="0"/>
+          </a:p>
+        </p:txBody>
+      </p:sp>
+      <p:sp>
+        <p:nvSpPr>
+          <p:cNvPr id="4" name="Rectangle 3">
+            <a:extLst>
+              <a:ext uri="{FF2B5EF4-FFF2-40B4-BE49-F238E27FC236}">
+                <a16:creationId xmlns:a16="http://schemas.microsoft.com/office/drawing/2014/main" id="{FC037579-AB77-3442-BA2E-92EA14088B20}"/>
+              </a:ext>
+            </a:extLst>
+          </p:cNvPr>
+          <p:cNvSpPr/>
+          <p:nvPr/>
+        </p:nvSpPr>
+        <p:spPr>
+          <a:xfrm>
+            <a:off x="659787" y="3593853"/>
+            <a:ext cx="2213610" cy="1668780"/>
+          </a:xfrm>
+          <a:prstGeom prst="rect">
+            <a:avLst/>
+          </a:prstGeom>
+          <a:ln>
+            <a:noFill/>
+          </a:ln>
+        </p:spPr>
+        <p:style>
+          <a:lnRef idx="2">
+            <a:schemeClr val="accent1">
+              <a:shade val="50000"/>
+            </a:schemeClr>
+          </a:lnRef>
+          <a:fillRef idx="1">
+            <a:schemeClr val="accent1"/>
+          </a:fillRef>
+          <a:effectRef idx="0">
+            <a:schemeClr val="accent1"/>
+          </a:effectRef>
+          <a:fontRef idx="minor">
+            <a:schemeClr val="lt1"/>
+          </a:fontRef>
+        </p:style>
+        <p:txBody>
+          <a:bodyPr rtlCol="0" anchor="ctr"/>
+          <a:lstStyle/>
+          <a:p>
+            <a:pPr algn="ctr"/>
+            <a:r>
+              <a:rPr lang="en-US" dirty="0"/>
+              <a:t>HTTP Client</a:t>
+            </a:r>
+          </a:p>
+          <a:p>
+            <a:pPr algn="ctr"/>
+            <a:r>
+              <a:rPr lang="en-US" dirty="0"/>
+              <a:t>(Browser etc.)</a:t>
+            </a:r>
+          </a:p>
+        </p:txBody>
+      </p:sp>
+      <p:sp>
+        <p:nvSpPr>
+          <p:cNvPr id="5" name="Rectangle 4">
+            <a:extLst>
+              <a:ext uri="{FF2B5EF4-FFF2-40B4-BE49-F238E27FC236}">
+                <a16:creationId xmlns:a16="http://schemas.microsoft.com/office/drawing/2014/main" id="{CAA949F2-57C4-984F-80D7-EB0F928FF51C}"/>
+              </a:ext>
+            </a:extLst>
+          </p:cNvPr>
+          <p:cNvSpPr/>
+          <p:nvPr/>
+        </p:nvSpPr>
+        <p:spPr>
+          <a:xfrm>
+            <a:off x="9140190" y="3593853"/>
+            <a:ext cx="2213610" cy="1668780"/>
+          </a:xfrm>
+          <a:prstGeom prst="rect">
+            <a:avLst/>
+          </a:prstGeom>
+          <a:ln>
+            <a:noFill/>
+          </a:ln>
+        </p:spPr>
+        <p:style>
+          <a:lnRef idx="2">
+            <a:schemeClr val="accent1">
+              <a:shade val="50000"/>
+            </a:schemeClr>
+          </a:lnRef>
+          <a:fillRef idx="1">
+            <a:schemeClr val="accent1"/>
+          </a:fillRef>
+          <a:effectRef idx="0">
+            <a:schemeClr val="accent1"/>
+          </a:effectRef>
+          <a:fontRef idx="minor">
+            <a:schemeClr val="lt1"/>
+          </a:fontRef>
+        </p:style>
+        <p:txBody>
+          <a:bodyPr rtlCol="0" anchor="ctr"/>
+          <a:lstStyle/>
+          <a:p>
+            <a:pPr algn="ctr"/>
+            <a:r>
+              <a:rPr lang="en-US" dirty="0"/>
+              <a:t>HTTP Server</a:t>
+            </a:r>
+          </a:p>
+          <a:p>
+            <a:pPr algn="ctr"/>
+            <a:r>
+              <a:rPr lang="en-US" dirty="0"/>
+              <a:t>(Instagram etc.)</a:t>
+            </a:r>
+          </a:p>
+        </p:txBody>
+      </p:sp>
+      <p:sp>
+        <p:nvSpPr>
+          <p:cNvPr id="6" name="Cloud 5">
+            <a:extLst>
+              <a:ext uri="{FF2B5EF4-FFF2-40B4-BE49-F238E27FC236}">
+                <a16:creationId xmlns:a16="http://schemas.microsoft.com/office/drawing/2014/main" id="{B3EFB6D2-5140-094B-9601-EDFDC5914FC4}"/>
+              </a:ext>
+            </a:extLst>
+          </p:cNvPr>
+          <p:cNvSpPr/>
+          <p:nvPr/>
+        </p:nvSpPr>
+        <p:spPr>
+          <a:xfrm>
+            <a:off x="5460682" y="3867856"/>
+            <a:ext cx="1964055" cy="1255509"/>
+          </a:xfrm>
+          <a:prstGeom prst="cloud">
+            <a:avLst/>
+          </a:prstGeom>
+          <a:solidFill>
+            <a:schemeClr val="bg2">
+              <a:lumMod val="90000"/>
+            </a:schemeClr>
+          </a:solidFill>
+          <a:ln>
+            <a:noFill/>
+          </a:ln>
+        </p:spPr>
+        <p:style>
+          <a:lnRef idx="2">
+            <a:schemeClr val="accent1">
+              <a:shade val="50000"/>
+            </a:schemeClr>
+          </a:lnRef>
+          <a:fillRef idx="1">
+            <a:schemeClr val="accent1"/>
+          </a:fillRef>
+          <a:effectRef idx="0">
+            <a:schemeClr val="accent1"/>
+          </a:effectRef>
+          <a:fontRef idx="minor">
+            <a:schemeClr val="lt1"/>
+          </a:fontRef>
+        </p:style>
+        <p:txBody>
+          <a:bodyPr rtlCol="0" anchor="ctr"/>
+          <a:lstStyle/>
+          <a:p>
+            <a:pPr algn="ctr"/>
+            <a:endParaRPr lang="en-US"/>
+          </a:p>
+        </p:txBody>
+      </p:sp>
+      <p:sp>
+        <p:nvSpPr>
+          <p:cNvPr id="7" name="TextBox 6">
+            <a:extLst>
+              <a:ext uri="{FF2B5EF4-FFF2-40B4-BE49-F238E27FC236}">
+                <a16:creationId xmlns:a16="http://schemas.microsoft.com/office/drawing/2014/main" id="{374D237C-F3C5-9945-B032-04495A39B8A0}"/>
+              </a:ext>
+            </a:extLst>
+          </p:cNvPr>
+          <p:cNvSpPr txBox="1"/>
+          <p:nvPr/>
+        </p:nvSpPr>
+        <p:spPr>
+          <a:xfrm>
+            <a:off x="5959372" y="4255007"/>
+            <a:ext cx="994055" cy="369332"/>
+          </a:xfrm>
+          <a:prstGeom prst="rect">
+            <a:avLst/>
+          </a:prstGeom>
+          <a:noFill/>
+        </p:spPr>
+        <p:txBody>
+          <a:bodyPr wrap="none" rtlCol="0">
+            <a:spAutoFit/>
+          </a:bodyPr>
+          <a:lstStyle/>
+          <a:p>
+            <a:r>
+              <a:rPr lang="en-US" dirty="0"/>
+              <a:t>Network</a:t>
+            </a:r>
+          </a:p>
+        </p:txBody>
+      </p:sp>
+      <p:sp>
+        <p:nvSpPr>
+          <p:cNvPr id="8" name="Right Arrow 7">
+            <a:extLst>
+              <a:ext uri="{FF2B5EF4-FFF2-40B4-BE49-F238E27FC236}">
+                <a16:creationId xmlns:a16="http://schemas.microsoft.com/office/drawing/2014/main" id="{AB31377A-2BCE-3F42-84B5-2D933B8E53D3}"/>
+              </a:ext>
+            </a:extLst>
+          </p:cNvPr>
+          <p:cNvSpPr/>
+          <p:nvPr/>
+        </p:nvSpPr>
+        <p:spPr>
+          <a:xfrm>
+            <a:off x="3924300" y="3867856"/>
+            <a:ext cx="4674870" cy="400367"/>
+          </a:xfrm>
+          <a:prstGeom prst="rightArrow">
+            <a:avLst/>
+          </a:prstGeom>
+          <a:ln>
+            <a:noFill/>
+          </a:ln>
+        </p:spPr>
+        <p:style>
+          <a:lnRef idx="2">
+            <a:schemeClr val="accent1">
+              <a:shade val="50000"/>
+            </a:schemeClr>
+          </a:lnRef>
+          <a:fillRef idx="1">
+            <a:schemeClr val="accent1"/>
+          </a:fillRef>
+          <a:effectRef idx="0">
+            <a:schemeClr val="accent1"/>
+          </a:effectRef>
+          <a:fontRef idx="minor">
+            <a:schemeClr val="lt1"/>
+          </a:fontRef>
+        </p:style>
+        <p:txBody>
+          <a:bodyPr rtlCol="0" anchor="ctr"/>
+          <a:lstStyle/>
+          <a:p>
+            <a:pPr algn="ctr"/>
+            <a:endParaRPr lang="en-US"/>
+          </a:p>
+        </p:txBody>
+      </p:sp>
+      <p:sp>
+        <p:nvSpPr>
+          <p:cNvPr id="9" name="Right Arrow 8">
+            <a:extLst>
+              <a:ext uri="{FF2B5EF4-FFF2-40B4-BE49-F238E27FC236}">
+                <a16:creationId xmlns:a16="http://schemas.microsoft.com/office/drawing/2014/main" id="{44491C46-F067-1C42-AA6B-C6299118F63F}"/>
+              </a:ext>
+            </a:extLst>
+          </p:cNvPr>
+          <p:cNvSpPr/>
+          <p:nvPr/>
+        </p:nvSpPr>
+        <p:spPr>
+          <a:xfrm rot="10800000">
+            <a:off x="3924300" y="4681806"/>
+            <a:ext cx="4674870" cy="400367"/>
+          </a:xfrm>
+          <a:prstGeom prst="rightArrow">
+            <a:avLst/>
+          </a:prstGeom>
+          <a:ln>
+            <a:noFill/>
+          </a:ln>
+        </p:spPr>
+        <p:style>
+          <a:lnRef idx="2">
+            <a:schemeClr val="accent1">
+              <a:shade val="50000"/>
+            </a:schemeClr>
+          </a:lnRef>
+          <a:fillRef idx="1">
+            <a:schemeClr val="accent1"/>
+          </a:fillRef>
+          <a:effectRef idx="0">
+            <a:schemeClr val="accent1"/>
+          </a:effectRef>
+          <a:fontRef idx="minor">
+            <a:schemeClr val="lt1"/>
+          </a:fontRef>
+        </p:style>
+        <p:txBody>
+          <a:bodyPr rtlCol="0" anchor="ctr"/>
+          <a:lstStyle/>
+          <a:p>
+            <a:pPr algn="ctr"/>
+            <a:endParaRPr lang="en-US"/>
+          </a:p>
+        </p:txBody>
+      </p:sp>
+      <p:sp>
+        <p:nvSpPr>
+          <p:cNvPr id="10" name="TextBox 9">
+            <a:extLst>
+              <a:ext uri="{FF2B5EF4-FFF2-40B4-BE49-F238E27FC236}">
+                <a16:creationId xmlns:a16="http://schemas.microsoft.com/office/drawing/2014/main" id="{7FE78444-9620-984E-B40F-77E06D74E654}"/>
+              </a:ext>
+            </a:extLst>
+          </p:cNvPr>
+          <p:cNvSpPr txBox="1"/>
+          <p:nvPr/>
+        </p:nvSpPr>
+        <p:spPr>
+          <a:xfrm>
+            <a:off x="792087" y="3039040"/>
+            <a:ext cx="8435451" cy="400110"/>
+          </a:xfrm>
+          <a:prstGeom prst="rect">
+            <a:avLst/>
+          </a:prstGeom>
+          <a:noFill/>
+        </p:spPr>
+        <p:txBody>
+          <a:bodyPr wrap="none" rtlCol="0">
+            <a:spAutoFit/>
+          </a:bodyPr>
+          <a:lstStyle/>
+          <a:p>
+            <a:r>
+              <a:rPr lang="en-US" sz="2000" dirty="0">
+                <a:solidFill>
+                  <a:srgbClr val="FF0000"/>
+                </a:solidFill>
+              </a:rPr>
+              <a:t>PUT</a:t>
+            </a:r>
+            <a:r>
+              <a:rPr lang="en-US" sz="2000" dirty="0"/>
+              <a:t> https://10.149.27.41:9440/</a:t>
+            </a:r>
+            <a:r>
+              <a:rPr lang="en-US" sz="2000" dirty="0" err="1"/>
+              <a:t>api</a:t>
+            </a:r>
+            <a:r>
+              <a:rPr lang="en-US" sz="2000" dirty="0"/>
+              <a:t>/</a:t>
+            </a:r>
+            <a:r>
+              <a:rPr lang="en-US" sz="2000" dirty="0" err="1"/>
+              <a:t>nutanix</a:t>
+            </a:r>
+            <a:r>
+              <a:rPr lang="en-US" sz="2000" dirty="0"/>
+              <a:t>/v2.0/networks/&lt;NETWORK_UUID&gt;</a:t>
+            </a:r>
+          </a:p>
+        </p:txBody>
+      </p:sp>
+      <p:sp>
+        <p:nvSpPr>
+          <p:cNvPr id="11" name="TextBox 10">
+            <a:extLst>
+              <a:ext uri="{FF2B5EF4-FFF2-40B4-BE49-F238E27FC236}">
+                <a16:creationId xmlns:a16="http://schemas.microsoft.com/office/drawing/2014/main" id="{10AF88B5-E3C1-8748-A2CA-F51368ED9FD5}"/>
+              </a:ext>
+            </a:extLst>
+          </p:cNvPr>
+          <p:cNvSpPr txBox="1"/>
+          <p:nvPr/>
+        </p:nvSpPr>
+        <p:spPr>
+          <a:xfrm>
+            <a:off x="6965265" y="3658399"/>
+            <a:ext cx="1030090" cy="400110"/>
+          </a:xfrm>
+          <a:prstGeom prst="rect">
+            <a:avLst/>
+          </a:prstGeom>
+          <a:solidFill>
+            <a:schemeClr val="accent2"/>
+          </a:solidFill>
+        </p:spPr>
+        <p:txBody>
+          <a:bodyPr wrap="none" rtlCol="0">
+            <a:spAutoFit/>
+          </a:bodyPr>
+          <a:lstStyle/>
+          <a:p>
+            <a:r>
+              <a:rPr lang="en-US" sz="2000" dirty="0">
+                <a:solidFill>
+                  <a:schemeClr val="bg1"/>
+                </a:solidFill>
+              </a:rPr>
+              <a:t>Request</a:t>
+            </a:r>
+          </a:p>
+        </p:txBody>
+      </p:sp>
+      <p:sp>
+        <p:nvSpPr>
+          <p:cNvPr id="12" name="TextBox 11">
+            <a:extLst>
+              <a:ext uri="{FF2B5EF4-FFF2-40B4-BE49-F238E27FC236}">
+                <a16:creationId xmlns:a16="http://schemas.microsoft.com/office/drawing/2014/main" id="{317388C8-1B28-E246-85A2-E39041A62ABE}"/>
+              </a:ext>
+            </a:extLst>
+          </p:cNvPr>
+          <p:cNvSpPr txBox="1"/>
+          <p:nvPr/>
+        </p:nvSpPr>
+        <p:spPr>
+          <a:xfrm>
+            <a:off x="4418786" y="4901313"/>
+            <a:ext cx="1182055" cy="400110"/>
+          </a:xfrm>
+          <a:prstGeom prst="rect">
+            <a:avLst/>
+          </a:prstGeom>
+          <a:solidFill>
+            <a:schemeClr val="accent2"/>
+          </a:solidFill>
+        </p:spPr>
+        <p:txBody>
+          <a:bodyPr wrap="none" rtlCol="0">
+            <a:spAutoFit/>
+          </a:bodyPr>
+          <a:lstStyle/>
+          <a:p>
+            <a:r>
+              <a:rPr lang="en-US" sz="2000" dirty="0">
+                <a:solidFill>
+                  <a:schemeClr val="bg1"/>
+                </a:solidFill>
+              </a:rPr>
+              <a:t>Response</a:t>
+            </a:r>
+          </a:p>
+        </p:txBody>
+      </p:sp>
+      <p:sp>
+        <p:nvSpPr>
+          <p:cNvPr id="13" name="TextBox 12">
+            <a:extLst>
+              <a:ext uri="{FF2B5EF4-FFF2-40B4-BE49-F238E27FC236}">
+                <a16:creationId xmlns:a16="http://schemas.microsoft.com/office/drawing/2014/main" id="{D3C31652-9D96-A14D-BB83-F1674E3AD5B0}"/>
+              </a:ext>
+            </a:extLst>
+          </p:cNvPr>
+          <p:cNvSpPr txBox="1"/>
+          <p:nvPr/>
+        </p:nvSpPr>
+        <p:spPr>
+          <a:xfrm>
+            <a:off x="5530449" y="5725498"/>
+            <a:ext cx="1957587" cy="923330"/>
+          </a:xfrm>
+          <a:prstGeom prst="rect">
+            <a:avLst/>
+          </a:prstGeom>
+          <a:noFill/>
+          <a:ln>
+            <a:solidFill>
+              <a:schemeClr val="tx1"/>
+            </a:solidFill>
+          </a:ln>
+        </p:spPr>
+        <p:txBody>
+          <a:bodyPr wrap="none" rtlCol="0">
+            <a:spAutoFit/>
+          </a:bodyPr>
+          <a:lstStyle/>
+          <a:p>
+            <a:r>
+              <a:rPr lang="en-US" dirty="0">
+                <a:latin typeface="Consolas" panose="020B0609020204030204" pitchFamily="49" charset="0"/>
+                <a:cs typeface="Consolas" panose="020B0609020204030204" pitchFamily="49" charset="0"/>
+              </a:rPr>
+              <a:t>{ </a:t>
+            </a:r>
+          </a:p>
+          <a:p>
+            <a:r>
+              <a:rPr lang="en-US" dirty="0">
+                <a:latin typeface="Consolas" panose="020B0609020204030204" pitchFamily="49" charset="0"/>
+                <a:cs typeface="Consolas" panose="020B0609020204030204" pitchFamily="49" charset="0"/>
+              </a:rPr>
+              <a:t>"value": true </a:t>
+            </a:r>
+          </a:p>
+          <a:p>
+            <a:r>
+              <a:rPr lang="en-US" dirty="0">
+                <a:latin typeface="Consolas" panose="020B0609020204030204" pitchFamily="49" charset="0"/>
+                <a:cs typeface="Consolas" panose="020B0609020204030204" pitchFamily="49" charset="0"/>
+              </a:rPr>
+              <a:t>}</a:t>
+            </a:r>
+          </a:p>
+        </p:txBody>
+      </p:sp>
+      <p:sp>
+        <p:nvSpPr>
+          <p:cNvPr id="14" name="TextBox 13">
+            <a:extLst>
+              <a:ext uri="{FF2B5EF4-FFF2-40B4-BE49-F238E27FC236}">
+                <a16:creationId xmlns:a16="http://schemas.microsoft.com/office/drawing/2014/main" id="{986F036A-5F9C-864C-8096-7E522F7E281D}"/>
+              </a:ext>
+            </a:extLst>
+          </p:cNvPr>
+          <p:cNvSpPr txBox="1"/>
+          <p:nvPr/>
+        </p:nvSpPr>
+        <p:spPr>
+          <a:xfrm>
+            <a:off x="4717430" y="5734411"/>
+            <a:ext cx="535724" cy="369332"/>
+          </a:xfrm>
+          <a:prstGeom prst="rect">
+            <a:avLst/>
+          </a:prstGeom>
+          <a:noFill/>
+        </p:spPr>
+        <p:txBody>
+          <a:bodyPr wrap="none" rtlCol="0">
+            <a:spAutoFit/>
+          </a:bodyPr>
+          <a:lstStyle/>
+          <a:p>
+            <a:r>
+              <a:rPr lang="en-US" dirty="0">
+                <a:solidFill>
+                  <a:srgbClr val="FF0000"/>
+                </a:solidFill>
+              </a:rPr>
+              <a:t>200</a:t>
+            </a:r>
+          </a:p>
+        </p:txBody>
+      </p:sp>
+      <p:sp>
+        <p:nvSpPr>
+          <p:cNvPr id="16" name="TextBox 15">
+            <a:extLst>
+              <a:ext uri="{FF2B5EF4-FFF2-40B4-BE49-F238E27FC236}">
+                <a16:creationId xmlns:a16="http://schemas.microsoft.com/office/drawing/2014/main" id="{040B8100-A497-AC44-BEF0-8F772A1E187F}"/>
+              </a:ext>
+            </a:extLst>
+          </p:cNvPr>
+          <p:cNvSpPr txBox="1"/>
+          <p:nvPr/>
+        </p:nvSpPr>
+        <p:spPr>
+          <a:xfrm>
+            <a:off x="6404251" y="1772066"/>
+            <a:ext cx="2464136" cy="1200329"/>
+          </a:xfrm>
+          <a:prstGeom prst="rect">
+            <a:avLst/>
+          </a:prstGeom>
+          <a:noFill/>
+          <a:ln>
+            <a:solidFill>
+              <a:schemeClr val="tx1"/>
+            </a:solidFill>
+          </a:ln>
+        </p:spPr>
+        <p:txBody>
+          <a:bodyPr wrap="none" rtlCol="0">
+            <a:spAutoFit/>
+          </a:bodyPr>
+          <a:lstStyle/>
+          <a:p>
+            <a:r>
+              <a:rPr lang="en-US" dirty="0">
+                <a:latin typeface="Consolas" panose="020B0609020204030204" pitchFamily="49" charset="0"/>
+                <a:cs typeface="Consolas" panose="020B0609020204030204" pitchFamily="49" charset="0"/>
+              </a:rPr>
+              <a:t>{</a:t>
+            </a:r>
+          </a:p>
+          <a:p>
+            <a:r>
+              <a:rPr lang="en-US" dirty="0">
+                <a:latin typeface="Consolas" panose="020B0609020204030204" pitchFamily="49" charset="0"/>
+                <a:cs typeface="Consolas" panose="020B0609020204030204" pitchFamily="49" charset="0"/>
+              </a:rPr>
+              <a:t>"</a:t>
+            </a:r>
+            <a:r>
+              <a:rPr lang="en-US" dirty="0" err="1">
+                <a:latin typeface="Consolas" panose="020B0609020204030204" pitchFamily="49" charset="0"/>
+                <a:cs typeface="Consolas" panose="020B0609020204030204" pitchFamily="49" charset="0"/>
+              </a:rPr>
+              <a:t>name":"TEST-PUT</a:t>
+            </a:r>
+            <a:r>
+              <a:rPr lang="en-US" dirty="0">
+                <a:latin typeface="Consolas" panose="020B0609020204030204" pitchFamily="49" charset="0"/>
+                <a:cs typeface="Consolas" panose="020B0609020204030204" pitchFamily="49" charset="0"/>
+              </a:rPr>
+              <a:t>",</a:t>
+            </a:r>
+          </a:p>
+          <a:p>
+            <a:r>
+              <a:rPr lang="en-US" dirty="0">
+                <a:latin typeface="Consolas" panose="020B0609020204030204" pitchFamily="49" charset="0"/>
+                <a:cs typeface="Consolas" panose="020B0609020204030204" pitchFamily="49" charset="0"/>
+              </a:rPr>
+              <a:t>"vlan_id":100</a:t>
+            </a:r>
+          </a:p>
+          <a:p>
+            <a:r>
+              <a:rPr lang="en-US" dirty="0">
+                <a:latin typeface="Consolas" panose="020B0609020204030204" pitchFamily="49" charset="0"/>
+                <a:cs typeface="Consolas" panose="020B0609020204030204" pitchFamily="49" charset="0"/>
+              </a:rPr>
+              <a:t>}</a:t>
+            </a:r>
+          </a:p>
+        </p:txBody>
+      </p:sp>
+      <p:sp>
+        <p:nvSpPr>
+          <p:cNvPr id="17" name="U-Turn Arrow 16">
+            <a:extLst>
+              <a:ext uri="{FF2B5EF4-FFF2-40B4-BE49-F238E27FC236}">
+                <a16:creationId xmlns:a16="http://schemas.microsoft.com/office/drawing/2014/main" id="{CBC654F3-1F99-864C-A5F2-E38649886EB7}"/>
+              </a:ext>
+            </a:extLst>
+          </p:cNvPr>
+          <p:cNvSpPr/>
+          <p:nvPr/>
+        </p:nvSpPr>
+        <p:spPr>
+          <a:xfrm>
+            <a:off x="9817129" y="2371431"/>
+            <a:ext cx="1188720" cy="1028700"/>
+          </a:xfrm>
+          <a:prstGeom prst="uturnArrow">
+            <a:avLst>
+              <a:gd name="adj1" fmla="val 18333"/>
+              <a:gd name="adj2" fmla="val 25000"/>
+              <a:gd name="adj3" fmla="val 25000"/>
+              <a:gd name="adj4" fmla="val 43750"/>
+              <a:gd name="adj5" fmla="val 75000"/>
+            </a:avLst>
+          </a:prstGeom>
+          <a:solidFill>
+            <a:schemeClr val="accent2"/>
+          </a:solidFill>
+          <a:ln>
+            <a:noFill/>
+          </a:ln>
+        </p:spPr>
+        <p:style>
+          <a:lnRef idx="2">
+            <a:schemeClr val="accent1">
+              <a:shade val="50000"/>
+            </a:schemeClr>
+          </a:lnRef>
+          <a:fillRef idx="1">
+            <a:schemeClr val="accent1"/>
+          </a:fillRef>
+          <a:effectRef idx="0">
+            <a:schemeClr val="accent1"/>
+          </a:effectRef>
+          <a:fontRef idx="minor">
+            <a:schemeClr val="lt1"/>
+          </a:fontRef>
+        </p:style>
+        <p:txBody>
+          <a:bodyPr rtlCol="0" anchor="ctr"/>
+          <a:lstStyle/>
+          <a:p>
+            <a:pPr algn="ctr"/>
+            <a:endParaRPr lang="en-US">
+              <a:solidFill>
+                <a:schemeClr val="tx1"/>
+              </a:solidFill>
+            </a:endParaRPr>
+          </a:p>
+        </p:txBody>
+      </p:sp>
+      <p:sp>
+        <p:nvSpPr>
+          <p:cNvPr id="18" name="TextBox 17">
+            <a:extLst>
+              <a:ext uri="{FF2B5EF4-FFF2-40B4-BE49-F238E27FC236}">
+                <a16:creationId xmlns:a16="http://schemas.microsoft.com/office/drawing/2014/main" id="{8E3A1BAC-3A86-4147-BECC-584572397F99}"/>
+              </a:ext>
+            </a:extLst>
+          </p:cNvPr>
+          <p:cNvSpPr txBox="1"/>
+          <p:nvPr/>
+        </p:nvSpPr>
+        <p:spPr>
+          <a:xfrm>
+            <a:off x="9410928" y="1931083"/>
+            <a:ext cx="2031325" cy="369332"/>
+          </a:xfrm>
+          <a:prstGeom prst="rect">
+            <a:avLst/>
+          </a:prstGeom>
+          <a:noFill/>
+        </p:spPr>
+        <p:txBody>
+          <a:bodyPr wrap="none" rtlCol="0">
+            <a:spAutoFit/>
+          </a:bodyPr>
+          <a:lstStyle/>
+          <a:p>
+            <a:r>
+              <a:rPr lang="ja-JP" altLang="en-US"/>
+              <a:t>ネットワーク作成</a:t>
+            </a:r>
+            <a:endParaRPr lang="en-US" dirty="0"/>
+          </a:p>
+        </p:txBody>
+      </p:sp>
+      <p:sp>
+        <p:nvSpPr>
+          <p:cNvPr id="19" name="TextBox 18">
+            <a:extLst>
+              <a:ext uri="{FF2B5EF4-FFF2-40B4-BE49-F238E27FC236}">
+                <a16:creationId xmlns:a16="http://schemas.microsoft.com/office/drawing/2014/main" id="{8FC2E154-25E8-C044-8143-424FA5D785D1}"/>
+              </a:ext>
+            </a:extLst>
+          </p:cNvPr>
+          <p:cNvSpPr txBox="1"/>
+          <p:nvPr/>
+        </p:nvSpPr>
+        <p:spPr>
+          <a:xfrm>
+            <a:off x="5618938" y="1923582"/>
+            <a:ext cx="657552" cy="369332"/>
+          </a:xfrm>
+          <a:prstGeom prst="rect">
+            <a:avLst/>
+          </a:prstGeom>
+          <a:noFill/>
+        </p:spPr>
+        <p:txBody>
+          <a:bodyPr wrap="none" rtlCol="0">
+            <a:spAutoFit/>
+          </a:bodyPr>
+          <a:lstStyle/>
+          <a:p>
+            <a:r>
+              <a:rPr lang="en-US" dirty="0"/>
+              <a:t>Body</a:t>
+            </a:r>
+          </a:p>
+        </p:txBody>
+      </p:sp>
+      <p:sp>
+        <p:nvSpPr>
+          <p:cNvPr id="20" name="TextBox 19">
+            <a:extLst>
+              <a:ext uri="{FF2B5EF4-FFF2-40B4-BE49-F238E27FC236}">
+                <a16:creationId xmlns:a16="http://schemas.microsoft.com/office/drawing/2014/main" id="{3517B8A6-4582-FE46-A95F-D3BF39E6ADC5}"/>
+              </a:ext>
+            </a:extLst>
+          </p:cNvPr>
+          <p:cNvSpPr txBox="1"/>
+          <p:nvPr/>
+        </p:nvSpPr>
+        <p:spPr>
+          <a:xfrm>
+            <a:off x="4656516" y="6267771"/>
+            <a:ext cx="657552" cy="369332"/>
+          </a:xfrm>
+          <a:prstGeom prst="rect">
+            <a:avLst/>
+          </a:prstGeom>
+          <a:noFill/>
+        </p:spPr>
+        <p:txBody>
+          <a:bodyPr wrap="none" rtlCol="0">
+            <a:spAutoFit/>
+          </a:bodyPr>
+          <a:lstStyle/>
+          <a:p>
+            <a:r>
+              <a:rPr lang="en-US" dirty="0"/>
+              <a:t>Body</a:t>
+            </a:r>
           </a:p>
         </p:txBody>
       </p:sp>
@@ -5489,9 +7939,709 @@
             </a:r>
             <a:r>
               <a:rPr lang="ja-JP" altLang="en-US" sz="2400"/>
-              <a:t>ネットワークの設定を作成</a:t>
+              <a:t>ネットワークの設定を削除</a:t>
             </a:r>
             <a:endParaRPr lang="en-US" sz="2400" dirty="0"/>
+          </a:p>
+        </p:txBody>
+      </p:sp>
+      <p:sp>
+        <p:nvSpPr>
+          <p:cNvPr id="4" name="Rectangle 3">
+            <a:extLst>
+              <a:ext uri="{FF2B5EF4-FFF2-40B4-BE49-F238E27FC236}">
+                <a16:creationId xmlns:a16="http://schemas.microsoft.com/office/drawing/2014/main" id="{4B19CE5C-1A55-844E-AAB4-8287D6E89AC3}"/>
+              </a:ext>
+            </a:extLst>
+          </p:cNvPr>
+          <p:cNvSpPr/>
+          <p:nvPr/>
+        </p:nvSpPr>
+        <p:spPr>
+          <a:xfrm>
+            <a:off x="751227" y="3616713"/>
+            <a:ext cx="2213610" cy="1668780"/>
+          </a:xfrm>
+          <a:prstGeom prst="rect">
+            <a:avLst/>
+          </a:prstGeom>
+          <a:ln>
+            <a:noFill/>
+          </a:ln>
+        </p:spPr>
+        <p:style>
+          <a:lnRef idx="2">
+            <a:schemeClr val="accent1">
+              <a:shade val="50000"/>
+            </a:schemeClr>
+          </a:lnRef>
+          <a:fillRef idx="1">
+            <a:schemeClr val="accent1"/>
+          </a:fillRef>
+          <a:effectRef idx="0">
+            <a:schemeClr val="accent1"/>
+          </a:effectRef>
+          <a:fontRef idx="minor">
+            <a:schemeClr val="lt1"/>
+          </a:fontRef>
+        </p:style>
+        <p:txBody>
+          <a:bodyPr rtlCol="0" anchor="ctr"/>
+          <a:lstStyle/>
+          <a:p>
+            <a:pPr algn="ctr"/>
+            <a:r>
+              <a:rPr lang="en-US" dirty="0"/>
+              <a:t>HTTP Client</a:t>
+            </a:r>
+          </a:p>
+          <a:p>
+            <a:pPr algn="ctr"/>
+            <a:r>
+              <a:rPr lang="en-US" dirty="0"/>
+              <a:t>(Browser etc.)</a:t>
+            </a:r>
+          </a:p>
+        </p:txBody>
+      </p:sp>
+      <p:sp>
+        <p:nvSpPr>
+          <p:cNvPr id="5" name="Rectangle 4">
+            <a:extLst>
+              <a:ext uri="{FF2B5EF4-FFF2-40B4-BE49-F238E27FC236}">
+                <a16:creationId xmlns:a16="http://schemas.microsoft.com/office/drawing/2014/main" id="{392F477F-AB32-664D-A56A-3762A972071C}"/>
+              </a:ext>
+            </a:extLst>
+          </p:cNvPr>
+          <p:cNvSpPr/>
+          <p:nvPr/>
+        </p:nvSpPr>
+        <p:spPr>
+          <a:xfrm>
+            <a:off x="9231630" y="3616713"/>
+            <a:ext cx="2213610" cy="1668780"/>
+          </a:xfrm>
+          <a:prstGeom prst="rect">
+            <a:avLst/>
+          </a:prstGeom>
+          <a:ln>
+            <a:noFill/>
+          </a:ln>
+        </p:spPr>
+        <p:style>
+          <a:lnRef idx="2">
+            <a:schemeClr val="accent1">
+              <a:shade val="50000"/>
+            </a:schemeClr>
+          </a:lnRef>
+          <a:fillRef idx="1">
+            <a:schemeClr val="accent1"/>
+          </a:fillRef>
+          <a:effectRef idx="0">
+            <a:schemeClr val="accent1"/>
+          </a:effectRef>
+          <a:fontRef idx="minor">
+            <a:schemeClr val="lt1"/>
+          </a:fontRef>
+        </p:style>
+        <p:txBody>
+          <a:bodyPr rtlCol="0" anchor="ctr"/>
+          <a:lstStyle/>
+          <a:p>
+            <a:pPr algn="ctr"/>
+            <a:r>
+              <a:rPr lang="en-US" dirty="0"/>
+              <a:t>HTTP Server</a:t>
+            </a:r>
+          </a:p>
+          <a:p>
+            <a:pPr algn="ctr"/>
+            <a:r>
+              <a:rPr lang="en-US" dirty="0"/>
+              <a:t>(Instagram etc.)</a:t>
+            </a:r>
+          </a:p>
+        </p:txBody>
+      </p:sp>
+      <p:sp>
+        <p:nvSpPr>
+          <p:cNvPr id="6" name="Cloud 5">
+            <a:extLst>
+              <a:ext uri="{FF2B5EF4-FFF2-40B4-BE49-F238E27FC236}">
+                <a16:creationId xmlns:a16="http://schemas.microsoft.com/office/drawing/2014/main" id="{125DE0A0-3D64-A84E-AFDA-AE9C8C765CFB}"/>
+              </a:ext>
+            </a:extLst>
+          </p:cNvPr>
+          <p:cNvSpPr/>
+          <p:nvPr/>
+        </p:nvSpPr>
+        <p:spPr>
+          <a:xfrm>
+            <a:off x="5552122" y="3890716"/>
+            <a:ext cx="1964055" cy="1255509"/>
+          </a:xfrm>
+          <a:prstGeom prst="cloud">
+            <a:avLst/>
+          </a:prstGeom>
+          <a:solidFill>
+            <a:schemeClr val="bg2">
+              <a:lumMod val="90000"/>
+            </a:schemeClr>
+          </a:solidFill>
+          <a:ln>
+            <a:noFill/>
+          </a:ln>
+        </p:spPr>
+        <p:style>
+          <a:lnRef idx="2">
+            <a:schemeClr val="accent1">
+              <a:shade val="50000"/>
+            </a:schemeClr>
+          </a:lnRef>
+          <a:fillRef idx="1">
+            <a:schemeClr val="accent1"/>
+          </a:fillRef>
+          <a:effectRef idx="0">
+            <a:schemeClr val="accent1"/>
+          </a:effectRef>
+          <a:fontRef idx="minor">
+            <a:schemeClr val="lt1"/>
+          </a:fontRef>
+        </p:style>
+        <p:txBody>
+          <a:bodyPr rtlCol="0" anchor="ctr"/>
+          <a:lstStyle/>
+          <a:p>
+            <a:pPr algn="ctr"/>
+            <a:endParaRPr lang="en-US"/>
+          </a:p>
+        </p:txBody>
+      </p:sp>
+      <p:sp>
+        <p:nvSpPr>
+          <p:cNvPr id="7" name="TextBox 6">
+            <a:extLst>
+              <a:ext uri="{FF2B5EF4-FFF2-40B4-BE49-F238E27FC236}">
+                <a16:creationId xmlns:a16="http://schemas.microsoft.com/office/drawing/2014/main" id="{99736566-FE2D-9B41-84FF-AC9523F903F1}"/>
+              </a:ext>
+            </a:extLst>
+          </p:cNvPr>
+          <p:cNvSpPr txBox="1"/>
+          <p:nvPr/>
+        </p:nvSpPr>
+        <p:spPr>
+          <a:xfrm>
+            <a:off x="6050812" y="4277867"/>
+            <a:ext cx="994055" cy="369332"/>
+          </a:xfrm>
+          <a:prstGeom prst="rect">
+            <a:avLst/>
+          </a:prstGeom>
+          <a:noFill/>
+        </p:spPr>
+        <p:txBody>
+          <a:bodyPr wrap="none" rtlCol="0">
+            <a:spAutoFit/>
+          </a:bodyPr>
+          <a:lstStyle/>
+          <a:p>
+            <a:r>
+              <a:rPr lang="en-US" dirty="0"/>
+              <a:t>Network</a:t>
+            </a:r>
+          </a:p>
+        </p:txBody>
+      </p:sp>
+      <p:sp>
+        <p:nvSpPr>
+          <p:cNvPr id="8" name="Right Arrow 7">
+            <a:extLst>
+              <a:ext uri="{FF2B5EF4-FFF2-40B4-BE49-F238E27FC236}">
+                <a16:creationId xmlns:a16="http://schemas.microsoft.com/office/drawing/2014/main" id="{C6EA92BC-9348-3849-A158-A4EAE9CCAE63}"/>
+              </a:ext>
+            </a:extLst>
+          </p:cNvPr>
+          <p:cNvSpPr/>
+          <p:nvPr/>
+        </p:nvSpPr>
+        <p:spPr>
+          <a:xfrm>
+            <a:off x="4015740" y="3890716"/>
+            <a:ext cx="4674870" cy="400367"/>
+          </a:xfrm>
+          <a:prstGeom prst="rightArrow">
+            <a:avLst/>
+          </a:prstGeom>
+          <a:ln>
+            <a:noFill/>
+          </a:ln>
+        </p:spPr>
+        <p:style>
+          <a:lnRef idx="2">
+            <a:schemeClr val="accent1">
+              <a:shade val="50000"/>
+            </a:schemeClr>
+          </a:lnRef>
+          <a:fillRef idx="1">
+            <a:schemeClr val="accent1"/>
+          </a:fillRef>
+          <a:effectRef idx="0">
+            <a:schemeClr val="accent1"/>
+          </a:effectRef>
+          <a:fontRef idx="minor">
+            <a:schemeClr val="lt1"/>
+          </a:fontRef>
+        </p:style>
+        <p:txBody>
+          <a:bodyPr rtlCol="0" anchor="ctr"/>
+          <a:lstStyle/>
+          <a:p>
+            <a:pPr algn="ctr"/>
+            <a:endParaRPr lang="en-US"/>
+          </a:p>
+        </p:txBody>
+      </p:sp>
+      <p:sp>
+        <p:nvSpPr>
+          <p:cNvPr id="9" name="Right Arrow 8">
+            <a:extLst>
+              <a:ext uri="{FF2B5EF4-FFF2-40B4-BE49-F238E27FC236}">
+                <a16:creationId xmlns:a16="http://schemas.microsoft.com/office/drawing/2014/main" id="{915FC20B-7BD4-3749-B5AA-0D59C51390D6}"/>
+              </a:ext>
+            </a:extLst>
+          </p:cNvPr>
+          <p:cNvSpPr/>
+          <p:nvPr/>
+        </p:nvSpPr>
+        <p:spPr>
+          <a:xfrm rot="10800000">
+            <a:off x="4015740" y="4704666"/>
+            <a:ext cx="4674870" cy="400367"/>
+          </a:xfrm>
+          <a:prstGeom prst="rightArrow">
+            <a:avLst/>
+          </a:prstGeom>
+          <a:ln>
+            <a:noFill/>
+          </a:ln>
+        </p:spPr>
+        <p:style>
+          <a:lnRef idx="2">
+            <a:schemeClr val="accent1">
+              <a:shade val="50000"/>
+            </a:schemeClr>
+          </a:lnRef>
+          <a:fillRef idx="1">
+            <a:schemeClr val="accent1"/>
+          </a:fillRef>
+          <a:effectRef idx="0">
+            <a:schemeClr val="accent1"/>
+          </a:effectRef>
+          <a:fontRef idx="minor">
+            <a:schemeClr val="lt1"/>
+          </a:fontRef>
+        </p:style>
+        <p:txBody>
+          <a:bodyPr rtlCol="0" anchor="ctr"/>
+          <a:lstStyle/>
+          <a:p>
+            <a:pPr algn="ctr"/>
+            <a:endParaRPr lang="en-US"/>
+          </a:p>
+        </p:txBody>
+      </p:sp>
+      <p:sp>
+        <p:nvSpPr>
+          <p:cNvPr id="10" name="TextBox 9">
+            <a:extLst>
+              <a:ext uri="{FF2B5EF4-FFF2-40B4-BE49-F238E27FC236}">
+                <a16:creationId xmlns:a16="http://schemas.microsoft.com/office/drawing/2014/main" id="{A19F33A0-14CC-1C45-9EE0-C1E225706E5D}"/>
+              </a:ext>
+            </a:extLst>
+          </p:cNvPr>
+          <p:cNvSpPr txBox="1"/>
+          <p:nvPr/>
+        </p:nvSpPr>
+        <p:spPr>
+          <a:xfrm>
+            <a:off x="634038" y="3060542"/>
+            <a:ext cx="8776890" cy="400110"/>
+          </a:xfrm>
+          <a:prstGeom prst="rect">
+            <a:avLst/>
+          </a:prstGeom>
+          <a:noFill/>
+        </p:spPr>
+        <p:txBody>
+          <a:bodyPr wrap="none" rtlCol="0">
+            <a:spAutoFit/>
+          </a:bodyPr>
+          <a:lstStyle/>
+          <a:p>
+            <a:r>
+              <a:rPr lang="en-US" sz="2000" dirty="0">
+                <a:solidFill>
+                  <a:srgbClr val="FF0000"/>
+                </a:solidFill>
+              </a:rPr>
+              <a:t>DELETE</a:t>
+            </a:r>
+            <a:r>
+              <a:rPr lang="en-US" sz="2000" dirty="0"/>
+              <a:t> https://10.149.27.41:9440/</a:t>
+            </a:r>
+            <a:r>
+              <a:rPr lang="en-US" sz="2000" dirty="0" err="1"/>
+              <a:t>api</a:t>
+            </a:r>
+            <a:r>
+              <a:rPr lang="en-US" sz="2000" dirty="0"/>
+              <a:t>/</a:t>
+            </a:r>
+            <a:r>
+              <a:rPr lang="en-US" sz="2000" dirty="0" err="1"/>
+              <a:t>nutanix</a:t>
+            </a:r>
+            <a:r>
+              <a:rPr lang="en-US" sz="2000" dirty="0"/>
+              <a:t>/v2.0/networks/&lt;NETWORK_UUID&gt;</a:t>
+            </a:r>
+          </a:p>
+        </p:txBody>
+      </p:sp>
+      <p:sp>
+        <p:nvSpPr>
+          <p:cNvPr id="11" name="TextBox 10">
+            <a:extLst>
+              <a:ext uri="{FF2B5EF4-FFF2-40B4-BE49-F238E27FC236}">
+                <a16:creationId xmlns:a16="http://schemas.microsoft.com/office/drawing/2014/main" id="{8E6FAC4E-B9F1-3941-9B6C-7845356847D4}"/>
+              </a:ext>
+            </a:extLst>
+          </p:cNvPr>
+          <p:cNvSpPr txBox="1"/>
+          <p:nvPr/>
+        </p:nvSpPr>
+        <p:spPr>
+          <a:xfrm>
+            <a:off x="7056705" y="3681259"/>
+            <a:ext cx="1030090" cy="400110"/>
+          </a:xfrm>
+          <a:prstGeom prst="rect">
+            <a:avLst/>
+          </a:prstGeom>
+          <a:solidFill>
+            <a:schemeClr val="accent2"/>
+          </a:solidFill>
+        </p:spPr>
+        <p:txBody>
+          <a:bodyPr wrap="none" rtlCol="0">
+            <a:spAutoFit/>
+          </a:bodyPr>
+          <a:lstStyle/>
+          <a:p>
+            <a:r>
+              <a:rPr lang="en-US" sz="2000" dirty="0">
+                <a:solidFill>
+                  <a:schemeClr val="bg1"/>
+                </a:solidFill>
+              </a:rPr>
+              <a:t>Request</a:t>
+            </a:r>
+          </a:p>
+        </p:txBody>
+      </p:sp>
+      <p:sp>
+        <p:nvSpPr>
+          <p:cNvPr id="12" name="TextBox 11">
+            <a:extLst>
+              <a:ext uri="{FF2B5EF4-FFF2-40B4-BE49-F238E27FC236}">
+                <a16:creationId xmlns:a16="http://schemas.microsoft.com/office/drawing/2014/main" id="{4DBC733F-BB89-9B4C-B890-BFFF44B463FE}"/>
+              </a:ext>
+            </a:extLst>
+          </p:cNvPr>
+          <p:cNvSpPr txBox="1"/>
+          <p:nvPr/>
+        </p:nvSpPr>
+        <p:spPr>
+          <a:xfrm>
+            <a:off x="4510226" y="4924173"/>
+            <a:ext cx="1182055" cy="400110"/>
+          </a:xfrm>
+          <a:prstGeom prst="rect">
+            <a:avLst/>
+          </a:prstGeom>
+          <a:solidFill>
+            <a:schemeClr val="accent2"/>
+          </a:solidFill>
+        </p:spPr>
+        <p:txBody>
+          <a:bodyPr wrap="none" rtlCol="0">
+            <a:spAutoFit/>
+          </a:bodyPr>
+          <a:lstStyle/>
+          <a:p>
+            <a:r>
+              <a:rPr lang="en-US" sz="2000" dirty="0">
+                <a:solidFill>
+                  <a:schemeClr val="bg1"/>
+                </a:solidFill>
+              </a:rPr>
+              <a:t>Response</a:t>
+            </a:r>
+          </a:p>
+        </p:txBody>
+      </p:sp>
+      <p:sp>
+        <p:nvSpPr>
+          <p:cNvPr id="13" name="TextBox 12">
+            <a:extLst>
+              <a:ext uri="{FF2B5EF4-FFF2-40B4-BE49-F238E27FC236}">
+                <a16:creationId xmlns:a16="http://schemas.microsoft.com/office/drawing/2014/main" id="{476BD60E-C410-2B42-9068-12C3724E0063}"/>
+              </a:ext>
+            </a:extLst>
+          </p:cNvPr>
+          <p:cNvSpPr txBox="1"/>
+          <p:nvPr/>
+        </p:nvSpPr>
+        <p:spPr>
+          <a:xfrm>
+            <a:off x="3651410" y="5610763"/>
+            <a:ext cx="5961220" cy="369332"/>
+          </a:xfrm>
+          <a:prstGeom prst="rect">
+            <a:avLst/>
+          </a:prstGeom>
+          <a:noFill/>
+          <a:ln>
+            <a:solidFill>
+              <a:schemeClr val="tx1"/>
+            </a:solidFill>
+          </a:ln>
+        </p:spPr>
+        <p:txBody>
+          <a:bodyPr wrap="square" rtlCol="0">
+            <a:spAutoFit/>
+          </a:bodyPr>
+          <a:lstStyle/>
+          <a:p>
+            <a:endParaRPr lang="en-US" dirty="0"/>
+          </a:p>
+        </p:txBody>
+      </p:sp>
+      <p:sp>
+        <p:nvSpPr>
+          <p:cNvPr id="14" name="TextBox 13">
+            <a:extLst>
+              <a:ext uri="{FF2B5EF4-FFF2-40B4-BE49-F238E27FC236}">
+                <a16:creationId xmlns:a16="http://schemas.microsoft.com/office/drawing/2014/main" id="{C0B7E45F-9001-D74F-82A9-A2BFEAE86285}"/>
+              </a:ext>
+            </a:extLst>
+          </p:cNvPr>
+          <p:cNvSpPr txBox="1"/>
+          <p:nvPr/>
+        </p:nvSpPr>
+        <p:spPr>
+          <a:xfrm>
+            <a:off x="1704290" y="5559813"/>
+            <a:ext cx="1750159" cy="369332"/>
+          </a:xfrm>
+          <a:prstGeom prst="rect">
+            <a:avLst/>
+          </a:prstGeom>
+          <a:noFill/>
+        </p:spPr>
+        <p:txBody>
+          <a:bodyPr wrap="none" rtlCol="0">
+            <a:spAutoFit/>
+          </a:bodyPr>
+          <a:lstStyle/>
+          <a:p>
+            <a:r>
+              <a:rPr lang="en-US" dirty="0">
+                <a:solidFill>
+                  <a:srgbClr val="FF0000"/>
+                </a:solidFill>
+              </a:rPr>
+              <a:t>204 (no content)</a:t>
+            </a:r>
+          </a:p>
+        </p:txBody>
+      </p:sp>
+      <p:sp>
+        <p:nvSpPr>
+          <p:cNvPr id="15" name="U-Turn Arrow 14">
+            <a:extLst>
+              <a:ext uri="{FF2B5EF4-FFF2-40B4-BE49-F238E27FC236}">
+                <a16:creationId xmlns:a16="http://schemas.microsoft.com/office/drawing/2014/main" id="{1E9C8685-652C-C640-BB4C-65FC112C9D48}"/>
+              </a:ext>
+            </a:extLst>
+          </p:cNvPr>
+          <p:cNvSpPr/>
+          <p:nvPr/>
+        </p:nvSpPr>
+        <p:spPr>
+          <a:xfrm>
+            <a:off x="9817129" y="2371431"/>
+            <a:ext cx="1188720" cy="1028700"/>
+          </a:xfrm>
+          <a:prstGeom prst="uturnArrow">
+            <a:avLst>
+              <a:gd name="adj1" fmla="val 18333"/>
+              <a:gd name="adj2" fmla="val 25000"/>
+              <a:gd name="adj3" fmla="val 25000"/>
+              <a:gd name="adj4" fmla="val 43750"/>
+              <a:gd name="adj5" fmla="val 75000"/>
+            </a:avLst>
+          </a:prstGeom>
+          <a:solidFill>
+            <a:schemeClr val="accent2"/>
+          </a:solidFill>
+          <a:ln>
+            <a:noFill/>
+          </a:ln>
+        </p:spPr>
+        <p:style>
+          <a:lnRef idx="2">
+            <a:schemeClr val="accent1">
+              <a:shade val="50000"/>
+            </a:schemeClr>
+          </a:lnRef>
+          <a:fillRef idx="1">
+            <a:schemeClr val="accent1"/>
+          </a:fillRef>
+          <a:effectRef idx="0">
+            <a:schemeClr val="accent1"/>
+          </a:effectRef>
+          <a:fontRef idx="minor">
+            <a:schemeClr val="lt1"/>
+          </a:fontRef>
+        </p:style>
+        <p:txBody>
+          <a:bodyPr rtlCol="0" anchor="ctr"/>
+          <a:lstStyle/>
+          <a:p>
+            <a:pPr algn="ctr"/>
+            <a:endParaRPr lang="en-US">
+              <a:solidFill>
+                <a:schemeClr val="tx1"/>
+              </a:solidFill>
+            </a:endParaRPr>
+          </a:p>
+        </p:txBody>
+      </p:sp>
+      <p:sp>
+        <p:nvSpPr>
+          <p:cNvPr id="16" name="TextBox 15">
+            <a:extLst>
+              <a:ext uri="{FF2B5EF4-FFF2-40B4-BE49-F238E27FC236}">
+                <a16:creationId xmlns:a16="http://schemas.microsoft.com/office/drawing/2014/main" id="{41855C6B-7C2E-D24E-AF32-8EA12B4062E2}"/>
+              </a:ext>
+            </a:extLst>
+          </p:cNvPr>
+          <p:cNvSpPr txBox="1"/>
+          <p:nvPr/>
+        </p:nvSpPr>
+        <p:spPr>
+          <a:xfrm>
+            <a:off x="9410928" y="1931083"/>
+            <a:ext cx="2262158" cy="369332"/>
+          </a:xfrm>
+          <a:prstGeom prst="rect">
+            <a:avLst/>
+          </a:prstGeom>
+          <a:noFill/>
+        </p:spPr>
+        <p:txBody>
+          <a:bodyPr wrap="none" rtlCol="0">
+            <a:spAutoFit/>
+          </a:bodyPr>
+          <a:lstStyle/>
+          <a:p>
+            <a:r>
+              <a:rPr lang="ja-JP" altLang="en-US"/>
+              <a:t>ネットワークを削除</a:t>
+            </a:r>
+            <a:endParaRPr lang="en-US" dirty="0"/>
+          </a:p>
+        </p:txBody>
+      </p:sp>
+      <p:sp>
+        <p:nvSpPr>
+          <p:cNvPr id="17" name="TextBox 16">
+            <a:extLst>
+              <a:ext uri="{FF2B5EF4-FFF2-40B4-BE49-F238E27FC236}">
+                <a16:creationId xmlns:a16="http://schemas.microsoft.com/office/drawing/2014/main" id="{F736807D-7042-F64C-9794-31D5F027F460}"/>
+              </a:ext>
+            </a:extLst>
+          </p:cNvPr>
+          <p:cNvSpPr txBox="1"/>
+          <p:nvPr/>
+        </p:nvSpPr>
+        <p:spPr>
+          <a:xfrm>
+            <a:off x="6819624" y="2451532"/>
+            <a:ext cx="1119217" cy="369332"/>
+          </a:xfrm>
+          <a:prstGeom prst="rect">
+            <a:avLst/>
+          </a:prstGeom>
+          <a:noFill/>
+        </p:spPr>
+        <p:txBody>
+          <a:bodyPr wrap="none" rtlCol="0">
+            <a:spAutoFit/>
+          </a:bodyPr>
+          <a:lstStyle/>
+          <a:p>
+            <a:r>
+              <a:rPr lang="en-US" dirty="0"/>
+              <a:t>Body</a:t>
+            </a:r>
+            <a:r>
+              <a:rPr lang="ja-JP" altLang="en-US"/>
+              <a:t>なし</a:t>
+            </a:r>
+            <a:endParaRPr lang="en-US" dirty="0"/>
+          </a:p>
+        </p:txBody>
+      </p:sp>
+      <p:sp>
+        <p:nvSpPr>
+          <p:cNvPr id="18" name="TextBox 17">
+            <a:extLst>
+              <a:ext uri="{FF2B5EF4-FFF2-40B4-BE49-F238E27FC236}">
+                <a16:creationId xmlns:a16="http://schemas.microsoft.com/office/drawing/2014/main" id="{BC9EF976-D354-3B4F-92AF-BF06A93950BE}"/>
+              </a:ext>
+            </a:extLst>
+          </p:cNvPr>
+          <p:cNvSpPr txBox="1"/>
+          <p:nvPr/>
+        </p:nvSpPr>
+        <p:spPr>
+          <a:xfrm>
+            <a:off x="2335232" y="6041554"/>
+            <a:ext cx="1119217" cy="369332"/>
+          </a:xfrm>
+          <a:prstGeom prst="rect">
+            <a:avLst/>
+          </a:prstGeom>
+          <a:noFill/>
+        </p:spPr>
+        <p:txBody>
+          <a:bodyPr wrap="none" rtlCol="0">
+            <a:spAutoFit/>
+          </a:bodyPr>
+          <a:lstStyle/>
+          <a:p>
+            <a:r>
+              <a:rPr lang="en-US" dirty="0"/>
+              <a:t>Body</a:t>
+            </a:r>
+            <a:r>
+              <a:rPr lang="ja-JP" altLang="en-US"/>
+              <a:t>なし</a:t>
+            </a:r>
+            <a:endParaRPr lang="en-US" dirty="0"/>
           </a:p>
         </p:txBody>
       </p:sp>
@@ -5499,6 +8649,89 @@
     <p:extLst>
       <p:ext uri="{BB962C8B-B14F-4D97-AF65-F5344CB8AC3E}">
         <p14:creationId xmlns:p14="http://schemas.microsoft.com/office/powerpoint/2010/main" val="1967585370"/>
+      </p:ext>
+    </p:extLst>
+  </p:cSld>
+  <p:clrMapOvr>
+    <a:masterClrMapping/>
+  </p:clrMapOvr>
+</p:sld>
+</file>
+
+<file path=ppt/slides/slide19.xml><?xml version="1.0" encoding="utf-8"?>
+<p:sld xmlns:a="http://schemas.openxmlformats.org/drawingml/2006/main" xmlns:r="http://schemas.openxmlformats.org/officeDocument/2006/relationships" xmlns:p="http://schemas.openxmlformats.org/presentationml/2006/main">
+  <p:cSld>
+    <p:spTree>
+      <p:nvGrpSpPr>
+        <p:cNvPr id="1" name=""/>
+        <p:cNvGrpSpPr/>
+        <p:nvPr/>
+      </p:nvGrpSpPr>
+      <p:grpSpPr>
+        <a:xfrm>
+          <a:off x="0" y="0"/>
+          <a:ext cx="0" cy="0"/>
+          <a:chOff x="0" y="0"/>
+          <a:chExt cx="0" cy="0"/>
+        </a:xfrm>
+      </p:grpSpPr>
+      <p:sp>
+        <p:nvSpPr>
+          <p:cNvPr id="2" name="Title 1">
+            <a:extLst>
+              <a:ext uri="{FF2B5EF4-FFF2-40B4-BE49-F238E27FC236}">
+                <a16:creationId xmlns:a16="http://schemas.microsoft.com/office/drawing/2014/main" id="{F85579D8-AFDC-4F49-8C17-81DE58A1636F}"/>
+              </a:ext>
+            </a:extLst>
+          </p:cNvPr>
+          <p:cNvSpPr>
+            <a:spLocks noGrp="1"/>
+          </p:cNvSpPr>
+          <p:nvPr>
+            <p:ph type="title"/>
+          </p:nvPr>
+        </p:nvSpPr>
+        <p:spPr/>
+        <p:txBody>
+          <a:bodyPr/>
+          <a:lstStyle/>
+          <a:p>
+            <a:r>
+              <a:rPr lang="en-US" dirty="0"/>
+              <a:t>REST API with Python</a:t>
+            </a:r>
+          </a:p>
+        </p:txBody>
+      </p:sp>
+      <p:sp>
+        <p:nvSpPr>
+          <p:cNvPr id="3" name="Text Placeholder 2">
+            <a:extLst>
+              <a:ext uri="{FF2B5EF4-FFF2-40B4-BE49-F238E27FC236}">
+                <a16:creationId xmlns:a16="http://schemas.microsoft.com/office/drawing/2014/main" id="{C4DCF50E-02F7-1444-827B-AD67C38C0B85}"/>
+              </a:ext>
+            </a:extLst>
+          </p:cNvPr>
+          <p:cNvSpPr>
+            <a:spLocks noGrp="1"/>
+          </p:cNvSpPr>
+          <p:nvPr>
+            <p:ph type="body" idx="1"/>
+          </p:nvPr>
+        </p:nvSpPr>
+        <p:spPr/>
+        <p:txBody>
+          <a:bodyPr/>
+          <a:lstStyle/>
+          <a:p>
+            <a:endParaRPr lang="en-US"/>
+          </a:p>
+        </p:txBody>
+      </p:sp>
+    </p:spTree>
+    <p:extLst>
+      <p:ext uri="{BB962C8B-B14F-4D97-AF65-F5344CB8AC3E}">
+        <p14:creationId xmlns:p14="http://schemas.microsoft.com/office/powerpoint/2010/main" val="3671334718"/>
       </p:ext>
     </p:extLst>
   </p:cSld>
@@ -5686,6 +8919,528 @@
 </p:sld>
 </file>
 
+<file path=ppt/slides/slide20.xml><?xml version="1.0" encoding="utf-8"?>
+<p:sld xmlns:a="http://schemas.openxmlformats.org/drawingml/2006/main" xmlns:r="http://schemas.openxmlformats.org/officeDocument/2006/relationships" xmlns:p="http://schemas.openxmlformats.org/presentationml/2006/main">
+  <p:cSld>
+    <p:spTree>
+      <p:nvGrpSpPr>
+        <p:cNvPr id="1" name=""/>
+        <p:cNvGrpSpPr/>
+        <p:nvPr/>
+      </p:nvGrpSpPr>
+      <p:grpSpPr>
+        <a:xfrm>
+          <a:off x="0" y="0"/>
+          <a:ext cx="0" cy="0"/>
+          <a:chOff x="0" y="0"/>
+          <a:chExt cx="0" cy="0"/>
+        </a:xfrm>
+      </p:grpSpPr>
+      <p:sp>
+        <p:nvSpPr>
+          <p:cNvPr id="2" name="Title 1">
+            <a:extLst>
+              <a:ext uri="{FF2B5EF4-FFF2-40B4-BE49-F238E27FC236}">
+                <a16:creationId xmlns:a16="http://schemas.microsoft.com/office/drawing/2014/main" id="{E823D686-A954-1845-B58A-5E2BF75AA5FB}"/>
+              </a:ext>
+            </a:extLst>
+          </p:cNvPr>
+          <p:cNvSpPr>
+            <a:spLocks noGrp="1"/>
+          </p:cNvSpPr>
+          <p:nvPr>
+            <p:ph type="title"/>
+          </p:nvPr>
+        </p:nvSpPr>
+        <p:spPr>
+          <a:xfrm>
+            <a:off x="838200" y="365125"/>
+            <a:ext cx="10515600" cy="640715"/>
+          </a:xfrm>
+        </p:spPr>
+        <p:txBody>
+          <a:bodyPr>
+            <a:normAutofit/>
+          </a:bodyPr>
+          <a:lstStyle/>
+          <a:p>
+            <a:r>
+              <a:rPr lang="ja-JP" altLang="en-US" sz="3200"/>
+              <a:t>実行環境構築</a:t>
+            </a:r>
+            <a:endParaRPr lang="en-US" sz="3200" dirty="0"/>
+          </a:p>
+        </p:txBody>
+      </p:sp>
+      <p:sp>
+        <p:nvSpPr>
+          <p:cNvPr id="3" name="Content Placeholder 2">
+            <a:extLst>
+              <a:ext uri="{FF2B5EF4-FFF2-40B4-BE49-F238E27FC236}">
+                <a16:creationId xmlns:a16="http://schemas.microsoft.com/office/drawing/2014/main" id="{DB3547E5-2ACF-7547-A960-F506B665AB0A}"/>
+              </a:ext>
+            </a:extLst>
+          </p:cNvPr>
+          <p:cNvSpPr>
+            <a:spLocks noGrp="1"/>
+          </p:cNvSpPr>
+          <p:nvPr>
+            <p:ph idx="1"/>
+          </p:nvPr>
+        </p:nvSpPr>
+        <p:spPr>
+          <a:xfrm>
+            <a:off x="838200" y="1280160"/>
+            <a:ext cx="10515600" cy="5212715"/>
+          </a:xfrm>
+        </p:spPr>
+        <p:txBody>
+          <a:bodyPr>
+            <a:normAutofit/>
+          </a:bodyPr>
+          <a:lstStyle/>
+          <a:p>
+            <a:r>
+              <a:rPr lang="en-US" altLang="ja-JP" sz="2400" dirty="0"/>
+              <a:t>Python3</a:t>
+            </a:r>
+            <a:r>
+              <a:rPr lang="ja-JP" altLang="en-US" sz="2400"/>
+              <a:t>をインストール</a:t>
+            </a:r>
+            <a:endParaRPr lang="en-US" altLang="ja-JP" sz="2400" dirty="0"/>
+          </a:p>
+          <a:p>
+            <a:r>
+              <a:rPr lang="en-US" altLang="ja-JP" sz="2400" dirty="0"/>
+              <a:t>pip</a:t>
+            </a:r>
+            <a:r>
+              <a:rPr lang="ja-JP" altLang="en-US" sz="2400"/>
+              <a:t>コマンドで「</a:t>
+            </a:r>
+            <a:r>
+              <a:rPr lang="en-US" altLang="ja-JP" sz="2400" dirty="0"/>
+              <a:t>requests</a:t>
+            </a:r>
+            <a:r>
+              <a:rPr lang="ja-JP" altLang="en-US" sz="2400"/>
+              <a:t>」モジュールをインストール</a:t>
+            </a:r>
+            <a:endParaRPr lang="en-US" altLang="ja-JP" sz="2400" dirty="0"/>
+          </a:p>
+          <a:p>
+            <a:r>
+              <a:rPr lang="en-US" altLang="ja-JP" sz="2400" dirty="0"/>
+              <a:t>requests</a:t>
+            </a:r>
+            <a:r>
+              <a:rPr lang="ja-JP" altLang="en-US" sz="2400"/>
+              <a:t>の関数で</a:t>
+            </a:r>
+            <a:r>
+              <a:rPr lang="en-US" altLang="ja-JP" sz="2400" dirty="0"/>
+              <a:t>HTTP GET, POST, PUT, DELETE</a:t>
+            </a:r>
+            <a:r>
+              <a:rPr lang="ja-JP" altLang="en-US" sz="2400"/>
+              <a:t>を実施</a:t>
+            </a:r>
+            <a:endParaRPr lang="en-US" altLang="ja-JP" sz="2400" dirty="0"/>
+          </a:p>
+          <a:p>
+            <a:endParaRPr lang="en-US" sz="2400" dirty="0"/>
+          </a:p>
+        </p:txBody>
+      </p:sp>
+    </p:spTree>
+    <p:extLst>
+      <p:ext uri="{BB962C8B-B14F-4D97-AF65-F5344CB8AC3E}">
+        <p14:creationId xmlns:p14="http://schemas.microsoft.com/office/powerpoint/2010/main" val="1783246200"/>
+      </p:ext>
+    </p:extLst>
+  </p:cSld>
+  <p:clrMapOvr>
+    <a:masterClrMapping/>
+  </p:clrMapOvr>
+</p:sld>
+</file>
+
+<file path=ppt/slides/slide21.xml><?xml version="1.0" encoding="utf-8"?>
+<p:sld xmlns:a="http://schemas.openxmlformats.org/drawingml/2006/main" xmlns:r="http://schemas.openxmlformats.org/officeDocument/2006/relationships" xmlns:p="http://schemas.openxmlformats.org/presentationml/2006/main">
+  <p:cSld>
+    <p:spTree>
+      <p:nvGrpSpPr>
+        <p:cNvPr id="1" name=""/>
+        <p:cNvGrpSpPr/>
+        <p:nvPr/>
+      </p:nvGrpSpPr>
+      <p:grpSpPr>
+        <a:xfrm>
+          <a:off x="0" y="0"/>
+          <a:ext cx="0" cy="0"/>
+          <a:chOff x="0" y="0"/>
+          <a:chExt cx="0" cy="0"/>
+        </a:xfrm>
+      </p:grpSpPr>
+      <p:sp>
+        <p:nvSpPr>
+          <p:cNvPr id="2" name="Title 1">
+            <a:extLst>
+              <a:ext uri="{FF2B5EF4-FFF2-40B4-BE49-F238E27FC236}">
+                <a16:creationId xmlns:a16="http://schemas.microsoft.com/office/drawing/2014/main" id="{E823D686-A954-1845-B58A-5E2BF75AA5FB}"/>
+              </a:ext>
+            </a:extLst>
+          </p:cNvPr>
+          <p:cNvSpPr>
+            <a:spLocks noGrp="1"/>
+          </p:cNvSpPr>
+          <p:nvPr>
+            <p:ph type="title"/>
+          </p:nvPr>
+        </p:nvSpPr>
+        <p:spPr>
+          <a:xfrm>
+            <a:off x="838200" y="365125"/>
+            <a:ext cx="10515600" cy="640715"/>
+          </a:xfrm>
+        </p:spPr>
+        <p:txBody>
+          <a:bodyPr>
+            <a:normAutofit/>
+          </a:bodyPr>
+          <a:lstStyle/>
+          <a:p>
+            <a:r>
+              <a:rPr lang="en-US" sz="3200" dirty="0"/>
+              <a:t>requests</a:t>
+            </a:r>
+            <a:r>
+              <a:rPr lang="ja-JP" altLang="en-US" sz="3200"/>
+              <a:t>モジュール利用のコツ</a:t>
+            </a:r>
+            <a:endParaRPr lang="en-US" sz="3200" dirty="0"/>
+          </a:p>
+        </p:txBody>
+      </p:sp>
+      <p:sp>
+        <p:nvSpPr>
+          <p:cNvPr id="3" name="Content Placeholder 2">
+            <a:extLst>
+              <a:ext uri="{FF2B5EF4-FFF2-40B4-BE49-F238E27FC236}">
+                <a16:creationId xmlns:a16="http://schemas.microsoft.com/office/drawing/2014/main" id="{DB3547E5-2ACF-7547-A960-F506B665AB0A}"/>
+              </a:ext>
+            </a:extLst>
+          </p:cNvPr>
+          <p:cNvSpPr>
+            <a:spLocks noGrp="1"/>
+          </p:cNvSpPr>
+          <p:nvPr>
+            <p:ph idx="1"/>
+          </p:nvPr>
+        </p:nvSpPr>
+        <p:spPr>
+          <a:xfrm>
+            <a:off x="838200" y="1280160"/>
+            <a:ext cx="10515600" cy="5212715"/>
+          </a:xfrm>
+        </p:spPr>
+        <p:txBody>
+          <a:bodyPr>
+            <a:normAutofit/>
+          </a:bodyPr>
+          <a:lstStyle/>
+          <a:p>
+            <a:r>
+              <a:rPr lang="ja-JP" altLang="en-US" sz="2400"/>
+              <a:t>認証のアラートを抑える</a:t>
+            </a:r>
+            <a:endParaRPr lang="en-US" altLang="ja-JP" sz="2400" dirty="0"/>
+          </a:p>
+          <a:p>
+            <a:r>
+              <a:rPr lang="en-US" sz="2400" dirty="0"/>
+              <a:t>requests</a:t>
+            </a:r>
+            <a:r>
+              <a:rPr lang="ja-JP" altLang="en-US" sz="2400"/>
+              <a:t>モジュールから直接</a:t>
+            </a:r>
+            <a:r>
+              <a:rPr lang="en-US" altLang="ja-JP" sz="2400" dirty="0"/>
+              <a:t>get</a:t>
+            </a:r>
+            <a:r>
+              <a:rPr lang="ja-JP" altLang="en-US" sz="2400"/>
+              <a:t>関数などを呼ぶのではなく、セッションを作成して、それから</a:t>
+            </a:r>
+            <a:r>
+              <a:rPr lang="en-US" altLang="ja-JP" sz="2400" dirty="0"/>
+              <a:t>get</a:t>
+            </a:r>
+            <a:r>
+              <a:rPr lang="ja-JP" altLang="en-US" sz="2400"/>
+              <a:t>関数などを呼ぶ</a:t>
+            </a:r>
+            <a:endParaRPr lang="en-US" altLang="ja-JP" sz="2400" dirty="0"/>
+          </a:p>
+          <a:p>
+            <a:r>
+              <a:rPr lang="ja-JP" altLang="en-US" sz="2400"/>
+              <a:t>リクエストは</a:t>
+            </a:r>
+            <a:r>
+              <a:rPr lang="en-US" sz="2400" dirty="0"/>
+              <a:t>Python</a:t>
+            </a:r>
+            <a:r>
+              <a:rPr lang="ja-JP" altLang="en-US" sz="2400"/>
+              <a:t>の辞書データをテキストの</a:t>
+            </a:r>
+            <a:r>
+              <a:rPr lang="en-US" altLang="ja-JP" sz="2400" dirty="0"/>
+              <a:t>JSON</a:t>
+            </a:r>
+            <a:r>
+              <a:rPr lang="ja-JP" altLang="en-US" sz="2400"/>
+              <a:t>に変換する</a:t>
+            </a:r>
+            <a:endParaRPr lang="en-US" altLang="ja-JP" sz="2400" dirty="0"/>
+          </a:p>
+          <a:p>
+            <a:r>
+              <a:rPr lang="ja-JP" altLang="en-US" sz="2400"/>
+              <a:t>レスポンスはテキストの</a:t>
+            </a:r>
+            <a:r>
+              <a:rPr lang="en-US" altLang="ja-JP" sz="2400" dirty="0"/>
+              <a:t>JSON</a:t>
+            </a:r>
+            <a:r>
+              <a:rPr lang="ja-JP" altLang="en-US" sz="2400"/>
+              <a:t>を</a:t>
+            </a:r>
+            <a:r>
+              <a:rPr lang="en-US" altLang="ja-JP" sz="2400" dirty="0"/>
+              <a:t>Python</a:t>
+            </a:r>
+            <a:r>
+              <a:rPr lang="ja-JP" altLang="en-US" sz="2400"/>
+              <a:t>の辞書データに変換する</a:t>
+            </a:r>
+            <a:endParaRPr lang="en-US" sz="2400" dirty="0"/>
+          </a:p>
+        </p:txBody>
+      </p:sp>
+    </p:spTree>
+    <p:extLst>
+      <p:ext uri="{BB962C8B-B14F-4D97-AF65-F5344CB8AC3E}">
+        <p14:creationId xmlns:p14="http://schemas.microsoft.com/office/powerpoint/2010/main" val="3872197087"/>
+      </p:ext>
+    </p:extLst>
+  </p:cSld>
+  <p:clrMapOvr>
+    <a:masterClrMapping/>
+  </p:clrMapOvr>
+</p:sld>
+</file>
+
+<file path=ppt/slides/slide22.xml><?xml version="1.0" encoding="utf-8"?>
+<p:sld xmlns:a="http://schemas.openxmlformats.org/drawingml/2006/main" xmlns:r="http://schemas.openxmlformats.org/officeDocument/2006/relationships" xmlns:p="http://schemas.openxmlformats.org/presentationml/2006/main">
+  <p:cSld>
+    <p:spTree>
+      <p:nvGrpSpPr>
+        <p:cNvPr id="1" name=""/>
+        <p:cNvGrpSpPr/>
+        <p:nvPr/>
+      </p:nvGrpSpPr>
+      <p:grpSpPr>
+        <a:xfrm>
+          <a:off x="0" y="0"/>
+          <a:ext cx="0" cy="0"/>
+          <a:chOff x="0" y="0"/>
+          <a:chExt cx="0" cy="0"/>
+        </a:xfrm>
+      </p:grpSpPr>
+      <p:sp>
+        <p:nvSpPr>
+          <p:cNvPr id="2" name="Title 1">
+            <a:extLst>
+              <a:ext uri="{FF2B5EF4-FFF2-40B4-BE49-F238E27FC236}">
+                <a16:creationId xmlns:a16="http://schemas.microsoft.com/office/drawing/2014/main" id="{E823D686-A954-1845-B58A-5E2BF75AA5FB}"/>
+              </a:ext>
+            </a:extLst>
+          </p:cNvPr>
+          <p:cNvSpPr>
+            <a:spLocks noGrp="1"/>
+          </p:cNvSpPr>
+          <p:nvPr>
+            <p:ph type="title"/>
+          </p:nvPr>
+        </p:nvSpPr>
+        <p:spPr>
+          <a:xfrm>
+            <a:off x="838200" y="365125"/>
+            <a:ext cx="10515600" cy="640715"/>
+          </a:xfrm>
+        </p:spPr>
+        <p:txBody>
+          <a:bodyPr>
+            <a:normAutofit/>
+          </a:bodyPr>
+          <a:lstStyle/>
+          <a:p>
+            <a:r>
+              <a:rPr lang="en-US" sz="3200" dirty="0"/>
+              <a:t>JSON</a:t>
+            </a:r>
+            <a:r>
+              <a:rPr lang="ja-JP" altLang="en-US" sz="3200"/>
+              <a:t>の扱い</a:t>
+            </a:r>
+            <a:endParaRPr lang="en-US" sz="3200" dirty="0"/>
+          </a:p>
+        </p:txBody>
+      </p:sp>
+      <p:sp>
+        <p:nvSpPr>
+          <p:cNvPr id="3" name="Content Placeholder 2">
+            <a:extLst>
+              <a:ext uri="{FF2B5EF4-FFF2-40B4-BE49-F238E27FC236}">
+                <a16:creationId xmlns:a16="http://schemas.microsoft.com/office/drawing/2014/main" id="{DB3547E5-2ACF-7547-A960-F506B665AB0A}"/>
+              </a:ext>
+            </a:extLst>
+          </p:cNvPr>
+          <p:cNvSpPr>
+            <a:spLocks noGrp="1"/>
+          </p:cNvSpPr>
+          <p:nvPr>
+            <p:ph idx="1"/>
+          </p:nvPr>
+        </p:nvSpPr>
+        <p:spPr>
+          <a:xfrm>
+            <a:off x="838200" y="1280160"/>
+            <a:ext cx="10515600" cy="5212715"/>
+          </a:xfrm>
+        </p:spPr>
+        <p:txBody>
+          <a:bodyPr>
+            <a:normAutofit/>
+          </a:bodyPr>
+          <a:lstStyle/>
+          <a:p>
+            <a:r>
+              <a:rPr lang="en-US" sz="2400" dirty="0"/>
+              <a:t>Python</a:t>
+            </a:r>
+            <a:r>
+              <a:rPr lang="ja-JP" altLang="en-US" sz="2400"/>
+              <a:t>の</a:t>
+            </a:r>
+            <a:r>
+              <a:rPr lang="en-US" altLang="ja-JP" sz="2400" dirty="0"/>
+              <a:t>JSON</a:t>
+            </a:r>
+            <a:r>
+              <a:rPr lang="ja-JP" altLang="en-US" sz="2400"/>
+              <a:t>モジュール</a:t>
+            </a:r>
+            <a:r>
+              <a:rPr lang="en-US" altLang="ja-JP" sz="2400" dirty="0"/>
+              <a:t>(</a:t>
+            </a:r>
+            <a:r>
+              <a:rPr lang="ja-JP" altLang="en-US" sz="2400"/>
+              <a:t>標準ライブラリ</a:t>
+            </a:r>
+            <a:r>
+              <a:rPr lang="en-US" altLang="ja-JP" sz="2400" dirty="0"/>
+              <a:t>)</a:t>
+            </a:r>
+            <a:r>
+              <a:rPr lang="ja-JP" altLang="en-US" sz="2400"/>
+              <a:t>を使う</a:t>
+            </a:r>
+            <a:endParaRPr lang="en-US" altLang="ja-JP" sz="2400" dirty="0"/>
+          </a:p>
+          <a:p>
+            <a:r>
+              <a:rPr lang="en-US" sz="2400" dirty="0" err="1"/>
+              <a:t>json.loads</a:t>
+            </a:r>
+            <a:r>
+              <a:rPr lang="en-US" sz="2400" dirty="0"/>
+              <a:t> : </a:t>
+            </a:r>
+            <a:r>
+              <a:rPr lang="ja-JP" altLang="en-US" sz="2400"/>
+              <a:t>テキスト形式の</a:t>
+            </a:r>
+            <a:r>
+              <a:rPr lang="en-US" altLang="ja-JP" sz="2400" dirty="0"/>
+              <a:t>JSON</a:t>
+            </a:r>
+            <a:r>
+              <a:rPr lang="ja-JP" altLang="en-US" sz="2400"/>
+              <a:t>を</a:t>
+            </a:r>
+            <a:r>
+              <a:rPr lang="en-US" altLang="ja-JP" sz="2400" dirty="0"/>
+              <a:t>Python</a:t>
+            </a:r>
+            <a:r>
+              <a:rPr lang="ja-JP" altLang="en-US" sz="2400"/>
+              <a:t>の辞書データに変換</a:t>
+            </a:r>
+            <a:endParaRPr lang="en-US" altLang="ja-JP" sz="2400" dirty="0"/>
+          </a:p>
+          <a:p>
+            <a:r>
+              <a:rPr lang="en-US" sz="2400" dirty="0" err="1"/>
+              <a:t>json.dumps</a:t>
+            </a:r>
+            <a:r>
+              <a:rPr lang="en-US" sz="2400" dirty="0"/>
+              <a:t> : </a:t>
+            </a:r>
+            <a:r>
+              <a:rPr lang="ja-JP" altLang="en-US" sz="2400"/>
+              <a:t>辞書データをテキスト形式の</a:t>
+            </a:r>
+            <a:r>
+              <a:rPr lang="en-US" altLang="ja-JP" sz="2400" dirty="0"/>
+              <a:t>JSON</a:t>
+            </a:r>
+            <a:r>
+              <a:rPr lang="ja-JP" altLang="en-US" sz="2400"/>
+              <a:t>に変換。</a:t>
+            </a:r>
+            <a:r>
+              <a:rPr lang="en-US" altLang="ja-JP" sz="2400" dirty="0"/>
+              <a:t>indent</a:t>
+            </a:r>
+            <a:r>
+              <a:rPr lang="ja-JP" altLang="en-US" sz="2400"/>
+              <a:t>を引数に指定すると、階層構造をインデントできれいに出力可能</a:t>
+            </a:r>
+            <a:endParaRPr lang="en-US" sz="2400" dirty="0"/>
+          </a:p>
+        </p:txBody>
+      </p:sp>
+    </p:spTree>
+    <p:extLst>
+      <p:ext uri="{BB962C8B-B14F-4D97-AF65-F5344CB8AC3E}">
+        <p14:creationId xmlns:p14="http://schemas.microsoft.com/office/powerpoint/2010/main" val="3882344452"/>
+      </p:ext>
+    </p:extLst>
+  </p:cSld>
+  <p:clrMapOvr>
+    <a:masterClrMapping/>
+  </p:clrMapOvr>
+</p:sld>
+</file>
+
 <file path=ppt/slides/slide3.xml><?xml version="1.0" encoding="utf-8"?>
 <p:sld xmlns:a="http://schemas.openxmlformats.org/drawingml/2006/main" xmlns:r="http://schemas.openxmlformats.org/officeDocument/2006/relationships" xmlns:p="http://schemas.openxmlformats.org/presentationml/2006/main">
   <p:cSld>
@@ -5852,7 +9607,7 @@
         </p:nvSpPr>
         <p:spPr>
           <a:xfrm>
-            <a:off x="1004886" y="3954780"/>
+            <a:off x="1004886" y="4091940"/>
             <a:ext cx="2213610" cy="1668780"/>
           </a:xfrm>
           <a:prstGeom prst="rect">
@@ -5911,7 +9666,7 @@
         </p:nvSpPr>
         <p:spPr>
           <a:xfrm>
-            <a:off x="9067800" y="3932237"/>
+            <a:off x="9067800" y="4069397"/>
             <a:ext cx="2213610" cy="1668780"/>
           </a:xfrm>
           <a:prstGeom prst="rect">
@@ -5970,7 +9725,7 @@
         </p:nvSpPr>
         <p:spPr>
           <a:xfrm>
-            <a:off x="5388292" y="4206240"/>
+            <a:off x="5388292" y="4343400"/>
             <a:ext cx="1964055" cy="1255509"/>
           </a:xfrm>
           <a:prstGeom prst="cloud">
@@ -6024,7 +9779,7 @@
         </p:nvSpPr>
         <p:spPr>
           <a:xfrm>
-            <a:off x="5886982" y="4593391"/>
+            <a:off x="5886982" y="4730551"/>
             <a:ext cx="994055" cy="369332"/>
           </a:xfrm>
           <a:prstGeom prst="rect">
@@ -6059,7 +9814,7 @@
         </p:nvSpPr>
         <p:spPr>
           <a:xfrm>
-            <a:off x="3851910" y="4206240"/>
+            <a:off x="3851910" y="4343400"/>
             <a:ext cx="4674870" cy="400367"/>
           </a:xfrm>
           <a:prstGeom prst="rightArrow">
@@ -6108,7 +9863,7 @@
         </p:nvSpPr>
         <p:spPr>
           <a:xfrm>
-            <a:off x="3982939" y="3776988"/>
+            <a:off x="3982939" y="3914148"/>
             <a:ext cx="4674485" cy="369332"/>
           </a:xfrm>
           <a:prstGeom prst="rect">
@@ -6151,7 +9906,7 @@
         </p:nvSpPr>
         <p:spPr>
           <a:xfrm rot="10800000">
-            <a:off x="3851910" y="5020190"/>
+            <a:off x="3851910" y="5157350"/>
             <a:ext cx="4674870" cy="400367"/>
           </a:xfrm>
           <a:prstGeom prst="rightArrow">
@@ -6200,7 +9955,7 @@
         </p:nvSpPr>
         <p:spPr>
           <a:xfrm>
-            <a:off x="3982939" y="5633204"/>
+            <a:off x="3982939" y="5770364"/>
             <a:ext cx="2046458" cy="369332"/>
           </a:xfrm>
           <a:prstGeom prst="rect">
@@ -6243,7 +9998,7 @@
         </p:blipFill>
         <p:spPr>
           <a:xfrm>
-            <a:off x="6348244" y="5336950"/>
+            <a:off x="6348244" y="5474110"/>
             <a:ext cx="937903" cy="937903"/>
           </a:xfrm>
           <a:prstGeom prst="rect">
@@ -6265,7 +10020,7 @@
         </p:nvSpPr>
         <p:spPr>
           <a:xfrm>
-            <a:off x="1717062" y="3219731"/>
+            <a:off x="1717062" y="3356891"/>
             <a:ext cx="2337045" cy="642356"/>
           </a:xfrm>
           <a:prstGeom prst="wedgeRoundRectCallout">
@@ -6321,7 +10076,7 @@
         </p:nvSpPr>
         <p:spPr>
           <a:xfrm>
-            <a:off x="7798770" y="5673359"/>
+            <a:off x="7798770" y="5810519"/>
             <a:ext cx="2337045" cy="732092"/>
           </a:xfrm>
           <a:prstGeom prst="wedgeRoundRectCallout">
@@ -6377,7 +10132,7 @@
         </p:nvSpPr>
         <p:spPr>
           <a:xfrm>
-            <a:off x="6286601" y="6252726"/>
+            <a:off x="6286601" y="6265198"/>
             <a:ext cx="1061188" cy="369332"/>
           </a:xfrm>
           <a:prstGeom prst="rect">
@@ -6413,7 +10168,7 @@
         </p:nvSpPr>
         <p:spPr>
           <a:xfrm>
-            <a:off x="2111691" y="3354436"/>
+            <a:off x="2111691" y="3491596"/>
             <a:ext cx="1568058" cy="369332"/>
           </a:xfrm>
           <a:prstGeom prst="rect">
@@ -6452,7 +10207,7 @@
         </p:nvSpPr>
         <p:spPr>
           <a:xfrm>
-            <a:off x="8313984" y="5853818"/>
+            <a:off x="8313984" y="5990978"/>
             <a:ext cx="1448730" cy="369332"/>
           </a:xfrm>
           <a:prstGeom prst="rect">
@@ -6579,60 +10334,60 @@
           <a:lstStyle/>
           <a:p>
             <a:r>
-              <a:rPr lang="en-US" sz="2000" dirty="0">
+              <a:rPr lang="en-US" sz="2400" dirty="0">
                 <a:hlinkClick r:id="rId2"/>
               </a:rPr>
               <a:t>https://www.yahoo.co.jp/auction/</a:t>
             </a:r>
-            <a:endParaRPr lang="en-US" sz="2000" dirty="0"/>
-          </a:p>
-          <a:p>
-            <a:r>
-              <a:rPr lang="ja-JP" altLang="en-US" sz="2000"/>
+            <a:endParaRPr lang="en-US" sz="2400" dirty="0"/>
+          </a:p>
+          <a:p>
+            <a:r>
+              <a:rPr lang="ja-JP" altLang="en-US" sz="2400"/>
               <a:t>プロトコル</a:t>
             </a:r>
             <a:r>
-              <a:rPr lang="en-US" altLang="ja-JP" sz="2000" dirty="0"/>
+              <a:rPr lang="en-US" altLang="ja-JP" sz="2400" dirty="0"/>
               <a:t>: https (</a:t>
             </a:r>
             <a:r>
-              <a:rPr lang="ja-JP" altLang="en-US" sz="2000"/>
+              <a:rPr lang="ja-JP" altLang="en-US" sz="2400"/>
               <a:t>セキュアな</a:t>
             </a:r>
             <a:r>
-              <a:rPr lang="en-US" altLang="ja-JP" sz="2000" dirty="0"/>
+              <a:rPr lang="en-US" altLang="ja-JP" sz="2400" dirty="0"/>
               <a:t>HTTP)</a:t>
             </a:r>
           </a:p>
           <a:p>
             <a:r>
-              <a:rPr lang="ja-JP" altLang="en-US" sz="2000"/>
+              <a:rPr lang="ja-JP" altLang="en-US" sz="2400"/>
               <a:t>サーバー名</a:t>
             </a:r>
             <a:r>
-              <a:rPr lang="en-US" altLang="ja-JP" sz="2000" dirty="0"/>
+              <a:rPr lang="en-US" altLang="ja-JP" sz="2400" dirty="0"/>
               <a:t>: </a:t>
             </a:r>
             <a:r>
-              <a:rPr lang="en-US" altLang="ja-JP" sz="2000" dirty="0">
+              <a:rPr lang="en-US" altLang="ja-JP" sz="2400" dirty="0">
                 <a:hlinkClick r:id="rId3"/>
               </a:rPr>
               <a:t>www.yahoo.co.jp</a:t>
             </a:r>
-            <a:endParaRPr lang="en-US" altLang="ja-JP" sz="2000" dirty="0"/>
-          </a:p>
-          <a:p>
-            <a:r>
-              <a:rPr lang="ja-JP" altLang="en-US" sz="2000"/>
+            <a:endParaRPr lang="en-US" altLang="ja-JP" sz="2400" dirty="0"/>
+          </a:p>
+          <a:p>
+            <a:r>
+              <a:rPr lang="ja-JP" altLang="en-US" sz="2400"/>
               <a:t>サーバー内のパス</a:t>
             </a:r>
             <a:r>
-              <a:rPr lang="en-US" altLang="ja-JP" sz="2000" dirty="0"/>
+              <a:rPr lang="en-US" altLang="ja-JP" sz="2400" dirty="0"/>
               <a:t> : /auction/</a:t>
             </a:r>
           </a:p>
           <a:p>
-            <a:endParaRPr lang="en-US" sz="2000" dirty="0"/>
+            <a:endParaRPr lang="en-US" sz="2400" dirty="0"/>
           </a:p>
         </p:txBody>
       </p:sp>
@@ -6758,86 +10513,86 @@
           <a:p>
             <a:pPr lvl="1"/>
             <a:r>
-              <a:rPr lang="en-US" sz="2000" dirty="0"/>
+              <a:rPr lang="en-US" dirty="0"/>
               <a:t>GET : </a:t>
             </a:r>
             <a:r>
-              <a:rPr lang="ja-JP" altLang="en-US" sz="2000"/>
+              <a:rPr lang="ja-JP" altLang="en-US"/>
               <a:t>サーバーから情報を取得</a:t>
             </a:r>
-            <a:endParaRPr lang="en-US" sz="2000" dirty="0"/>
+            <a:endParaRPr lang="en-US" dirty="0"/>
           </a:p>
           <a:p>
             <a:pPr lvl="1"/>
             <a:r>
-              <a:rPr lang="en-US" sz="2000" dirty="0"/>
+              <a:rPr lang="en-US" dirty="0"/>
               <a:t>POST : </a:t>
             </a:r>
             <a:r>
-              <a:rPr lang="ja-JP" altLang="en-US" sz="2000"/>
+              <a:rPr lang="ja-JP" altLang="en-US"/>
               <a:t>サーバーにデータを送信</a:t>
             </a:r>
             <a:r>
-              <a:rPr lang="en-US" altLang="ja-JP" sz="2000" dirty="0"/>
+              <a:rPr lang="en-US" altLang="ja-JP" dirty="0"/>
               <a:t>(</a:t>
             </a:r>
             <a:r>
-              <a:rPr lang="ja-JP" altLang="en-US" sz="2000"/>
+              <a:rPr lang="ja-JP" altLang="en-US"/>
               <a:t>ログイン情報など</a:t>
             </a:r>
             <a:r>
-              <a:rPr lang="en-US" altLang="ja-JP" sz="2000" dirty="0"/>
+              <a:rPr lang="en-US" altLang="ja-JP" dirty="0"/>
               <a:t>)</a:t>
             </a:r>
-            <a:endParaRPr lang="en-US" sz="2000" dirty="0"/>
+            <a:endParaRPr lang="en-US" dirty="0"/>
           </a:p>
           <a:p>
             <a:pPr lvl="1"/>
             <a:r>
-              <a:rPr lang="en-US" sz="2000" dirty="0"/>
+              <a:rPr lang="en-US" dirty="0"/>
               <a:t>PUT : </a:t>
             </a:r>
             <a:r>
-              <a:rPr lang="ja-JP" altLang="en-US" sz="2000"/>
+              <a:rPr lang="ja-JP" altLang="en-US"/>
               <a:t>サーバーにデータを保存</a:t>
             </a:r>
             <a:r>
-              <a:rPr lang="en-US" altLang="ja-JP" sz="2000" dirty="0"/>
+              <a:rPr lang="en-US" altLang="ja-JP" dirty="0"/>
               <a:t>(</a:t>
             </a:r>
             <a:r>
-              <a:rPr lang="ja-JP" altLang="en-US" sz="2000"/>
+              <a:rPr lang="ja-JP" altLang="en-US"/>
               <a:t>画像ファイルの保存など</a:t>
             </a:r>
             <a:r>
-              <a:rPr lang="en-US" altLang="ja-JP" sz="2000" dirty="0"/>
+              <a:rPr lang="en-US" altLang="ja-JP" dirty="0"/>
               <a:t>)</a:t>
             </a:r>
-            <a:endParaRPr lang="en-US" sz="2000" dirty="0"/>
+            <a:endParaRPr lang="en-US" dirty="0"/>
           </a:p>
           <a:p>
             <a:pPr lvl="1"/>
             <a:r>
-              <a:rPr lang="en-US" sz="2000" dirty="0"/>
+              <a:rPr lang="en-US" dirty="0"/>
               <a:t>DELETE : </a:t>
             </a:r>
             <a:r>
-              <a:rPr lang="ja-JP" altLang="en-US" sz="2000"/>
+              <a:rPr lang="ja-JP" altLang="en-US"/>
               <a:t>サーバーのデータを削除</a:t>
             </a:r>
-            <a:endParaRPr lang="en-US" sz="2000" dirty="0"/>
+            <a:endParaRPr lang="en-US" dirty="0"/>
           </a:p>
           <a:p>
             <a:pPr lvl="1"/>
             <a:r>
-              <a:rPr lang="en-US" sz="2000" dirty="0"/>
+              <a:rPr lang="en-US" dirty="0"/>
               <a:t>HEAD : GET</a:t>
             </a:r>
             <a:r>
-              <a:rPr lang="ja-JP" altLang="en-US" sz="2000"/>
+              <a:rPr lang="ja-JP" altLang="en-US"/>
               <a:t>と似ているが後述するヘッダのみ取得</a:t>
             </a:r>
-            <a:endParaRPr lang="en-US" sz="2000" dirty="0"/>
+            <a:endParaRPr lang="en-US" dirty="0"/>
           </a:p>
         </p:txBody>
       </p:sp>
@@ -6948,140 +10703,350 @@
           <a:lstStyle/>
           <a:p>
             <a:r>
-              <a:rPr lang="ja-JP" altLang="en-US" sz="1600"/>
+              <a:rPr lang="ja-JP" altLang="en-US" sz="2400"/>
               <a:t>サーバーがクライアントに送る処理結果のステータス。</a:t>
             </a:r>
-            <a:endParaRPr lang="en-US" altLang="ja-JP" sz="1600" dirty="0"/>
-          </a:p>
-          <a:p>
-            <a:r>
-              <a:rPr lang="en-US" sz="1600" dirty="0"/>
+            <a:endParaRPr lang="en-US" altLang="ja-JP" sz="2400" dirty="0"/>
+          </a:p>
+          <a:p>
+            <a:endParaRPr lang="en-US" altLang="ja-JP" sz="2400" dirty="0"/>
+          </a:p>
+          <a:p>
+            <a:r>
+              <a:rPr lang="en-US" sz="2400" dirty="0"/>
               <a:t>2XX : </a:t>
             </a:r>
             <a:r>
-              <a:rPr lang="ja-JP" altLang="en-US" sz="1600"/>
+              <a:rPr lang="ja-JP" altLang="en-US" sz="2400"/>
               <a:t>成功</a:t>
             </a:r>
-            <a:endParaRPr lang="en-US" altLang="ja-JP" sz="1600" dirty="0"/>
+            <a:endParaRPr lang="en-US" altLang="ja-JP" sz="2400" dirty="0"/>
           </a:p>
           <a:p>
             <a:pPr lvl="1"/>
             <a:r>
-              <a:rPr lang="en-US" sz="1600" dirty="0"/>
+              <a:rPr lang="en-US" dirty="0"/>
               <a:t>200 : OK</a:t>
             </a:r>
           </a:p>
           <a:p>
             <a:pPr lvl="1"/>
             <a:r>
-              <a:rPr lang="en-US" sz="1600" dirty="0"/>
+              <a:rPr lang="en-US" dirty="0"/>
               <a:t>201 : Created</a:t>
             </a:r>
           </a:p>
           <a:p>
             <a:pPr lvl="1"/>
             <a:r>
-              <a:rPr lang="en-US" sz="1600" dirty="0"/>
+              <a:rPr lang="en-US" dirty="0"/>
               <a:t>202 : Accepted</a:t>
             </a:r>
           </a:p>
           <a:p>
             <a:pPr lvl="1"/>
             <a:r>
-              <a:rPr lang="en-US" sz="1600" dirty="0"/>
+              <a:rPr lang="en-US" dirty="0"/>
               <a:t>204 : No Content</a:t>
             </a:r>
           </a:p>
           <a:p>
             <a:r>
-              <a:rPr lang="en-US" sz="1600" dirty="0"/>
+              <a:rPr lang="en-US" sz="2400" dirty="0"/>
               <a:t>3XX : </a:t>
             </a:r>
             <a:r>
-              <a:rPr lang="ja-JP" altLang="en-US" sz="1600"/>
+              <a:rPr lang="ja-JP" altLang="en-US" sz="2400"/>
               <a:t>リダイレクション</a:t>
             </a:r>
-            <a:endParaRPr lang="en-US" altLang="ja-JP" sz="1600" dirty="0"/>
+            <a:endParaRPr lang="en-US" altLang="ja-JP" sz="2400" dirty="0"/>
           </a:p>
           <a:p>
             <a:pPr lvl="1"/>
             <a:r>
-              <a:rPr lang="en-US" sz="1600" dirty="0"/>
+              <a:rPr lang="en-US" dirty="0"/>
               <a:t>302 : Found</a:t>
             </a:r>
           </a:p>
           <a:p>
             <a:pPr lvl="1"/>
             <a:r>
-              <a:rPr lang="en-US" sz="1600" dirty="0"/>
+              <a:rPr lang="en-US" dirty="0"/>
               <a:t>304 : Not Modified</a:t>
             </a:r>
           </a:p>
           <a:p>
-            <a:r>
-              <a:rPr lang="en-US" sz="1600" dirty="0"/>
+            <a:pPr marL="457200" lvl="1" indent="0">
+              <a:buNone/>
+            </a:pPr>
+            <a:endParaRPr lang="en-US" dirty="0"/>
+          </a:p>
+          <a:p>
+            <a:pPr lvl="1"/>
+            <a:endParaRPr lang="en-US" dirty="0"/>
+          </a:p>
+          <a:p>
+            <a:pPr lvl="1"/>
+            <a:endParaRPr lang="en-US" dirty="0"/>
+          </a:p>
+        </p:txBody>
+      </p:sp>
+      <p:sp>
+        <p:nvSpPr>
+          <p:cNvPr id="4" name="Content Placeholder 2">
+            <a:extLst>
+              <a:ext uri="{FF2B5EF4-FFF2-40B4-BE49-F238E27FC236}">
+                <a16:creationId xmlns:a16="http://schemas.microsoft.com/office/drawing/2014/main" id="{0D5C6D10-3C41-DB4D-AA30-D2CA3DBA0BF1}"/>
+              </a:ext>
+            </a:extLst>
+          </p:cNvPr>
+          <p:cNvSpPr txBox="1">
+            <a:spLocks/>
+          </p:cNvSpPr>
+          <p:nvPr/>
+        </p:nvSpPr>
+        <p:spPr>
+          <a:xfrm>
+            <a:off x="5600700" y="2205989"/>
+            <a:ext cx="4937760" cy="3954781"/>
+          </a:xfrm>
+          <a:prstGeom prst="rect">
+            <a:avLst/>
+          </a:prstGeom>
+        </p:spPr>
+        <p:txBody>
+          <a:bodyPr vert="horz" lIns="91440" tIns="45720" rIns="91440" bIns="45720" rtlCol="0">
+            <a:normAutofit/>
+          </a:bodyPr>
+          <a:lstStyle>
+            <a:lvl1pPr marL="228600" indent="-228600" algn="l" defTabSz="914400" rtl="0" eaLnBrk="1" latinLnBrk="0" hangingPunct="1">
+              <a:lnSpc>
+                <a:spcPct val="90000"/>
+              </a:lnSpc>
+              <a:spcBef>
+                <a:spcPts val="1000"/>
+              </a:spcBef>
+              <a:buFont typeface="Arial" panose="020B0604020202020204" pitchFamily="34" charset="0"/>
+              <a:buChar char="•"/>
+              <a:defRPr sz="2800" kern="1200">
+                <a:solidFill>
+                  <a:schemeClr val="tx1"/>
+                </a:solidFill>
+                <a:latin typeface="+mn-lt"/>
+                <a:ea typeface="+mn-ea"/>
+                <a:cs typeface="+mn-cs"/>
+              </a:defRPr>
+            </a:lvl1pPr>
+            <a:lvl2pPr marL="685800" indent="-228600" algn="l" defTabSz="914400" rtl="0" eaLnBrk="1" latinLnBrk="0" hangingPunct="1">
+              <a:lnSpc>
+                <a:spcPct val="90000"/>
+              </a:lnSpc>
+              <a:spcBef>
+                <a:spcPts val="500"/>
+              </a:spcBef>
+              <a:buFont typeface="Arial" panose="020B0604020202020204" pitchFamily="34" charset="0"/>
+              <a:buChar char="•"/>
+              <a:defRPr sz="2400" kern="1200">
+                <a:solidFill>
+                  <a:schemeClr val="tx1"/>
+                </a:solidFill>
+                <a:latin typeface="+mn-lt"/>
+                <a:ea typeface="+mn-ea"/>
+                <a:cs typeface="+mn-cs"/>
+              </a:defRPr>
+            </a:lvl2pPr>
+            <a:lvl3pPr marL="1143000" indent="-228600" algn="l" defTabSz="914400" rtl="0" eaLnBrk="1" latinLnBrk="0" hangingPunct="1">
+              <a:lnSpc>
+                <a:spcPct val="90000"/>
+              </a:lnSpc>
+              <a:spcBef>
+                <a:spcPts val="500"/>
+              </a:spcBef>
+              <a:buFont typeface="Arial" panose="020B0604020202020204" pitchFamily="34" charset="0"/>
+              <a:buChar char="•"/>
+              <a:defRPr sz="2000" kern="1200">
+                <a:solidFill>
+                  <a:schemeClr val="tx1"/>
+                </a:solidFill>
+                <a:latin typeface="+mn-lt"/>
+                <a:ea typeface="+mn-ea"/>
+                <a:cs typeface="+mn-cs"/>
+              </a:defRPr>
+            </a:lvl3pPr>
+            <a:lvl4pPr marL="1600200" indent="-228600" algn="l" defTabSz="914400" rtl="0" eaLnBrk="1" latinLnBrk="0" hangingPunct="1">
+              <a:lnSpc>
+                <a:spcPct val="90000"/>
+              </a:lnSpc>
+              <a:spcBef>
+                <a:spcPts val="500"/>
+              </a:spcBef>
+              <a:buFont typeface="Arial" panose="020B0604020202020204" pitchFamily="34" charset="0"/>
+              <a:buChar char="•"/>
+              <a:defRPr sz="1800" kern="1200">
+                <a:solidFill>
+                  <a:schemeClr val="tx1"/>
+                </a:solidFill>
+                <a:latin typeface="+mn-lt"/>
+                <a:ea typeface="+mn-ea"/>
+                <a:cs typeface="+mn-cs"/>
+              </a:defRPr>
+            </a:lvl4pPr>
+            <a:lvl5pPr marL="2057400" indent="-228600" algn="l" defTabSz="914400" rtl="0" eaLnBrk="1" latinLnBrk="0" hangingPunct="1">
+              <a:lnSpc>
+                <a:spcPct val="90000"/>
+              </a:lnSpc>
+              <a:spcBef>
+                <a:spcPts val="500"/>
+              </a:spcBef>
+              <a:buFont typeface="Arial" panose="020B0604020202020204" pitchFamily="34" charset="0"/>
+              <a:buChar char="•"/>
+              <a:defRPr sz="1800" kern="1200">
+                <a:solidFill>
+                  <a:schemeClr val="tx1"/>
+                </a:solidFill>
+                <a:latin typeface="+mn-lt"/>
+                <a:ea typeface="+mn-ea"/>
+                <a:cs typeface="+mn-cs"/>
+              </a:defRPr>
+            </a:lvl5pPr>
+            <a:lvl6pPr marL="2514600" indent="-228600" algn="l" defTabSz="914400" rtl="0" eaLnBrk="1" latinLnBrk="0" hangingPunct="1">
+              <a:lnSpc>
+                <a:spcPct val="90000"/>
+              </a:lnSpc>
+              <a:spcBef>
+                <a:spcPts val="500"/>
+              </a:spcBef>
+              <a:buFont typeface="Arial" panose="020B0604020202020204" pitchFamily="34" charset="0"/>
+              <a:buChar char="•"/>
+              <a:defRPr sz="1800" kern="1200">
+                <a:solidFill>
+                  <a:schemeClr val="tx1"/>
+                </a:solidFill>
+                <a:latin typeface="+mn-lt"/>
+                <a:ea typeface="+mn-ea"/>
+                <a:cs typeface="+mn-cs"/>
+              </a:defRPr>
+            </a:lvl6pPr>
+            <a:lvl7pPr marL="2971800" indent="-228600" algn="l" defTabSz="914400" rtl="0" eaLnBrk="1" latinLnBrk="0" hangingPunct="1">
+              <a:lnSpc>
+                <a:spcPct val="90000"/>
+              </a:lnSpc>
+              <a:spcBef>
+                <a:spcPts val="500"/>
+              </a:spcBef>
+              <a:buFont typeface="Arial" panose="020B0604020202020204" pitchFamily="34" charset="0"/>
+              <a:buChar char="•"/>
+              <a:defRPr sz="1800" kern="1200">
+                <a:solidFill>
+                  <a:schemeClr val="tx1"/>
+                </a:solidFill>
+                <a:latin typeface="+mn-lt"/>
+                <a:ea typeface="+mn-ea"/>
+                <a:cs typeface="+mn-cs"/>
+              </a:defRPr>
+            </a:lvl7pPr>
+            <a:lvl8pPr marL="3429000" indent="-228600" algn="l" defTabSz="914400" rtl="0" eaLnBrk="1" latinLnBrk="0" hangingPunct="1">
+              <a:lnSpc>
+                <a:spcPct val="90000"/>
+              </a:lnSpc>
+              <a:spcBef>
+                <a:spcPts val="500"/>
+              </a:spcBef>
+              <a:buFont typeface="Arial" panose="020B0604020202020204" pitchFamily="34" charset="0"/>
+              <a:buChar char="•"/>
+              <a:defRPr sz="1800" kern="1200">
+                <a:solidFill>
+                  <a:schemeClr val="tx1"/>
+                </a:solidFill>
+                <a:latin typeface="+mn-lt"/>
+                <a:ea typeface="+mn-ea"/>
+                <a:cs typeface="+mn-cs"/>
+              </a:defRPr>
+            </a:lvl8pPr>
+            <a:lvl9pPr marL="3886200" indent="-228600" algn="l" defTabSz="914400" rtl="0" eaLnBrk="1" latinLnBrk="0" hangingPunct="1">
+              <a:lnSpc>
+                <a:spcPct val="90000"/>
+              </a:lnSpc>
+              <a:spcBef>
+                <a:spcPts val="500"/>
+              </a:spcBef>
+              <a:buFont typeface="Arial" panose="020B0604020202020204" pitchFamily="34" charset="0"/>
+              <a:buChar char="•"/>
+              <a:defRPr sz="1800" kern="1200">
+                <a:solidFill>
+                  <a:schemeClr val="tx1"/>
+                </a:solidFill>
+                <a:latin typeface="+mn-lt"/>
+                <a:ea typeface="+mn-ea"/>
+                <a:cs typeface="+mn-cs"/>
+              </a:defRPr>
+            </a:lvl9pPr>
+          </a:lstStyle>
+          <a:p>
+            <a:r>
+              <a:rPr lang="en-US" sz="2400" dirty="0"/>
               <a:t>4XX : Client Error</a:t>
             </a:r>
           </a:p>
           <a:p>
             <a:pPr lvl="1"/>
             <a:r>
-              <a:rPr lang="en-US" sz="1600" dirty="0"/>
+              <a:rPr lang="en-US" dirty="0"/>
               <a:t>400 : Bad Request</a:t>
             </a:r>
           </a:p>
           <a:p>
             <a:pPr lvl="1"/>
             <a:r>
-              <a:rPr lang="en-US" sz="1600" dirty="0"/>
+              <a:rPr lang="en-US" dirty="0"/>
               <a:t>401 : Unauthorized</a:t>
             </a:r>
           </a:p>
           <a:p>
             <a:pPr lvl="1"/>
             <a:r>
-              <a:rPr lang="en-US" sz="1600" dirty="0"/>
+              <a:rPr lang="en-US" dirty="0"/>
               <a:t>403 : Forbidden</a:t>
             </a:r>
           </a:p>
           <a:p>
             <a:pPr lvl="1"/>
             <a:r>
-              <a:rPr lang="en-US" sz="1600" dirty="0"/>
+              <a:rPr lang="en-US" dirty="0"/>
               <a:t>404 : Not Found</a:t>
             </a:r>
           </a:p>
           <a:p>
             <a:r>
-              <a:rPr lang="en-US" sz="1600" dirty="0"/>
+              <a:rPr lang="en-US" sz="2400" dirty="0"/>
               <a:t>5XX : Server Error</a:t>
             </a:r>
           </a:p>
           <a:p>
             <a:pPr lvl="1"/>
             <a:r>
-              <a:rPr lang="en-US" sz="1600" dirty="0"/>
+              <a:rPr lang="en-US" dirty="0"/>
               <a:t>500 : Internal Server Error</a:t>
             </a:r>
           </a:p>
           <a:p>
             <a:pPr lvl="1"/>
             <a:r>
-              <a:rPr lang="en-US" sz="1600" dirty="0"/>
+              <a:rPr lang="en-US" dirty="0"/>
               <a:t>503 : Service Unavailable</a:t>
             </a:r>
           </a:p>
           <a:p>
             <a:pPr lvl="1"/>
-            <a:endParaRPr lang="en-US" sz="1600" dirty="0"/>
+            <a:endParaRPr lang="en-US" dirty="0"/>
           </a:p>
           <a:p>
             <a:pPr lvl="1"/>
-            <a:endParaRPr lang="en-US" sz="1600" dirty="0"/>
+            <a:endParaRPr lang="en-US" dirty="0"/>
           </a:p>
           <a:p>
             <a:pPr lvl="1"/>
-            <a:endParaRPr lang="en-US" sz="1600" dirty="0"/>
+            <a:endParaRPr lang="en-US" dirty="0"/>
           </a:p>
         </p:txBody>
       </p:sp>
@@ -7208,38 +11173,38 @@
           <a:p>
             <a:pPr lvl="1"/>
             <a:r>
-              <a:rPr lang="ja-JP" altLang="en-US" sz="2000"/>
+              <a:rPr lang="ja-JP" altLang="en-US"/>
               <a:t>文字コード</a:t>
             </a:r>
-            <a:endParaRPr lang="en-US" altLang="ja-JP" sz="2000" dirty="0"/>
+            <a:endParaRPr lang="en-US" altLang="ja-JP" dirty="0"/>
           </a:p>
           <a:p>
             <a:pPr lvl="1"/>
             <a:r>
-              <a:rPr lang="ja-JP" altLang="en-US" sz="2000"/>
+              <a:rPr lang="ja-JP" altLang="en-US"/>
               <a:t>どういったデータ形式か</a:t>
             </a:r>
-            <a:endParaRPr lang="en-US" altLang="ja-JP" sz="2000" dirty="0"/>
+            <a:endParaRPr lang="en-US" altLang="ja-JP" dirty="0"/>
           </a:p>
           <a:p>
             <a:pPr lvl="1"/>
             <a:r>
-              <a:rPr lang="ja-JP" altLang="en-US" sz="2000"/>
+              <a:rPr lang="ja-JP" altLang="en-US"/>
               <a:t>いつ作成されたデータか</a:t>
             </a:r>
-            <a:endParaRPr lang="en-US" altLang="ja-JP" sz="2000" dirty="0"/>
+            <a:endParaRPr lang="en-US" altLang="ja-JP" dirty="0"/>
           </a:p>
           <a:p>
             <a:pPr lvl="1"/>
             <a:r>
-              <a:rPr lang="ja-JP" altLang="en-US" sz="2000"/>
+              <a:rPr lang="ja-JP" altLang="en-US"/>
               <a:t>その他</a:t>
             </a:r>
-            <a:endParaRPr lang="en-US" altLang="ja-JP" sz="2000" dirty="0"/>
+            <a:endParaRPr lang="en-US" altLang="ja-JP" dirty="0"/>
           </a:p>
           <a:p>
             <a:pPr lvl="1"/>
-            <a:endParaRPr lang="en-US" altLang="ja-JP" sz="2000" dirty="0"/>
+            <a:endParaRPr lang="en-US" altLang="ja-JP" dirty="0"/>
           </a:p>
           <a:p>
             <a:r>
@@ -7259,53 +11224,53 @@
           <a:p>
             <a:pPr lvl="1"/>
             <a:r>
-              <a:rPr lang="en-US" altLang="ja-JP" sz="2000" dirty="0"/>
+              <a:rPr lang="en-US" altLang="ja-JP" dirty="0"/>
               <a:t>Web</a:t>
             </a:r>
             <a:r>
-              <a:rPr lang="ja-JP" altLang="en-US" sz="2000"/>
+              <a:rPr lang="ja-JP" altLang="en-US"/>
               <a:t>ページの</a:t>
             </a:r>
             <a:r>
-              <a:rPr lang="en-US" altLang="ja-JP" sz="2000" dirty="0"/>
+              <a:rPr lang="en-US" altLang="ja-JP" dirty="0"/>
               <a:t>HTML</a:t>
             </a:r>
             <a:r>
-              <a:rPr lang="ja-JP" altLang="en-US" sz="2000"/>
+              <a:rPr lang="ja-JP" altLang="en-US"/>
               <a:t>や</a:t>
             </a:r>
             <a:r>
-              <a:rPr lang="en-US" altLang="ja-JP" sz="2000" dirty="0"/>
+              <a:rPr lang="en-US" altLang="ja-JP" dirty="0"/>
               <a:t>CSS</a:t>
             </a:r>
           </a:p>
           <a:p>
             <a:pPr lvl="1"/>
             <a:r>
-              <a:rPr lang="ja-JP" altLang="en-US" sz="2000"/>
+              <a:rPr lang="ja-JP" altLang="en-US"/>
               <a:t>画像データ</a:t>
             </a:r>
-            <a:endParaRPr lang="en-US" altLang="ja-JP" sz="2000" dirty="0"/>
+            <a:endParaRPr lang="en-US" altLang="ja-JP" dirty="0"/>
           </a:p>
           <a:p>
             <a:pPr lvl="1"/>
             <a:r>
-              <a:rPr lang="ja-JP" altLang="en-US" sz="2000"/>
+              <a:rPr lang="ja-JP" altLang="en-US"/>
               <a:t>ユーザー情報</a:t>
             </a:r>
-            <a:endParaRPr lang="en-US" altLang="ja-JP" sz="2000" dirty="0"/>
+            <a:endParaRPr lang="en-US" altLang="ja-JP" dirty="0"/>
           </a:p>
           <a:p>
             <a:pPr lvl="1"/>
             <a:r>
-              <a:rPr lang="ja-JP" altLang="en-US" sz="2000"/>
+              <a:rPr lang="ja-JP" altLang="en-US"/>
               <a:t>その他</a:t>
             </a:r>
-            <a:endParaRPr lang="en-US" altLang="ja-JP" sz="2000" dirty="0"/>
+            <a:endParaRPr lang="en-US" altLang="ja-JP" dirty="0"/>
           </a:p>
           <a:p>
             <a:pPr lvl="1"/>
-            <a:endParaRPr lang="en-US" sz="2000" dirty="0"/>
+            <a:endParaRPr lang="en-US" dirty="0"/>
           </a:p>
         </p:txBody>
       </p:sp>
@@ -7353,7 +11318,7 @@
         </p:nvSpPr>
         <p:spPr>
           <a:xfrm>
-            <a:off x="2653298" y="1151677"/>
+            <a:off x="2630438" y="1506007"/>
             <a:ext cx="3846030" cy="2246613"/>
           </a:xfrm>
           <a:prstGeom prst="rect">
@@ -7405,7 +11370,7 @@
         </p:nvSpPr>
         <p:spPr>
           <a:xfrm>
-            <a:off x="2829315" y="1792970"/>
+            <a:off x="2806455" y="2147300"/>
             <a:ext cx="3532853" cy="699988"/>
           </a:xfrm>
           <a:prstGeom prst="rect">
@@ -7505,7 +11470,7 @@
         </p:nvSpPr>
         <p:spPr>
           <a:xfrm>
-            <a:off x="587397" y="3932237"/>
+            <a:off x="564537" y="4286567"/>
             <a:ext cx="2213610" cy="1668780"/>
           </a:xfrm>
           <a:prstGeom prst="rect">
@@ -7564,7 +11529,7 @@
         </p:nvSpPr>
         <p:spPr>
           <a:xfrm>
-            <a:off x="9067800" y="3932237"/>
+            <a:off x="9044940" y="4286567"/>
             <a:ext cx="2213610" cy="1668780"/>
           </a:xfrm>
           <a:prstGeom prst="rect">
@@ -7623,7 +11588,7 @@
         </p:nvSpPr>
         <p:spPr>
           <a:xfrm>
-            <a:off x="5388292" y="4206240"/>
+            <a:off x="5365432" y="4560570"/>
             <a:ext cx="1964055" cy="1255509"/>
           </a:xfrm>
           <a:prstGeom prst="cloud">
@@ -7677,7 +11642,7 @@
         </p:nvSpPr>
         <p:spPr>
           <a:xfrm>
-            <a:off x="5886982" y="4593391"/>
+            <a:off x="5864122" y="4947721"/>
             <a:ext cx="994055" cy="369332"/>
           </a:xfrm>
           <a:prstGeom prst="rect">
@@ -7712,7 +11677,7 @@
         </p:nvSpPr>
         <p:spPr>
           <a:xfrm>
-            <a:off x="3851910" y="4206240"/>
+            <a:off x="3829050" y="4560570"/>
             <a:ext cx="4674870" cy="400367"/>
           </a:xfrm>
           <a:prstGeom prst="rightArrow">
@@ -7761,7 +11726,7 @@
         </p:nvSpPr>
         <p:spPr>
           <a:xfrm rot="10800000">
-            <a:off x="3851910" y="5020190"/>
+            <a:off x="3829050" y="5374520"/>
             <a:ext cx="4674870" cy="400367"/>
           </a:xfrm>
           <a:prstGeom prst="rightArrow">
@@ -7810,7 +11775,7 @@
         </p:nvSpPr>
         <p:spPr>
           <a:xfrm>
-            <a:off x="6859905" y="3553705"/>
+            <a:off x="6837045" y="3908035"/>
             <a:ext cx="1291590" cy="457200"/>
           </a:xfrm>
           <a:prstGeom prst="rect">
@@ -7859,7 +11824,7 @@
         </p:nvSpPr>
         <p:spPr>
           <a:xfrm>
-            <a:off x="2829315" y="1274630"/>
+            <a:off x="2806455" y="1628960"/>
             <a:ext cx="3532853" cy="432020"/>
           </a:xfrm>
           <a:prstGeom prst="rect">
@@ -7911,7 +11876,7 @@
         </p:nvSpPr>
         <p:spPr>
           <a:xfrm>
-            <a:off x="2847443" y="1306600"/>
+            <a:off x="2824583" y="1660930"/>
             <a:ext cx="2574359" cy="369332"/>
           </a:xfrm>
           <a:prstGeom prst="rect">
@@ -7946,7 +11911,7 @@
         </p:nvSpPr>
         <p:spPr>
           <a:xfrm>
-            <a:off x="2847443" y="1789160"/>
+            <a:off x="2824583" y="2143490"/>
             <a:ext cx="3514726" cy="646331"/>
           </a:xfrm>
           <a:prstGeom prst="rect">
@@ -7999,7 +11964,7 @@
         </p:nvSpPr>
         <p:spPr>
           <a:xfrm>
-            <a:off x="2829315" y="2559295"/>
+            <a:off x="2806455" y="2913625"/>
             <a:ext cx="3532853" cy="699988"/>
           </a:xfrm>
           <a:prstGeom prst="rect">
@@ -8051,7 +12016,7 @@
         </p:nvCxnSpPr>
         <p:spPr>
           <a:xfrm flipH="1" flipV="1">
-            <a:off x="2653298" y="3398290"/>
+            <a:off x="2630438" y="3752620"/>
             <a:ext cx="4206607" cy="612615"/>
           </a:xfrm>
           <a:prstGeom prst="line">
@@ -8089,7 +12054,7 @@
         </p:nvCxnSpPr>
         <p:spPr>
           <a:xfrm flipH="1" flipV="1">
-            <a:off x="6499328" y="1178908"/>
+            <a:off x="6476468" y="1533238"/>
             <a:ext cx="360577" cy="2371782"/>
           </a:xfrm>
           <a:prstGeom prst="line">
@@ -8125,7 +12090,7 @@
         </p:nvSpPr>
         <p:spPr>
           <a:xfrm>
-            <a:off x="723061" y="1303570"/>
+            <a:off x="700201" y="1657900"/>
             <a:ext cx="1569660" cy="369332"/>
           </a:xfrm>
           <a:prstGeom prst="rect">
@@ -8161,7 +12126,7 @@
         </p:nvSpPr>
         <p:spPr>
           <a:xfrm>
-            <a:off x="1069309" y="1962684"/>
+            <a:off x="1046449" y="2317014"/>
             <a:ext cx="877163" cy="369332"/>
           </a:xfrm>
           <a:prstGeom prst="rect">
@@ -8197,8 +12162,8 @@
         </p:nvSpPr>
         <p:spPr>
           <a:xfrm>
-            <a:off x="1069309" y="2724623"/>
-            <a:ext cx="877163" cy="369332"/>
+            <a:off x="629667" y="2981122"/>
+            <a:ext cx="1710725" cy="646331"/>
           </a:xfrm>
           <a:prstGeom prst="rect">
             <a:avLst/>
@@ -8211,11 +12176,27 @@
           </a:bodyPr>
           <a:lstStyle/>
           <a:p>
+            <a:pPr algn="ctr"/>
             <a:r>
               <a:rPr lang="ja-JP" altLang="en-US"/>
               <a:t>ボディ</a:t>
             </a:r>
-            <a:endParaRPr lang="en-US" dirty="0"/>
+            <a:endParaRPr lang="en-US" altLang="ja-JP" dirty="0"/>
+          </a:p>
+          <a:p>
+            <a:pPr algn="ctr"/>
+            <a:r>
+              <a:rPr lang="en-US" dirty="0"/>
+              <a:t>(</a:t>
+            </a:r>
+            <a:r>
+              <a:rPr lang="ja-JP" altLang="en-US"/>
+              <a:t>必須ではない</a:t>
+            </a:r>
+            <a:r>
+              <a:rPr lang="en-US" dirty="0"/>
+              <a:t>)</a:t>
+            </a:r>
           </a:p>
         </p:txBody>
       </p:sp>
@@ -8263,7 +12244,7 @@
         </p:nvSpPr>
         <p:spPr>
           <a:xfrm>
-            <a:off x="4932056" y="1155455"/>
+            <a:off x="4977776" y="1441205"/>
             <a:ext cx="4280524" cy="2246613"/>
           </a:xfrm>
           <a:prstGeom prst="rect">
@@ -8315,7 +12296,7 @@
         </p:nvSpPr>
         <p:spPr>
           <a:xfrm>
-            <a:off x="5108073" y="1796748"/>
+            <a:off x="5153793" y="2082498"/>
             <a:ext cx="3955917" cy="699988"/>
           </a:xfrm>
           <a:prstGeom prst="rect">
@@ -8415,7 +12396,7 @@
         </p:nvSpPr>
         <p:spPr>
           <a:xfrm>
-            <a:off x="587397" y="3932237"/>
+            <a:off x="633117" y="4217987"/>
             <a:ext cx="2213610" cy="1668780"/>
           </a:xfrm>
           <a:prstGeom prst="rect">
@@ -8474,7 +12455,7 @@
         </p:nvSpPr>
         <p:spPr>
           <a:xfrm>
-            <a:off x="9067800" y="3932237"/>
+            <a:off x="9113520" y="4217987"/>
             <a:ext cx="2213610" cy="1668780"/>
           </a:xfrm>
           <a:prstGeom prst="rect">
@@ -8533,7 +12514,7 @@
         </p:nvSpPr>
         <p:spPr>
           <a:xfrm>
-            <a:off x="5388292" y="4206240"/>
+            <a:off x="5434012" y="4491990"/>
             <a:ext cx="1964055" cy="1255509"/>
           </a:xfrm>
           <a:prstGeom prst="cloud">
@@ -8587,7 +12568,7 @@
         </p:nvSpPr>
         <p:spPr>
           <a:xfrm>
-            <a:off x="5886982" y="4593391"/>
+            <a:off x="5932702" y="4879141"/>
             <a:ext cx="994055" cy="369332"/>
           </a:xfrm>
           <a:prstGeom prst="rect">
@@ -8622,7 +12603,7 @@
         </p:nvSpPr>
         <p:spPr>
           <a:xfrm>
-            <a:off x="3851910" y="4206240"/>
+            <a:off x="3897630" y="4491990"/>
             <a:ext cx="4674870" cy="400367"/>
           </a:xfrm>
           <a:prstGeom prst="rightArrow">
@@ -8671,7 +12652,7 @@
         </p:nvSpPr>
         <p:spPr>
           <a:xfrm rot="10800000">
-            <a:off x="3851910" y="5020190"/>
+            <a:off x="3897630" y="5305940"/>
             <a:ext cx="4674870" cy="400367"/>
           </a:xfrm>
           <a:prstGeom prst="rightArrow">
@@ -8720,7 +12701,7 @@
         </p:nvSpPr>
         <p:spPr>
           <a:xfrm>
-            <a:off x="5196895" y="5690407"/>
+            <a:off x="5242615" y="5976157"/>
             <a:ext cx="1291590" cy="457200"/>
           </a:xfrm>
           <a:prstGeom prst="rect">
@@ -8769,7 +12750,7 @@
         </p:nvSpPr>
         <p:spPr>
           <a:xfrm>
-            <a:off x="5108073" y="1278408"/>
+            <a:off x="5153793" y="1564158"/>
             <a:ext cx="3955917" cy="432020"/>
           </a:xfrm>
           <a:prstGeom prst="rect">
@@ -8821,7 +12802,7 @@
         </p:nvSpPr>
         <p:spPr>
           <a:xfrm>
-            <a:off x="5126201" y="1310378"/>
+            <a:off x="5171921" y="1596128"/>
             <a:ext cx="1932517" cy="369332"/>
           </a:xfrm>
           <a:prstGeom prst="rect">
@@ -8856,7 +12837,7 @@
         </p:nvSpPr>
         <p:spPr>
           <a:xfrm>
-            <a:off x="5126201" y="1792938"/>
+            <a:off x="5171921" y="2078688"/>
             <a:ext cx="3846030" cy="646331"/>
           </a:xfrm>
           <a:prstGeom prst="rect">
@@ -8897,7 +12878,7 @@
         </p:nvSpPr>
         <p:spPr>
           <a:xfrm>
-            <a:off x="5108073" y="2563073"/>
+            <a:off x="5153793" y="2848823"/>
             <a:ext cx="3955917" cy="699988"/>
           </a:xfrm>
           <a:prstGeom prst="rect">
@@ -8951,7 +12932,7 @@
         </p:nvCxnSpPr>
         <p:spPr>
           <a:xfrm flipH="1">
-            <a:off x="6488485" y="3402068"/>
+            <a:off x="6534205" y="3687818"/>
             <a:ext cx="2724095" cy="2300477"/>
           </a:xfrm>
           <a:prstGeom prst="line">
@@ -8989,7 +12970,7 @@
         </p:nvCxnSpPr>
         <p:spPr>
           <a:xfrm flipH="1" flipV="1">
-            <a:off x="4932056" y="3429000"/>
+            <a:off x="4977776" y="3714750"/>
             <a:ext cx="264839" cy="2261407"/>
           </a:xfrm>
           <a:prstGeom prst="line">
@@ -9025,7 +13006,7 @@
         </p:nvSpPr>
         <p:spPr>
           <a:xfrm>
-            <a:off x="9430386" y="1341096"/>
+            <a:off x="9476106" y="1626846"/>
             <a:ext cx="1569660" cy="369332"/>
           </a:xfrm>
           <a:prstGeom prst="rect">
@@ -9061,7 +13042,7 @@
         </p:nvSpPr>
         <p:spPr>
           <a:xfrm>
-            <a:off x="9736023" y="1931437"/>
+            <a:off x="9781743" y="2217187"/>
             <a:ext cx="877163" cy="369332"/>
           </a:xfrm>
           <a:prstGeom prst="rect">
@@ -9097,7 +13078,7 @@
         </p:nvSpPr>
         <p:spPr>
           <a:xfrm>
-            <a:off x="9736022" y="2721555"/>
+            <a:off x="9781742" y="3007305"/>
             <a:ext cx="877163" cy="369332"/>
           </a:xfrm>
           <a:prstGeom prst="rect">
@@ -9133,7 +13114,7 @@
         </p:nvSpPr>
         <p:spPr>
           <a:xfrm>
-            <a:off x="5158555" y="2583056"/>
+            <a:off x="5204275" y="2868806"/>
             <a:ext cx="1763111" cy="646331"/>
           </a:xfrm>
           <a:prstGeom prst="rect">

--- a/lesson01.pptx
+++ b/lesson01.pptx
@@ -280,7 +280,7 @@
           <a:p>
             <a:fld id="{41A30A62-9294-C34D-987B-7C66EC007DEC}" type="datetimeFigureOut">
               <a:rPr lang="en-US" smtClean="0"/>
-              <a:t>1/25/19</a:t>
+              <a:t>1/28/19</a:t>
             </a:fld>
             <a:endParaRPr lang="en-US"/>
           </a:p>
@@ -478,7 +478,7 @@
           <a:p>
             <a:fld id="{41A30A62-9294-C34D-987B-7C66EC007DEC}" type="datetimeFigureOut">
               <a:rPr lang="en-US" smtClean="0"/>
-              <a:t>1/25/19</a:t>
+              <a:t>1/28/19</a:t>
             </a:fld>
             <a:endParaRPr lang="en-US"/>
           </a:p>
@@ -686,7 +686,7 @@
           <a:p>
             <a:fld id="{41A30A62-9294-C34D-987B-7C66EC007DEC}" type="datetimeFigureOut">
               <a:rPr lang="en-US" smtClean="0"/>
-              <a:t>1/25/19</a:t>
+              <a:t>1/28/19</a:t>
             </a:fld>
             <a:endParaRPr lang="en-US"/>
           </a:p>
@@ -884,7 +884,7 @@
           <a:p>
             <a:fld id="{41A30A62-9294-C34D-987B-7C66EC007DEC}" type="datetimeFigureOut">
               <a:rPr lang="en-US" smtClean="0"/>
-              <a:t>1/25/19</a:t>
+              <a:t>1/28/19</a:t>
             </a:fld>
             <a:endParaRPr lang="en-US"/>
           </a:p>
@@ -1159,7 +1159,7 @@
           <a:p>
             <a:fld id="{41A30A62-9294-C34D-987B-7C66EC007DEC}" type="datetimeFigureOut">
               <a:rPr lang="en-US" smtClean="0"/>
-              <a:t>1/25/19</a:t>
+              <a:t>1/28/19</a:t>
             </a:fld>
             <a:endParaRPr lang="en-US"/>
           </a:p>
@@ -1424,7 +1424,7 @@
           <a:p>
             <a:fld id="{41A30A62-9294-C34D-987B-7C66EC007DEC}" type="datetimeFigureOut">
               <a:rPr lang="en-US" smtClean="0"/>
-              <a:t>1/25/19</a:t>
+              <a:t>1/28/19</a:t>
             </a:fld>
             <a:endParaRPr lang="en-US"/>
           </a:p>
@@ -1836,7 +1836,7 @@
           <a:p>
             <a:fld id="{41A30A62-9294-C34D-987B-7C66EC007DEC}" type="datetimeFigureOut">
               <a:rPr lang="en-US" smtClean="0"/>
-              <a:t>1/25/19</a:t>
+              <a:t>1/28/19</a:t>
             </a:fld>
             <a:endParaRPr lang="en-US"/>
           </a:p>
@@ -1977,7 +1977,7 @@
           <a:p>
             <a:fld id="{41A30A62-9294-C34D-987B-7C66EC007DEC}" type="datetimeFigureOut">
               <a:rPr lang="en-US" smtClean="0"/>
-              <a:t>1/25/19</a:t>
+              <a:t>1/28/19</a:t>
             </a:fld>
             <a:endParaRPr lang="en-US"/>
           </a:p>
@@ -2090,7 +2090,7 @@
           <a:p>
             <a:fld id="{41A30A62-9294-C34D-987B-7C66EC007DEC}" type="datetimeFigureOut">
               <a:rPr lang="en-US" smtClean="0"/>
-              <a:t>1/25/19</a:t>
+              <a:t>1/28/19</a:t>
             </a:fld>
             <a:endParaRPr lang="en-US"/>
           </a:p>
@@ -2401,7 +2401,7 @@
           <a:p>
             <a:fld id="{41A30A62-9294-C34D-987B-7C66EC007DEC}" type="datetimeFigureOut">
               <a:rPr lang="en-US" smtClean="0"/>
-              <a:t>1/25/19</a:t>
+              <a:t>1/28/19</a:t>
             </a:fld>
             <a:endParaRPr lang="en-US"/>
           </a:p>
@@ -2689,7 +2689,7 @@
           <a:p>
             <a:fld id="{41A30A62-9294-C34D-987B-7C66EC007DEC}" type="datetimeFigureOut">
               <a:rPr lang="en-US" smtClean="0"/>
-              <a:t>1/25/19</a:t>
+              <a:t>1/28/19</a:t>
             </a:fld>
             <a:endParaRPr lang="en-US"/>
           </a:p>
@@ -2930,7 +2930,7 @@
           <a:p>
             <a:fld id="{41A30A62-9294-C34D-987B-7C66EC007DEC}" type="datetimeFigureOut">
               <a:rPr lang="en-US" smtClean="0"/>
-              <a:t>1/25/19</a:t>
+              <a:t>1/28/19</a:t>
             </a:fld>
             <a:endParaRPr lang="en-US"/>
           </a:p>
@@ -8823,17 +8823,6 @@
           <a:p>
             <a:r>
               <a:rPr lang="en-US" sz="2400" dirty="0"/>
-              <a:t>REST API</a:t>
-            </a:r>
-            <a:r>
-              <a:rPr lang="ja-JP" altLang="en-US" sz="2400"/>
-              <a:t>とは</a:t>
-            </a:r>
-            <a:endParaRPr lang="en-US" sz="2400" dirty="0"/>
-          </a:p>
-          <a:p>
-            <a:r>
-              <a:rPr lang="en-US" sz="2400" dirty="0"/>
               <a:t>HTTP Protocol </a:t>
             </a:r>
             <a:r>
@@ -8854,12 +8843,27 @@
             <a:pPr lvl="1"/>
             <a:r>
               <a:rPr lang="en-US" dirty="0"/>
+              <a:t>URL</a:t>
+            </a:r>
+          </a:p>
+          <a:p>
+            <a:pPr lvl="1"/>
+            <a:r>
+              <a:rPr lang="en-US" dirty="0"/>
               <a:t>HTTP </a:t>
             </a:r>
             <a:r>
               <a:rPr lang="ja-JP" altLang="en-US"/>
               <a:t>メソッド</a:t>
             </a:r>
+            <a:endParaRPr lang="en-US" altLang="ja-JP" dirty="0"/>
+          </a:p>
+          <a:p>
+            <a:pPr lvl="1"/>
+            <a:r>
+              <a:rPr lang="ja-JP" altLang="en-US"/>
+              <a:t>レスポンスコード</a:t>
+            </a:r>
             <a:endParaRPr lang="en-US" dirty="0"/>
           </a:p>
           <a:p>
@@ -8875,6 +8879,34 @@
               <a:rPr lang="en-US" sz="2400" dirty="0"/>
               <a:t>REST API</a:t>
             </a:r>
+          </a:p>
+          <a:p>
+            <a:pPr lvl="1"/>
+            <a:r>
+              <a:rPr lang="en-US" dirty="0"/>
+              <a:t>REST API</a:t>
+            </a:r>
+            <a:r>
+              <a:rPr lang="ja-JP" altLang="en-US"/>
+              <a:t>とは</a:t>
+            </a:r>
+            <a:endParaRPr lang="en-US" dirty="0"/>
+          </a:p>
+          <a:p>
+            <a:pPr lvl="1"/>
+            <a:r>
+              <a:rPr lang="en-US" dirty="0"/>
+              <a:t>CRUD</a:t>
+            </a:r>
+            <a:r>
+              <a:rPr lang="ja-JP" altLang="en-US"/>
+              <a:t>と</a:t>
+            </a:r>
+            <a:r>
+              <a:rPr lang="en-US" altLang="ja-JP"/>
+              <a:t>JSON</a:t>
+            </a:r>
+            <a:endParaRPr lang="en-US" dirty="0"/>
           </a:p>
           <a:p>
             <a:pPr lvl="1"/>
